--- a/M3-ExpSpatial/Instructions/Instructions_spatial.pptx
+++ b/M3-ExpSpatial/Instructions/Instructions_spatial.pptx
@@ -415,18 +415,18 @@
   <pc:docChgLst>
     <pc:chgData name="Jan Goettmann" userId="c2e55d6b-0073-4530-a823-558d1fdc99aa" providerId="ADAL" clId="{F885EB0A-33E4-4BFF-ABD4-92EC8EB3B2D7}"/>
     <pc:docChg chg="undo custSel addSld delSld modSld">
-      <pc:chgData name="Jan Goettmann" userId="c2e55d6b-0073-4530-a823-558d1fdc99aa" providerId="ADAL" clId="{F885EB0A-33E4-4BFF-ABD4-92EC8EB3B2D7}" dt="2022-10-17T11:24:33.893" v="2730" actId="20577"/>
+      <pc:chgData name="Jan Goettmann" userId="c2e55d6b-0073-4530-a823-558d1fdc99aa" providerId="ADAL" clId="{F885EB0A-33E4-4BFF-ABD4-92EC8EB3B2D7}" dt="2022-10-17T11:43:51.260" v="2942" actId="114"/>
       <pc:docMkLst>
         <pc:docMk/>
       </pc:docMkLst>
       <pc:sldChg chg="modSp mod">
-        <pc:chgData name="Jan Goettmann" userId="c2e55d6b-0073-4530-a823-558d1fdc99aa" providerId="ADAL" clId="{F885EB0A-33E4-4BFF-ABD4-92EC8EB3B2D7}" dt="2022-10-17T08:15:03.858" v="180" actId="20577"/>
+        <pc:chgData name="Jan Goettmann" userId="c2e55d6b-0073-4530-a823-558d1fdc99aa" providerId="ADAL" clId="{F885EB0A-33E4-4BFF-ABD4-92EC8EB3B2D7}" dt="2022-10-17T11:42:16.102" v="2937" actId="207"/>
         <pc:sldMkLst>
           <pc:docMk/>
           <pc:sldMk cId="747762091" sldId="257"/>
         </pc:sldMkLst>
         <pc:spChg chg="mod">
-          <ac:chgData name="Jan Goettmann" userId="c2e55d6b-0073-4530-a823-558d1fdc99aa" providerId="ADAL" clId="{F885EB0A-33E4-4BFF-ABD4-92EC8EB3B2D7}" dt="2022-10-17T08:15:03.858" v="180" actId="20577"/>
+          <ac:chgData name="Jan Goettmann" userId="c2e55d6b-0073-4530-a823-558d1fdc99aa" providerId="ADAL" clId="{F885EB0A-33E4-4BFF-ABD4-92EC8EB3B2D7}" dt="2022-10-17T11:42:16.102" v="2937" actId="207"/>
           <ac:spMkLst>
             <pc:docMk/>
             <pc:sldMk cId="747762091" sldId="257"/>
@@ -522,7 +522,7 @@
         </pc:cxnChg>
       </pc:sldChg>
       <pc:sldChg chg="addSp delSp modSp mod">
-        <pc:chgData name="Jan Goettmann" userId="c2e55d6b-0073-4530-a823-558d1fdc99aa" providerId="ADAL" clId="{F885EB0A-33E4-4BFF-ABD4-92EC8EB3B2D7}" dt="2022-10-17T09:30:08.728" v="1419" actId="1076"/>
+        <pc:chgData name="Jan Goettmann" userId="c2e55d6b-0073-4530-a823-558d1fdc99aa" providerId="ADAL" clId="{F885EB0A-33E4-4BFF-ABD4-92EC8EB3B2D7}" dt="2022-10-17T11:43:51.260" v="2942" actId="114"/>
         <pc:sldMkLst>
           <pc:docMk/>
           <pc:sldMk cId="3447940044" sldId="261"/>
@@ -1032,7 +1032,7 @@
           </ac:spMkLst>
         </pc:spChg>
         <pc:spChg chg="mod">
-          <ac:chgData name="Jan Goettmann" userId="c2e55d6b-0073-4530-a823-558d1fdc99aa" providerId="ADAL" clId="{F885EB0A-33E4-4BFF-ABD4-92EC8EB3B2D7}" dt="2022-10-17T09:25:37.294" v="1381" actId="20577"/>
+          <ac:chgData name="Jan Goettmann" userId="c2e55d6b-0073-4530-a823-558d1fdc99aa" providerId="ADAL" clId="{F885EB0A-33E4-4BFF-ABD4-92EC8EB3B2D7}" dt="2022-10-17T11:43:51.260" v="2942" actId="114"/>
           <ac:spMkLst>
             <pc:docMk/>
             <pc:sldMk cId="3447940044" sldId="261"/>
@@ -1345,7 +1345,7 @@
         </pc:cxnChg>
       </pc:sldChg>
       <pc:sldChg chg="addSp delSp modSp mod">
-        <pc:chgData name="Jan Goettmann" userId="c2e55d6b-0073-4530-a823-558d1fdc99aa" providerId="ADAL" clId="{F885EB0A-33E4-4BFF-ABD4-92EC8EB3B2D7}" dt="2022-10-17T09:30:50.194" v="1425" actId="1076"/>
+        <pc:chgData name="Jan Goettmann" userId="c2e55d6b-0073-4530-a823-558d1fdc99aa" providerId="ADAL" clId="{F885EB0A-33E4-4BFF-ABD4-92EC8EB3B2D7}" dt="2022-10-17T11:43:40.962" v="2940" actId="1076"/>
         <pc:sldMkLst>
           <pc:docMk/>
           <pc:sldMk cId="4020456500" sldId="262"/>
@@ -1775,7 +1775,7 @@
           </ac:spMkLst>
         </pc:spChg>
         <pc:spChg chg="mod">
-          <ac:chgData name="Jan Goettmann" userId="c2e55d6b-0073-4530-a823-558d1fdc99aa" providerId="ADAL" clId="{F885EB0A-33E4-4BFF-ABD4-92EC8EB3B2D7}" dt="2022-10-17T09:03:01.222" v="1262" actId="1076"/>
+          <ac:chgData name="Jan Goettmann" userId="c2e55d6b-0073-4530-a823-558d1fdc99aa" providerId="ADAL" clId="{F885EB0A-33E4-4BFF-ABD4-92EC8EB3B2D7}" dt="2022-10-17T11:43:40.962" v="2940" actId="1076"/>
           <ac:spMkLst>
             <pc:docMk/>
             <pc:sldMk cId="4020456500" sldId="262"/>
@@ -7734,7 +7734,15 @@
                   <a:schemeClr val="bg1"/>
                 </a:solidFill>
               </a:rPr>
-              <a:t> und die fünfte ein </a:t>
+              <a:t> und </a:t>
+            </a:r>
+            <a:r>
+              <a:rPr lang="de-DE" sz="1600" dirty="0">
+                <a:solidFill>
+                  <a:schemeClr val="bg1"/>
+                </a:solidFill>
+              </a:rPr>
+              <a:t>die fünfte ein </a:t>
             </a:r>
             <a:r>
               <a:rPr lang="de-DE" sz="1600" b="1" i="1" dirty="0">
@@ -24746,8 +24754,8 @@
         </p:nvSpPr>
         <p:spPr>
           <a:xfrm>
-            <a:off x="723900" y="1267051"/>
-            <a:ext cx="10744200" cy="5078313"/>
+            <a:off x="723900" y="1128552"/>
+            <a:ext cx="10744200" cy="5355312"/>
           </a:xfrm>
           <a:prstGeom prst="rect">
             <a:avLst/>
@@ -24877,7 +24885,34 @@
                   <a:srgbClr val="FFC000"/>
                 </a:solidFill>
               </a:rPr>
-              <a:t>müssen Sie ignorieren.</a:t>
+              <a:t>müssen Sie ignorieren. </a:t>
+            </a:r>
+            <a:r>
+              <a:rPr lang="de-DE" dirty="0">
+                <a:solidFill>
+                  <a:schemeClr val="bg1"/>
+                </a:solidFill>
+              </a:rPr>
+              <a:t>Zusätzlich müssen Sie für </a:t>
+            </a:r>
+            <a:r>
+              <a:rPr lang="de-DE" b="1" i="1" dirty="0">
+                <a:solidFill>
+                  <a:srgbClr val="FFC000"/>
+                </a:solidFill>
+              </a:rPr>
+              <a:t>jedes Farbefeld entscheiden,</a:t>
+            </a:r>
+          </a:p>
+          <a:p>
+            <a:pPr algn="ctr"/>
+            <a:r>
+              <a:rPr lang="de-DE" b="1" i="1" dirty="0">
+                <a:solidFill>
+                  <a:srgbClr val="FFC000"/>
+                </a:solidFill>
+              </a:rPr>
+              <a:t>welche gezeigte Farbe die hellere ist !</a:t>
             </a:r>
           </a:p>
           <a:p>
@@ -37982,7 +38017,7 @@
         </p:nvSpPr>
         <p:spPr>
           <a:xfrm>
-            <a:off x="6811720" y="1294944"/>
+            <a:off x="6593072" y="1352204"/>
             <a:ext cx="4396263" cy="4770537"/>
           </a:xfrm>
           <a:prstGeom prst="rect">

--- a/M3-ExpSpatial/Instructions/Instructions_spatial.pptx
+++ b/M3-ExpSpatial/Instructions/Instructions_spatial.pptx
@@ -133,7 +133,7 @@
 <file path=ppt/revisionInfo.xml><?xml version="1.0" encoding="utf-8"?>
 <p1510:revInfo xmlns:a="http://schemas.openxmlformats.org/drawingml/2006/main" xmlns:r="http://schemas.openxmlformats.org/officeDocument/2006/relationships" xmlns:p1510="http://schemas.microsoft.com/office/powerpoint/2015/10/main">
   <p1510:revLst>
-    <p1510:client id="{F885EB0A-33E4-4BFF-ABD4-92EC8EB3B2D7}" v="64" dt="2022-10-17T10:34:38.158"/>
+    <p1510:client id="{F885EB0A-33E4-4BFF-ABD4-92EC8EB3B2D7}" v="83" dt="2022-10-25T16:17:38.250"/>
   </p1510:revLst>
 </p1510:revInfo>
 </file>
@@ -415,12 +415,35 @@
   <pc:docChgLst>
     <pc:chgData name="Jan Goettmann" userId="c2e55d6b-0073-4530-a823-558d1fdc99aa" providerId="ADAL" clId="{F885EB0A-33E4-4BFF-ABD4-92EC8EB3B2D7}"/>
     <pc:docChg chg="undo custSel addSld delSld modSld">
-      <pc:chgData name="Jan Goettmann" userId="c2e55d6b-0073-4530-a823-558d1fdc99aa" providerId="ADAL" clId="{F885EB0A-33E4-4BFF-ABD4-92EC8EB3B2D7}" dt="2022-10-17T11:43:51.260" v="2942" actId="114"/>
+      <pc:chgData name="Jan Goettmann" userId="c2e55d6b-0073-4530-a823-558d1fdc99aa" providerId="ADAL" clId="{F885EB0A-33E4-4BFF-ABD4-92EC8EB3B2D7}" dt="2022-10-25T16:17:40.935" v="3032" actId="478"/>
       <pc:docMkLst>
         <pc:docMk/>
       </pc:docMkLst>
+      <pc:sldChg chg="addSp delSp modSp mod">
+        <pc:chgData name="Jan Goettmann" userId="c2e55d6b-0073-4530-a823-558d1fdc99aa" providerId="ADAL" clId="{F885EB0A-33E4-4BFF-ABD4-92EC8EB3B2D7}" dt="2022-10-25T16:13:30.777" v="3017"/>
+        <pc:sldMkLst>
+          <pc:docMk/>
+          <pc:sldMk cId="764893252" sldId="256"/>
+        </pc:sldMkLst>
+        <pc:spChg chg="add mod">
+          <ac:chgData name="Jan Goettmann" userId="c2e55d6b-0073-4530-a823-558d1fdc99aa" providerId="ADAL" clId="{F885EB0A-33E4-4BFF-ABD4-92EC8EB3B2D7}" dt="2022-10-25T16:13:30.777" v="3017"/>
+          <ac:spMkLst>
+            <pc:docMk/>
+            <pc:sldMk cId="764893252" sldId="256"/>
+            <ac:spMk id="2" creationId="{40922984-6D7E-E72A-FC55-C2018AA0DD2B}"/>
+          </ac:spMkLst>
+        </pc:spChg>
+        <pc:spChg chg="del mod">
+          <ac:chgData name="Jan Goettmann" userId="c2e55d6b-0073-4530-a823-558d1fdc99aa" providerId="ADAL" clId="{F885EB0A-33E4-4BFF-ABD4-92EC8EB3B2D7}" dt="2022-10-25T16:13:29.242" v="3016" actId="478"/>
+          <ac:spMkLst>
+            <pc:docMk/>
+            <pc:sldMk cId="764893252" sldId="256"/>
+            <ac:spMk id="5" creationId="{6E692927-7471-CD2E-EA73-C63B277ACE66}"/>
+          </ac:spMkLst>
+        </pc:spChg>
+      </pc:sldChg>
       <pc:sldChg chg="modSp mod">
-        <pc:chgData name="Jan Goettmann" userId="c2e55d6b-0073-4530-a823-558d1fdc99aa" providerId="ADAL" clId="{F885EB0A-33E4-4BFF-ABD4-92EC8EB3B2D7}" dt="2022-10-17T11:42:16.102" v="2937" actId="207"/>
+        <pc:chgData name="Jan Goettmann" userId="c2e55d6b-0073-4530-a823-558d1fdc99aa" providerId="ADAL" clId="{F885EB0A-33E4-4BFF-ABD4-92EC8EB3B2D7}" dt="2022-10-25T16:09:26.147" v="3004" actId="404"/>
         <pc:sldMkLst>
           <pc:docMk/>
           <pc:sldMk cId="747762091" sldId="257"/>
@@ -433,19 +456,59 @@
             <ac:spMk id="2" creationId="{91A9FAD3-DCA6-0D95-F197-1AD19ACDAFD1}"/>
           </ac:spMkLst>
         </pc:spChg>
+        <pc:spChg chg="mod">
+          <ac:chgData name="Jan Goettmann" userId="c2e55d6b-0073-4530-a823-558d1fdc99aa" providerId="ADAL" clId="{F885EB0A-33E4-4BFF-ABD4-92EC8EB3B2D7}" dt="2022-10-25T16:09:10.770" v="3002" actId="404"/>
+          <ac:spMkLst>
+            <pc:docMk/>
+            <pc:sldMk cId="747762091" sldId="257"/>
+            <ac:spMk id="4" creationId="{471DA29B-98C6-F92D-B834-100A0C8B6FA0}"/>
+          </ac:spMkLst>
+        </pc:spChg>
+        <pc:spChg chg="mod">
+          <ac:chgData name="Jan Goettmann" userId="c2e55d6b-0073-4530-a823-558d1fdc99aa" providerId="ADAL" clId="{F885EB0A-33E4-4BFF-ABD4-92EC8EB3B2D7}" dt="2022-10-25T16:09:26.147" v="3004" actId="404"/>
+          <ac:spMkLst>
+            <pc:docMk/>
+            <pc:sldMk cId="747762091" sldId="257"/>
+            <ac:spMk id="5" creationId="{75635682-E9E9-9FB1-A11D-E30719D7E7DB}"/>
+          </ac:spMkLst>
+        </pc:spChg>
       </pc:sldChg>
       <pc:sldChg chg="addSp delSp modSp mod">
-        <pc:chgData name="Jan Goettmann" userId="c2e55d6b-0073-4530-a823-558d1fdc99aa" providerId="ADAL" clId="{F885EB0A-33E4-4BFF-ABD4-92EC8EB3B2D7}" dt="2022-10-17T08:19:06.842" v="472" actId="1076"/>
+        <pc:chgData name="Jan Goettmann" userId="c2e55d6b-0073-4530-a823-558d1fdc99aa" providerId="ADAL" clId="{F885EB0A-33E4-4BFF-ABD4-92EC8EB3B2D7}" dt="2022-10-25T16:16:57.196" v="3028" actId="1076"/>
         <pc:sldMkLst>
           <pc:docMk/>
           <pc:sldMk cId="903383799" sldId="258"/>
         </pc:sldMkLst>
         <pc:spChg chg="add del mod">
+          <ac:chgData name="Jan Goettmann" userId="c2e55d6b-0073-4530-a823-558d1fdc99aa" providerId="ADAL" clId="{F885EB0A-33E4-4BFF-ABD4-92EC8EB3B2D7}" dt="2022-10-25T16:06:44.967" v="2978" actId="478"/>
+          <ac:spMkLst>
+            <pc:docMk/>
+            <pc:sldMk cId="903383799" sldId="258"/>
+            <ac:spMk id="11" creationId="{A675E3E3-D3DF-1449-4E3B-3C8EF5B20B98}"/>
+          </ac:spMkLst>
+        </pc:spChg>
+        <pc:spChg chg="add del mod">
+          <ac:chgData name="Jan Goettmann" userId="c2e55d6b-0073-4530-a823-558d1fdc99aa" providerId="ADAL" clId="{F885EB0A-33E4-4BFF-ABD4-92EC8EB3B2D7}" dt="2022-10-25T16:06:44.591" v="2977" actId="478"/>
+          <ac:spMkLst>
+            <pc:docMk/>
+            <pc:sldMk cId="903383799" sldId="258"/>
+            <ac:spMk id="12" creationId="{4F2C4B63-8F78-B9DF-BF8F-AA29DF56AAC1}"/>
+          </ac:spMkLst>
+        </pc:spChg>
+        <pc:spChg chg="add del mod">
           <ac:chgData name="Jan Goettmann" userId="c2e55d6b-0073-4530-a823-558d1fdc99aa" providerId="ADAL" clId="{F885EB0A-33E4-4BFF-ABD4-92EC8EB3B2D7}" dt="2022-10-17T08:16:49.244" v="188"/>
           <ac:spMkLst>
             <pc:docMk/>
             <pc:sldMk cId="903383799" sldId="258"/>
             <ac:spMk id="12" creationId="{D9874423-C60D-7D37-83CF-72FBD68DF6A9}"/>
+          </ac:spMkLst>
+        </pc:spChg>
+        <pc:spChg chg="add del mod">
+          <ac:chgData name="Jan Goettmann" userId="c2e55d6b-0073-4530-a823-558d1fdc99aa" providerId="ADAL" clId="{F885EB0A-33E4-4BFF-ABD4-92EC8EB3B2D7}" dt="2022-10-25T16:07:58.781" v="2994" actId="478"/>
+          <ac:spMkLst>
+            <pc:docMk/>
+            <pc:sldMk cId="903383799" sldId="258"/>
+            <ac:spMk id="13" creationId="{453569FE-4AE3-D99E-B3D2-5E2C2F7B6C94}"/>
           </ac:spMkLst>
         </pc:spChg>
         <pc:spChg chg="add del mod">
@@ -465,11 +528,19 @@
           </ac:spMkLst>
         </pc:spChg>
         <pc:spChg chg="add del mod">
-          <ac:chgData name="Jan Goettmann" userId="c2e55d6b-0073-4530-a823-558d1fdc99aa" providerId="ADAL" clId="{F885EB0A-33E4-4BFF-ABD4-92EC8EB3B2D7}" dt="2022-10-17T08:16:49.244" v="188"/>
+          <ac:chgData name="Jan Goettmann" userId="c2e55d6b-0073-4530-a823-558d1fdc99aa" providerId="ADAL" clId="{F885EB0A-33E4-4BFF-ABD4-92EC8EB3B2D7}" dt="2022-10-25T16:07:55.564" v="2993" actId="478"/>
           <ac:spMkLst>
             <pc:docMk/>
             <pc:sldMk cId="903383799" sldId="258"/>
-            <ac:spMk id="15" creationId="{8B993C75-CBAF-797E-8240-C9B01EBFADF5}"/>
+            <ac:spMk id="14" creationId="{F8BC3169-8AC0-248E-0537-918509D72724}"/>
+          </ac:spMkLst>
+        </pc:spChg>
+        <pc:spChg chg="add mod">
+          <ac:chgData name="Jan Goettmann" userId="c2e55d6b-0073-4530-a823-558d1fdc99aa" providerId="ADAL" clId="{F885EB0A-33E4-4BFF-ABD4-92EC8EB3B2D7}" dt="2022-10-25T16:09:38.010" v="3005"/>
+          <ac:spMkLst>
+            <pc:docMk/>
+            <pc:sldMk cId="903383799" sldId="258"/>
+            <ac:spMk id="15" creationId="{605715C5-F873-851F-9CF1-D9817B2689E1}"/>
           </ac:spMkLst>
         </pc:spChg>
         <pc:spChg chg="add del mod">
@@ -477,7 +548,39 @@
           <ac:spMkLst>
             <pc:docMk/>
             <pc:sldMk cId="903383799" sldId="258"/>
+            <ac:spMk id="15" creationId="{8B993C75-CBAF-797E-8240-C9B01EBFADF5}"/>
+          </ac:spMkLst>
+        </pc:spChg>
+        <pc:spChg chg="add mod">
+          <ac:chgData name="Jan Goettmann" userId="c2e55d6b-0073-4530-a823-558d1fdc99aa" providerId="ADAL" clId="{F885EB0A-33E4-4BFF-ABD4-92EC8EB3B2D7}" dt="2022-10-25T16:09:38.010" v="3005"/>
+          <ac:spMkLst>
+            <pc:docMk/>
+            <pc:sldMk cId="903383799" sldId="258"/>
+            <ac:spMk id="16" creationId="{49CBAD19-BAA0-6AA0-BEA1-7E2229D215ED}"/>
+          </ac:spMkLst>
+        </pc:spChg>
+        <pc:spChg chg="add del mod">
+          <ac:chgData name="Jan Goettmann" userId="c2e55d6b-0073-4530-a823-558d1fdc99aa" providerId="ADAL" clId="{F885EB0A-33E4-4BFF-ABD4-92EC8EB3B2D7}" dt="2022-10-17T08:16:49.244" v="188"/>
+          <ac:spMkLst>
+            <pc:docMk/>
+            <pc:sldMk cId="903383799" sldId="258"/>
             <ac:spMk id="16" creationId="{A71355FB-6AB0-1340-8CC5-5CBA721DEAE6}"/>
+          </ac:spMkLst>
+        </pc:spChg>
+        <pc:spChg chg="mod">
+          <ac:chgData name="Jan Goettmann" userId="c2e55d6b-0073-4530-a823-558d1fdc99aa" providerId="ADAL" clId="{F885EB0A-33E4-4BFF-ABD4-92EC8EB3B2D7}" dt="2022-10-25T16:16:26.774" v="3024"/>
+          <ac:spMkLst>
+            <pc:docMk/>
+            <pc:sldMk cId="903383799" sldId="258"/>
+            <ac:spMk id="18" creationId="{D5DE6EC8-D10A-064D-C51D-3F5D76C935B5}"/>
+          </ac:spMkLst>
+        </pc:spChg>
+        <pc:spChg chg="mod">
+          <ac:chgData name="Jan Goettmann" userId="c2e55d6b-0073-4530-a823-558d1fdc99aa" providerId="ADAL" clId="{F885EB0A-33E4-4BFF-ABD4-92EC8EB3B2D7}" dt="2022-10-25T16:16:26.774" v="3024"/>
+          <ac:spMkLst>
+            <pc:docMk/>
+            <pc:sldMk cId="903383799" sldId="258"/>
+            <ac:spMk id="21" creationId="{972BA13B-50F1-6F9F-CAF7-3B0054E3A5B7}"/>
           </ac:spMkLst>
         </pc:spChg>
         <pc:spChg chg="mod">
@@ -489,7 +592,15 @@
           </ac:spMkLst>
         </pc:spChg>
         <pc:spChg chg="mod">
-          <ac:chgData name="Jan Goettmann" userId="c2e55d6b-0073-4530-a823-558d1fdc99aa" providerId="ADAL" clId="{F885EB0A-33E4-4BFF-ABD4-92EC8EB3B2D7}" dt="2022-10-17T08:18:45.178" v="470" actId="207"/>
+          <ac:chgData name="Jan Goettmann" userId="c2e55d6b-0073-4530-a823-558d1fdc99aa" providerId="ADAL" clId="{F885EB0A-33E4-4BFF-ABD4-92EC8EB3B2D7}" dt="2022-10-25T16:16:31.305" v="3026" actId="20577"/>
+          <ac:spMkLst>
+            <pc:docMk/>
+            <pc:sldMk cId="903383799" sldId="258"/>
+            <ac:spMk id="46" creationId="{A04BA9BB-FB0D-E3FA-8851-D6ED789642B4}"/>
+          </ac:spMkLst>
+        </pc:spChg>
+        <pc:spChg chg="mod">
+          <ac:chgData name="Jan Goettmann" userId="c2e55d6b-0073-4530-a823-558d1fdc99aa" providerId="ADAL" clId="{F885EB0A-33E4-4BFF-ABD4-92EC8EB3B2D7}" dt="2022-10-25T15:57:23.905" v="2962" actId="20577"/>
           <ac:spMkLst>
             <pc:docMk/>
             <pc:sldMk cId="903383799" sldId="258"/>
@@ -512,6 +623,30 @@
             <ac:grpSpMk id="10" creationId="{EE00CC3D-358A-F295-05A8-F7480D19E6DF}"/>
           </ac:grpSpMkLst>
         </pc:grpChg>
+        <pc:grpChg chg="add mod">
+          <ac:chgData name="Jan Goettmann" userId="c2e55d6b-0073-4530-a823-558d1fdc99aa" providerId="ADAL" clId="{F885EB0A-33E4-4BFF-ABD4-92EC8EB3B2D7}" dt="2022-10-25T16:16:57.196" v="3028" actId="1076"/>
+          <ac:grpSpMkLst>
+            <pc:docMk/>
+            <pc:sldMk cId="903383799" sldId="258"/>
+            <ac:grpSpMk id="17" creationId="{6D9D7441-7B00-9083-5172-0DC76C62BA30}"/>
+          </ac:grpSpMkLst>
+        </pc:grpChg>
+        <pc:cxnChg chg="mod">
+          <ac:chgData name="Jan Goettmann" userId="c2e55d6b-0073-4530-a823-558d1fdc99aa" providerId="ADAL" clId="{F885EB0A-33E4-4BFF-ABD4-92EC8EB3B2D7}" dt="2022-10-25T16:16:26.774" v="3024"/>
+          <ac:cxnSpMkLst>
+            <pc:docMk/>
+            <pc:sldMk cId="903383799" sldId="258"/>
+            <ac:cxnSpMk id="19" creationId="{80808448-4280-E45C-A975-321ADA69C14A}"/>
+          </ac:cxnSpMkLst>
+        </pc:cxnChg>
+        <pc:cxnChg chg="mod">
+          <ac:chgData name="Jan Goettmann" userId="c2e55d6b-0073-4530-a823-558d1fdc99aa" providerId="ADAL" clId="{F885EB0A-33E4-4BFF-ABD4-92EC8EB3B2D7}" dt="2022-10-25T16:16:26.774" v="3024"/>
+          <ac:cxnSpMkLst>
+            <pc:docMk/>
+            <pc:sldMk cId="903383799" sldId="258"/>
+            <ac:cxnSpMk id="20" creationId="{4314F19A-8D6D-3D7F-53A5-604153694AF0}"/>
+          </ac:cxnSpMkLst>
+        </pc:cxnChg>
         <pc:cxnChg chg="mod">
           <ac:chgData name="Jan Goettmann" userId="c2e55d6b-0073-4530-a823-558d1fdc99aa" providerId="ADAL" clId="{F885EB0A-33E4-4BFF-ABD4-92EC8EB3B2D7}" dt="2022-10-17T08:16:50.255" v="190" actId="14100"/>
           <ac:cxnSpMkLst>
@@ -522,17 +657,104 @@
         </pc:cxnChg>
       </pc:sldChg>
       <pc:sldChg chg="addSp delSp modSp mod">
-        <pc:chgData name="Jan Goettmann" userId="c2e55d6b-0073-4530-a823-558d1fdc99aa" providerId="ADAL" clId="{F885EB0A-33E4-4BFF-ABD4-92EC8EB3B2D7}" dt="2022-10-17T11:43:51.260" v="2942" actId="114"/>
+        <pc:chgData name="Jan Goettmann" userId="c2e55d6b-0073-4530-a823-558d1fdc99aa" providerId="ADAL" clId="{F885EB0A-33E4-4BFF-ABD4-92EC8EB3B2D7}" dt="2022-10-25T16:09:47.127" v="3008"/>
+        <pc:sldMkLst>
+          <pc:docMk/>
+          <pc:sldMk cId="2122658510" sldId="260"/>
+        </pc:sldMkLst>
+        <pc:spChg chg="add del mod">
+          <ac:chgData name="Jan Goettmann" userId="c2e55d6b-0073-4530-a823-558d1fdc99aa" providerId="ADAL" clId="{F885EB0A-33E4-4BFF-ABD4-92EC8EB3B2D7}" dt="2022-10-25T16:07:26.377" v="2988" actId="478"/>
+          <ac:spMkLst>
+            <pc:docMk/>
+            <pc:sldMk cId="2122658510" sldId="260"/>
+            <ac:spMk id="9" creationId="{99F029AB-1383-DF28-1BC7-1079B47748C7}"/>
+          </ac:spMkLst>
+        </pc:spChg>
+        <pc:spChg chg="add del mod">
+          <ac:chgData name="Jan Goettmann" userId="c2e55d6b-0073-4530-a823-558d1fdc99aa" providerId="ADAL" clId="{F885EB0A-33E4-4BFF-ABD4-92EC8EB3B2D7}" dt="2022-10-25T16:07:26.377" v="2988" actId="478"/>
+          <ac:spMkLst>
+            <pc:docMk/>
+            <pc:sldMk cId="2122658510" sldId="260"/>
+            <ac:spMk id="10" creationId="{48BA1D8A-364E-B99B-8E87-A8673EC7CF21}"/>
+          </ac:spMkLst>
+        </pc:spChg>
+        <pc:spChg chg="add del mod">
+          <ac:chgData name="Jan Goettmann" userId="c2e55d6b-0073-4530-a823-558d1fdc99aa" providerId="ADAL" clId="{F885EB0A-33E4-4BFF-ABD4-92EC8EB3B2D7}" dt="2022-10-25T16:08:04.738" v="2998" actId="478"/>
+          <ac:spMkLst>
+            <pc:docMk/>
+            <pc:sldMk cId="2122658510" sldId="260"/>
+            <ac:spMk id="11" creationId="{EEA2D747-8745-410C-9A8B-7E4C768A45F9}"/>
+          </ac:spMkLst>
+        </pc:spChg>
+        <pc:spChg chg="add del mod">
+          <ac:chgData name="Jan Goettmann" userId="c2e55d6b-0073-4530-a823-558d1fdc99aa" providerId="ADAL" clId="{F885EB0A-33E4-4BFF-ABD4-92EC8EB3B2D7}" dt="2022-10-25T16:08:03.936" v="2997" actId="478"/>
+          <ac:spMkLst>
+            <pc:docMk/>
+            <pc:sldMk cId="2122658510" sldId="260"/>
+            <ac:spMk id="12" creationId="{C48C8C4B-510D-3AF3-5D64-21425651FC9B}"/>
+          </ac:spMkLst>
+        </pc:spChg>
+        <pc:spChg chg="add mod">
+          <ac:chgData name="Jan Goettmann" userId="c2e55d6b-0073-4530-a823-558d1fdc99aa" providerId="ADAL" clId="{F885EB0A-33E4-4BFF-ABD4-92EC8EB3B2D7}" dt="2022-10-25T16:09:47.127" v="3008"/>
+          <ac:spMkLst>
+            <pc:docMk/>
+            <pc:sldMk cId="2122658510" sldId="260"/>
+            <ac:spMk id="13" creationId="{B92C2CB9-41ED-DBF6-D6D4-E0929B85DABB}"/>
+          </ac:spMkLst>
+        </pc:spChg>
+        <pc:spChg chg="add mod">
+          <ac:chgData name="Jan Goettmann" userId="c2e55d6b-0073-4530-a823-558d1fdc99aa" providerId="ADAL" clId="{F885EB0A-33E4-4BFF-ABD4-92EC8EB3B2D7}" dt="2022-10-25T16:09:47.127" v="3008"/>
+          <ac:spMkLst>
+            <pc:docMk/>
+            <pc:sldMk cId="2122658510" sldId="260"/>
+            <ac:spMk id="14" creationId="{6C1F7BB7-0006-A211-3E0B-BE59D0DED31F}"/>
+          </ac:spMkLst>
+        </pc:spChg>
+        <pc:spChg chg="mod">
+          <ac:chgData name="Jan Goettmann" userId="c2e55d6b-0073-4530-a823-558d1fdc99aa" providerId="ADAL" clId="{F885EB0A-33E4-4BFF-ABD4-92EC8EB3B2D7}" dt="2022-10-25T16:07:39.732" v="2992" actId="1076"/>
+          <ac:spMkLst>
+            <pc:docMk/>
+            <pc:sldMk cId="2122658510" sldId="260"/>
+            <ac:spMk id="28" creationId="{6781411B-49A7-445B-597A-D8C541DE129E}"/>
+          </ac:spMkLst>
+        </pc:spChg>
+        <pc:spChg chg="mod">
+          <ac:chgData name="Jan Goettmann" userId="c2e55d6b-0073-4530-a823-558d1fdc99aa" providerId="ADAL" clId="{F885EB0A-33E4-4BFF-ABD4-92EC8EB3B2D7}" dt="2022-10-25T16:07:33.849" v="2991" actId="1076"/>
+          <ac:spMkLst>
+            <pc:docMk/>
+            <pc:sldMk cId="2122658510" sldId="260"/>
+            <ac:spMk id="29" creationId="{9E3A159C-3696-E4B6-5B2A-AF587B3F3AFE}"/>
+          </ac:spMkLst>
+        </pc:spChg>
+      </pc:sldChg>
+      <pc:sldChg chg="addSp delSp modSp mod">
+        <pc:chgData name="Jan Goettmann" userId="c2e55d6b-0073-4530-a823-558d1fdc99aa" providerId="ADAL" clId="{F885EB0A-33E4-4BFF-ABD4-92EC8EB3B2D7}" dt="2022-10-25T16:17:40.935" v="3032" actId="478"/>
         <pc:sldMkLst>
           <pc:docMk/>
           <pc:sldMk cId="3447940044" sldId="261"/>
         </pc:sldMkLst>
+        <pc:spChg chg="add mod">
+          <ac:chgData name="Jan Goettmann" userId="c2e55d6b-0073-4530-a823-558d1fdc99aa" providerId="ADAL" clId="{F885EB0A-33E4-4BFF-ABD4-92EC8EB3B2D7}" dt="2022-10-25T16:10:14.600" v="3013"/>
+          <ac:spMkLst>
+            <pc:docMk/>
+            <pc:sldMk cId="3447940044" sldId="261"/>
+            <ac:spMk id="3" creationId="{0231204D-4DC8-7AE7-5252-3F2D77B1701D}"/>
+          </ac:spMkLst>
+        </pc:spChg>
         <pc:spChg chg="add del mod">
           <ac:chgData name="Jan Goettmann" userId="c2e55d6b-0073-4530-a823-558d1fdc99aa" providerId="ADAL" clId="{F885EB0A-33E4-4BFF-ABD4-92EC8EB3B2D7}" dt="2022-10-17T09:20:06.967" v="1279"/>
           <ac:spMkLst>
             <pc:docMk/>
             <pc:sldMk cId="3447940044" sldId="261"/>
             <ac:spMk id="3" creationId="{F8F5B109-61D5-BEC5-32BC-371B25642F93}"/>
+          </ac:spMkLst>
+        </pc:spChg>
+        <pc:spChg chg="add mod">
+          <ac:chgData name="Jan Goettmann" userId="c2e55d6b-0073-4530-a823-558d1fdc99aa" providerId="ADAL" clId="{F885EB0A-33E4-4BFF-ABD4-92EC8EB3B2D7}" dt="2022-10-25T16:10:14.600" v="3013"/>
+          <ac:spMkLst>
+            <pc:docMk/>
+            <pc:sldMk cId="3447940044" sldId="261"/>
+            <ac:spMk id="4" creationId="{144DD79B-874B-8A86-2E0B-F9CC327501BE}"/>
           </ac:spMkLst>
         </pc:spChg>
         <pc:spChg chg="add del mod">
@@ -551,6 +773,14 @@
             <ac:spMk id="5" creationId="{A6685EE9-9347-4D01-ABFE-EEBB5A5DBB8B}"/>
           </ac:spMkLst>
         </pc:spChg>
+        <pc:spChg chg="mod">
+          <ac:chgData name="Jan Goettmann" userId="c2e55d6b-0073-4530-a823-558d1fdc99aa" providerId="ADAL" clId="{F885EB0A-33E4-4BFF-ABD4-92EC8EB3B2D7}" dt="2022-10-25T16:17:38.250" v="3031"/>
+          <ac:spMkLst>
+            <pc:docMk/>
+            <pc:sldMk cId="3447940044" sldId="261"/>
+            <ac:spMk id="6" creationId="{C988105F-E5C8-63A5-9C0C-8FE795EDFFA8}"/>
+          </ac:spMkLst>
+        </pc:spChg>
         <pc:spChg chg="add del mod">
           <ac:chgData name="Jan Goettmann" userId="c2e55d6b-0073-4530-a823-558d1fdc99aa" providerId="ADAL" clId="{F885EB0A-33E4-4BFF-ABD4-92EC8EB3B2D7}" dt="2022-10-17T09:20:06.967" v="1279"/>
           <ac:spMkLst>
@@ -583,6 +813,14 @@
             <ac:spMk id="9" creationId="{141D99DD-B434-C90E-626C-8F6921A01BE6}"/>
           </ac:spMkLst>
         </pc:spChg>
+        <pc:spChg chg="mod">
+          <ac:chgData name="Jan Goettmann" userId="c2e55d6b-0073-4530-a823-558d1fdc99aa" providerId="ADAL" clId="{F885EB0A-33E4-4BFF-ABD4-92EC8EB3B2D7}" dt="2022-10-25T16:17:38.250" v="3031"/>
+          <ac:spMkLst>
+            <pc:docMk/>
+            <pc:sldMk cId="3447940044" sldId="261"/>
+            <ac:spMk id="9" creationId="{66005CFB-1170-4975-FD40-85A354BE885D}"/>
+          </ac:spMkLst>
+        </pc:spChg>
         <pc:spChg chg="add del mod">
           <ac:chgData name="Jan Goettmann" userId="c2e55d6b-0073-4530-a823-558d1fdc99aa" providerId="ADAL" clId="{F885EB0A-33E4-4BFF-ABD4-92EC8EB3B2D7}" dt="2022-10-17T09:20:06.967" v="1279"/>
           <ac:spMkLst>
@@ -1304,7 +1542,7 @@
           </ac:spMkLst>
         </pc:spChg>
         <pc:spChg chg="add mod">
-          <ac:chgData name="Jan Goettmann" userId="c2e55d6b-0073-4530-a823-558d1fdc99aa" providerId="ADAL" clId="{F885EB0A-33E4-4BFF-ABD4-92EC8EB3B2D7}" dt="2022-10-17T09:29:18.043" v="1412" actId="164"/>
+          <ac:chgData name="Jan Goettmann" userId="c2e55d6b-0073-4530-a823-558d1fdc99aa" providerId="ADAL" clId="{F885EB0A-33E4-4BFF-ABD4-92EC8EB3B2D7}" dt="2022-10-25T16:11:27.316" v="3015" actId="1076"/>
           <ac:spMkLst>
             <pc:docMk/>
             <pc:sldMk cId="3447940044" sldId="261"/>
@@ -1312,11 +1550,11 @@
           </ac:spMkLst>
         </pc:spChg>
         <pc:grpChg chg="add mod">
-          <ac:chgData name="Jan Goettmann" userId="c2e55d6b-0073-4530-a823-558d1fdc99aa" providerId="ADAL" clId="{F885EB0A-33E4-4BFF-ABD4-92EC8EB3B2D7}" dt="2022-10-17T09:30:08.728" v="1419" actId="1076"/>
+          <ac:chgData name="Jan Goettmann" userId="c2e55d6b-0073-4530-a823-558d1fdc99aa" providerId="ADAL" clId="{F885EB0A-33E4-4BFF-ABD4-92EC8EB3B2D7}" dt="2022-10-25T16:17:38.250" v="3031"/>
           <ac:grpSpMkLst>
             <pc:docMk/>
             <pc:sldMk cId="3447940044" sldId="261"/>
-            <ac:grpSpMk id="98" creationId="{73AC2720-DC05-BCB1-32AC-0EB905EA7C2C}"/>
+            <ac:grpSpMk id="5" creationId="{862E9C3E-0B80-A9E4-A542-9B64F730944F}"/>
           </ac:grpSpMkLst>
         </pc:grpChg>
         <pc:grpChg chg="add mod">
@@ -1324,11 +1562,35 @@
           <ac:grpSpMkLst>
             <pc:docMk/>
             <pc:sldMk cId="3447940044" sldId="261"/>
+            <ac:grpSpMk id="98" creationId="{73AC2720-DC05-BCB1-32AC-0EB905EA7C2C}"/>
+          </ac:grpSpMkLst>
+        </pc:grpChg>
+        <pc:grpChg chg="add del mod">
+          <ac:chgData name="Jan Goettmann" userId="c2e55d6b-0073-4530-a823-558d1fdc99aa" providerId="ADAL" clId="{F885EB0A-33E4-4BFF-ABD4-92EC8EB3B2D7}" dt="2022-10-25T16:17:40.935" v="3032" actId="478"/>
+          <ac:grpSpMkLst>
+            <pc:docMk/>
+            <pc:sldMk cId="3447940044" sldId="261"/>
             <ac:grpSpMk id="106" creationId="{CCA616D6-81A3-6733-107A-CB7C5F6CD0DF}"/>
           </ac:grpSpMkLst>
         </pc:grpChg>
+        <pc:cxnChg chg="mod">
+          <ac:chgData name="Jan Goettmann" userId="c2e55d6b-0073-4530-a823-558d1fdc99aa" providerId="ADAL" clId="{F885EB0A-33E4-4BFF-ABD4-92EC8EB3B2D7}" dt="2022-10-25T16:17:38.250" v="3031"/>
+          <ac:cxnSpMkLst>
+            <pc:docMk/>
+            <pc:sldMk cId="3447940044" sldId="261"/>
+            <ac:cxnSpMk id="7" creationId="{E10DD9C5-60BC-5993-5AD3-A6F9011E0928}"/>
+          </ac:cxnSpMkLst>
+        </pc:cxnChg>
+        <pc:cxnChg chg="mod">
+          <ac:chgData name="Jan Goettmann" userId="c2e55d6b-0073-4530-a823-558d1fdc99aa" providerId="ADAL" clId="{F885EB0A-33E4-4BFF-ABD4-92EC8EB3B2D7}" dt="2022-10-25T16:17:38.250" v="3031"/>
+          <ac:cxnSpMkLst>
+            <pc:docMk/>
+            <pc:sldMk cId="3447940044" sldId="261"/>
+            <ac:cxnSpMk id="8" creationId="{21233367-7DFD-52D4-2C06-CC967764B68E}"/>
+          </ac:cxnSpMkLst>
+        </pc:cxnChg>
         <pc:cxnChg chg="add mod">
-          <ac:chgData name="Jan Goettmann" userId="c2e55d6b-0073-4530-a823-558d1fdc99aa" providerId="ADAL" clId="{F885EB0A-33E4-4BFF-ABD4-92EC8EB3B2D7}" dt="2022-10-17T09:29:18.043" v="1412" actId="164"/>
+          <ac:chgData name="Jan Goettmann" userId="c2e55d6b-0073-4530-a823-558d1fdc99aa" providerId="ADAL" clId="{F885EB0A-33E4-4BFF-ABD4-92EC8EB3B2D7}" dt="2022-10-25T16:17:40.935" v="3032" actId="478"/>
           <ac:cxnSpMkLst>
             <pc:docMk/>
             <pc:sldMk cId="3447940044" sldId="261"/>
@@ -1336,7 +1598,7 @@
           </ac:cxnSpMkLst>
         </pc:cxnChg>
         <pc:cxnChg chg="add mod">
-          <ac:chgData name="Jan Goettmann" userId="c2e55d6b-0073-4530-a823-558d1fdc99aa" providerId="ADAL" clId="{F885EB0A-33E4-4BFF-ABD4-92EC8EB3B2D7}" dt="2022-10-17T09:29:18.043" v="1412" actId="164"/>
+          <ac:chgData name="Jan Goettmann" userId="c2e55d6b-0073-4530-a823-558d1fdc99aa" providerId="ADAL" clId="{F885EB0A-33E4-4BFF-ABD4-92EC8EB3B2D7}" dt="2022-10-25T16:17:40.935" v="3032" actId="478"/>
           <ac:cxnSpMkLst>
             <pc:docMk/>
             <pc:sldMk cId="3447940044" sldId="261"/>
@@ -1345,7 +1607,7 @@
         </pc:cxnChg>
       </pc:sldChg>
       <pc:sldChg chg="addSp delSp modSp mod">
-        <pc:chgData name="Jan Goettmann" userId="c2e55d6b-0073-4530-a823-558d1fdc99aa" providerId="ADAL" clId="{F885EB0A-33E4-4BFF-ABD4-92EC8EB3B2D7}" dt="2022-10-17T11:43:40.962" v="2940" actId="1076"/>
+        <pc:chgData name="Jan Goettmann" userId="c2e55d6b-0073-4530-a823-558d1fdc99aa" providerId="ADAL" clId="{F885EB0A-33E4-4BFF-ABD4-92EC8EB3B2D7}" dt="2022-10-25T16:10:10.445" v="3012"/>
         <pc:sldMkLst>
           <pc:docMk/>
           <pc:sldMk cId="4020456500" sldId="262"/>
@@ -1358,12 +1620,28 @@
             <ac:spMk id="2" creationId="{71E18B88-F6C8-71E7-2858-84BB7F9843F1}"/>
           </ac:spMkLst>
         </pc:spChg>
+        <pc:spChg chg="add mod">
+          <ac:chgData name="Jan Goettmann" userId="c2e55d6b-0073-4530-a823-558d1fdc99aa" providerId="ADAL" clId="{F885EB0A-33E4-4BFF-ABD4-92EC8EB3B2D7}" dt="2022-10-25T16:10:10.445" v="3012"/>
+          <ac:spMkLst>
+            <pc:docMk/>
+            <pc:sldMk cId="4020456500" sldId="262"/>
+            <ac:spMk id="3" creationId="{498150FE-7575-0424-13AC-A3EE50298967}"/>
+          </ac:spMkLst>
+        </pc:spChg>
         <pc:spChg chg="mod">
           <ac:chgData name="Jan Goettmann" userId="c2e55d6b-0073-4530-a823-558d1fdc99aa" providerId="ADAL" clId="{F885EB0A-33E4-4BFF-ABD4-92EC8EB3B2D7}" dt="2022-10-17T09:30:18.811" v="1420" actId="1076"/>
           <ac:spMkLst>
             <pc:docMk/>
             <pc:sldMk cId="4020456500" sldId="262"/>
             <ac:spMk id="4" creationId="{562D2BED-A426-15ED-A7EC-F6982C4557C3}"/>
+          </ac:spMkLst>
+        </pc:spChg>
+        <pc:spChg chg="add mod">
+          <ac:chgData name="Jan Goettmann" userId="c2e55d6b-0073-4530-a823-558d1fdc99aa" providerId="ADAL" clId="{F885EB0A-33E4-4BFF-ABD4-92EC8EB3B2D7}" dt="2022-10-25T16:10:10.445" v="3012"/>
+          <ac:spMkLst>
+            <pc:docMk/>
+            <pc:sldMk cId="4020456500" sldId="262"/>
+            <ac:spMk id="5" creationId="{3902EC04-9C57-15A3-1AA9-3B1FB2517B98}"/>
           </ac:spMkLst>
         </pc:spChg>
         <pc:spChg chg="add del mod ord">
@@ -1961,7 +2239,7 @@
         </pc:spChg>
       </pc:sldChg>
       <pc:sldChg chg="addSp delSp modSp mod">
-        <pc:chgData name="Jan Goettmann" userId="c2e55d6b-0073-4530-a823-558d1fdc99aa" providerId="ADAL" clId="{F885EB0A-33E4-4BFF-ABD4-92EC8EB3B2D7}" dt="2022-10-17T09:31:45.269" v="1445" actId="1076"/>
+        <pc:chgData name="Jan Goettmann" userId="c2e55d6b-0073-4530-a823-558d1fdc99aa" providerId="ADAL" clId="{F885EB0A-33E4-4BFF-ABD4-92EC8EB3B2D7}" dt="2022-10-25T16:09:56.653" v="3010"/>
         <pc:sldMkLst>
           <pc:docMk/>
           <pc:sldMk cId="2430446385" sldId="332"/>
@@ -2127,11 +2405,27 @@
           </ac:spMkLst>
         </pc:spChg>
         <pc:spChg chg="add mod">
+          <ac:chgData name="Jan Goettmann" userId="c2e55d6b-0073-4530-a823-558d1fdc99aa" providerId="ADAL" clId="{F885EB0A-33E4-4BFF-ABD4-92EC8EB3B2D7}" dt="2022-10-25T16:09:56.653" v="3010"/>
+          <ac:spMkLst>
+            <pc:docMk/>
+            <pc:sldMk cId="2430446385" sldId="332"/>
+            <ac:spMk id="32" creationId="{DD14C2EF-C186-EB2C-2481-C31B9933BCAE}"/>
+          </ac:spMkLst>
+        </pc:spChg>
+        <pc:spChg chg="add mod">
           <ac:chgData name="Jan Goettmann" userId="c2e55d6b-0073-4530-a823-558d1fdc99aa" providerId="ADAL" clId="{F885EB0A-33E4-4BFF-ABD4-92EC8EB3B2D7}" dt="2022-10-17T08:35:54.727" v="975" actId="1076"/>
           <ac:spMkLst>
             <pc:docMk/>
             <pc:sldMk cId="2430446385" sldId="332"/>
             <ac:spMk id="34" creationId="{D7E391B9-D685-3E31-DE7D-1F9106F8A90F}"/>
+          </ac:spMkLst>
+        </pc:spChg>
+        <pc:spChg chg="add mod">
+          <ac:chgData name="Jan Goettmann" userId="c2e55d6b-0073-4530-a823-558d1fdc99aa" providerId="ADAL" clId="{F885EB0A-33E4-4BFF-ABD4-92EC8EB3B2D7}" dt="2022-10-25T16:09:56.653" v="3010"/>
+          <ac:spMkLst>
+            <pc:docMk/>
+            <pc:sldMk cId="2430446385" sldId="332"/>
+            <ac:spMk id="35" creationId="{A3E395DA-D101-99D5-F191-1B480B8F56F8}"/>
           </ac:spMkLst>
         </pc:spChg>
         <pc:spChg chg="add mod">
@@ -2576,12 +2870,20 @@
         </pc:cxnChg>
       </pc:sldChg>
       <pc:sldChg chg="addSp delSp modSp mod">
-        <pc:chgData name="Jan Goettmann" userId="c2e55d6b-0073-4530-a823-558d1fdc99aa" providerId="ADAL" clId="{F885EB0A-33E4-4BFF-ABD4-92EC8EB3B2D7}" dt="2022-10-17T08:22:36.169" v="778" actId="1076"/>
+        <pc:chgData name="Jan Goettmann" userId="c2e55d6b-0073-4530-a823-558d1fdc99aa" providerId="ADAL" clId="{F885EB0A-33E4-4BFF-ABD4-92EC8EB3B2D7}" dt="2022-10-25T16:17:08.001" v="3030"/>
         <pc:sldMkLst>
           <pc:docMk/>
           <pc:sldMk cId="3701313794" sldId="333"/>
         </pc:sldMkLst>
         <pc:spChg chg="add del mod">
+          <ac:chgData name="Jan Goettmann" userId="c2e55d6b-0073-4530-a823-558d1fdc99aa" providerId="ADAL" clId="{F885EB0A-33E4-4BFF-ABD4-92EC8EB3B2D7}" dt="2022-10-25T16:07:00.105" v="2982" actId="478"/>
+          <ac:spMkLst>
+            <pc:docMk/>
+            <pc:sldMk cId="3701313794" sldId="333"/>
+            <ac:spMk id="9" creationId="{737C89B9-F2CE-6005-9298-6F1AB34376B1}"/>
+          </ac:spMkLst>
+        </pc:spChg>
+        <pc:spChg chg="add del mod">
           <ac:chgData name="Jan Goettmann" userId="c2e55d6b-0073-4530-a823-558d1fdc99aa" providerId="ADAL" clId="{F885EB0A-33E4-4BFF-ABD4-92EC8EB3B2D7}" dt="2022-10-17T08:19:24.761" v="474"/>
           <ac:spMkLst>
             <pc:docMk/>
@@ -2589,8 +2891,88 @@
             <ac:spMk id="9" creationId="{8709086B-80AA-DD25-AEFA-B1BE761967F6}"/>
           </ac:spMkLst>
         </pc:spChg>
+        <pc:spChg chg="add del mod">
+          <ac:chgData name="Jan Goettmann" userId="c2e55d6b-0073-4530-a823-558d1fdc99aa" providerId="ADAL" clId="{F885EB0A-33E4-4BFF-ABD4-92EC8EB3B2D7}" dt="2022-10-25T16:07:00.105" v="2982" actId="478"/>
+          <ac:spMkLst>
+            <pc:docMk/>
+            <pc:sldMk cId="3701313794" sldId="333"/>
+            <ac:spMk id="11" creationId="{DCD8F464-4096-D2A8-8566-4A3DE579C08C}"/>
+          </ac:spMkLst>
+        </pc:spChg>
+        <pc:spChg chg="add del mod">
+          <ac:chgData name="Jan Goettmann" userId="c2e55d6b-0073-4530-a823-558d1fdc99aa" providerId="ADAL" clId="{F885EB0A-33E4-4BFF-ABD4-92EC8EB3B2D7}" dt="2022-10-25T16:06:56.899" v="2981" actId="478"/>
+          <ac:spMkLst>
+            <pc:docMk/>
+            <pc:sldMk cId="3701313794" sldId="333"/>
+            <ac:spMk id="12" creationId="{209E01A4-C0EF-1C2E-0BBF-76CFC5FE99B0}"/>
+          </ac:spMkLst>
+        </pc:spChg>
+        <pc:spChg chg="add del mod">
+          <ac:chgData name="Jan Goettmann" userId="c2e55d6b-0073-4530-a823-558d1fdc99aa" providerId="ADAL" clId="{F885EB0A-33E4-4BFF-ABD4-92EC8EB3B2D7}" dt="2022-10-25T16:06:56.899" v="2981" actId="478"/>
+          <ac:spMkLst>
+            <pc:docMk/>
+            <pc:sldMk cId="3701313794" sldId="333"/>
+            <ac:spMk id="13" creationId="{FE990B73-DD52-8149-346C-4DB79A923B57}"/>
+          </ac:spMkLst>
+        </pc:spChg>
+        <pc:spChg chg="add del mod">
+          <ac:chgData name="Jan Goettmann" userId="c2e55d6b-0073-4530-a823-558d1fdc99aa" providerId="ADAL" clId="{F885EB0A-33E4-4BFF-ABD4-92EC8EB3B2D7}" dt="2022-10-25T16:08:02.131" v="2996" actId="478"/>
+          <ac:spMkLst>
+            <pc:docMk/>
+            <pc:sldMk cId="3701313794" sldId="333"/>
+            <ac:spMk id="14" creationId="{09F30C9F-68A1-52DB-B6FF-7D77D38DE32F}"/>
+          </ac:spMkLst>
+        </pc:spChg>
+        <pc:spChg chg="add del mod">
+          <ac:chgData name="Jan Goettmann" userId="c2e55d6b-0073-4530-a823-558d1fdc99aa" providerId="ADAL" clId="{F885EB0A-33E4-4BFF-ABD4-92EC8EB3B2D7}" dt="2022-10-25T16:08:00.880" v="2995" actId="478"/>
+          <ac:spMkLst>
+            <pc:docMk/>
+            <pc:sldMk cId="3701313794" sldId="333"/>
+            <ac:spMk id="15" creationId="{C0B676CD-431A-17DB-5B8A-06039F887C24}"/>
+          </ac:spMkLst>
+        </pc:spChg>
+        <pc:spChg chg="add mod">
+          <ac:chgData name="Jan Goettmann" userId="c2e55d6b-0073-4530-a823-558d1fdc99aa" providerId="ADAL" clId="{F885EB0A-33E4-4BFF-ABD4-92EC8EB3B2D7}" dt="2022-10-25T16:09:40.902" v="3006"/>
+          <ac:spMkLst>
+            <pc:docMk/>
+            <pc:sldMk cId="3701313794" sldId="333"/>
+            <ac:spMk id="16" creationId="{6EE79EB7-E6D2-6CF3-8877-A9AA250DF1ED}"/>
+          </ac:spMkLst>
+        </pc:spChg>
+        <pc:spChg chg="add mod">
+          <ac:chgData name="Jan Goettmann" userId="c2e55d6b-0073-4530-a823-558d1fdc99aa" providerId="ADAL" clId="{F885EB0A-33E4-4BFF-ABD4-92EC8EB3B2D7}" dt="2022-10-25T16:09:40.902" v="3006"/>
+          <ac:spMkLst>
+            <pc:docMk/>
+            <pc:sldMk cId="3701313794" sldId="333"/>
+            <ac:spMk id="17" creationId="{3C80A7A5-B7F5-7C74-6A49-F129A30E765F}"/>
+          </ac:spMkLst>
+        </pc:spChg>
         <pc:spChg chg="mod">
-          <ac:chgData name="Jan Goettmann" userId="c2e55d6b-0073-4530-a823-558d1fdc99aa" providerId="ADAL" clId="{F885EB0A-33E4-4BFF-ABD4-92EC8EB3B2D7}" dt="2022-10-17T08:22:15.894" v="775" actId="14100"/>
+          <ac:chgData name="Jan Goettmann" userId="c2e55d6b-0073-4530-a823-558d1fdc99aa" providerId="ADAL" clId="{F885EB0A-33E4-4BFF-ABD4-92EC8EB3B2D7}" dt="2022-10-25T16:17:08.001" v="3030"/>
+          <ac:spMkLst>
+            <pc:docMk/>
+            <pc:sldMk cId="3701313794" sldId="333"/>
+            <ac:spMk id="19" creationId="{C4025807-D36E-F647-3C92-F7E1F712AF3D}"/>
+          </ac:spMkLst>
+        </pc:spChg>
+        <pc:spChg chg="mod">
+          <ac:chgData name="Jan Goettmann" userId="c2e55d6b-0073-4530-a823-558d1fdc99aa" providerId="ADAL" clId="{F885EB0A-33E4-4BFF-ABD4-92EC8EB3B2D7}" dt="2022-10-25T16:17:04.499" v="3029" actId="6549"/>
+          <ac:spMkLst>
+            <pc:docMk/>
+            <pc:sldMk cId="3701313794" sldId="333"/>
+            <ac:spMk id="20" creationId="{79BFE03A-2300-D5A1-E0CD-FDEECBC536E2}"/>
+          </ac:spMkLst>
+        </pc:spChg>
+        <pc:spChg chg="mod">
+          <ac:chgData name="Jan Goettmann" userId="c2e55d6b-0073-4530-a823-558d1fdc99aa" providerId="ADAL" clId="{F885EB0A-33E4-4BFF-ABD4-92EC8EB3B2D7}" dt="2022-10-25T16:17:08.001" v="3030"/>
+          <ac:spMkLst>
+            <pc:docMk/>
+            <pc:sldMk cId="3701313794" sldId="333"/>
+            <ac:spMk id="27" creationId="{B164B1D1-F2D3-B1FF-B0FA-346C02A6C29B}"/>
+          </ac:spMkLst>
+        </pc:spChg>
+        <pc:spChg chg="mod">
+          <ac:chgData name="Jan Goettmann" userId="c2e55d6b-0073-4530-a823-558d1fdc99aa" providerId="ADAL" clId="{F885EB0A-33E4-4BFF-ABD4-92EC8EB3B2D7}" dt="2022-10-25T16:09:45.137" v="3007" actId="20577"/>
           <ac:spMkLst>
             <pc:docMk/>
             <pc:sldMk cId="3701313794" sldId="333"/>
@@ -2613,9 +2995,33 @@
             <ac:grpSpMk id="10" creationId="{B8B7E63C-8784-209A-F275-0B3F7D9D0BDA}"/>
           </ac:grpSpMkLst>
         </pc:grpChg>
+        <pc:grpChg chg="add mod">
+          <ac:chgData name="Jan Goettmann" userId="c2e55d6b-0073-4530-a823-558d1fdc99aa" providerId="ADAL" clId="{F885EB0A-33E4-4BFF-ABD4-92EC8EB3B2D7}" dt="2022-10-25T16:17:08.001" v="3030"/>
+          <ac:grpSpMkLst>
+            <pc:docMk/>
+            <pc:sldMk cId="3701313794" sldId="333"/>
+            <ac:grpSpMk id="18" creationId="{2DB0BDB7-2313-9D35-1A5E-2EEBEB2C29DB}"/>
+          </ac:grpSpMkLst>
+        </pc:grpChg>
+        <pc:cxnChg chg="mod">
+          <ac:chgData name="Jan Goettmann" userId="c2e55d6b-0073-4530-a823-558d1fdc99aa" providerId="ADAL" clId="{F885EB0A-33E4-4BFF-ABD4-92EC8EB3B2D7}" dt="2022-10-25T16:17:08.001" v="3030"/>
+          <ac:cxnSpMkLst>
+            <pc:docMk/>
+            <pc:sldMk cId="3701313794" sldId="333"/>
+            <ac:cxnSpMk id="25" creationId="{6FC289BB-FA3F-9158-6099-9AFC27F96416}"/>
+          </ac:cxnSpMkLst>
+        </pc:cxnChg>
+        <pc:cxnChg chg="mod">
+          <ac:chgData name="Jan Goettmann" userId="c2e55d6b-0073-4530-a823-558d1fdc99aa" providerId="ADAL" clId="{F885EB0A-33E4-4BFF-ABD4-92EC8EB3B2D7}" dt="2022-10-25T16:17:08.001" v="3030"/>
+          <ac:cxnSpMkLst>
+            <pc:docMk/>
+            <pc:sldMk cId="3701313794" sldId="333"/>
+            <ac:cxnSpMk id="26" creationId="{C34F4ABE-4DE9-BF32-4DC1-A6D596717B0E}"/>
+          </ac:cxnSpMkLst>
+        </pc:cxnChg>
       </pc:sldChg>
-      <pc:sldChg chg="addSp modSp mod">
-        <pc:chgData name="Jan Goettmann" userId="c2e55d6b-0073-4530-a823-558d1fdc99aa" providerId="ADAL" clId="{F885EB0A-33E4-4BFF-ABD4-92EC8EB3B2D7}" dt="2022-10-17T09:31:18.531" v="1435" actId="1076"/>
+      <pc:sldChg chg="addSp delSp modSp mod">
+        <pc:chgData name="Jan Goettmann" userId="c2e55d6b-0073-4530-a823-558d1fdc99aa" providerId="ADAL" clId="{F885EB0A-33E4-4BFF-ABD4-92EC8EB3B2D7}" dt="2022-10-25T16:14:59.252" v="3023" actId="478"/>
         <pc:sldMkLst>
           <pc:docMk/>
           <pc:sldMk cId="2900452309" sldId="335"/>
@@ -2684,6 +3090,14 @@
             <ac:spMk id="42" creationId="{DD28810D-6B4F-1963-674C-933956DBD356}"/>
           </ac:spMkLst>
         </pc:spChg>
+        <pc:spChg chg="del mod">
+          <ac:chgData name="Jan Goettmann" userId="c2e55d6b-0073-4530-a823-558d1fdc99aa" providerId="ADAL" clId="{F885EB0A-33E4-4BFF-ABD4-92EC8EB3B2D7}" dt="2022-10-25T16:14:41.648" v="3021"/>
+          <ac:spMkLst>
+            <pc:docMk/>
+            <pc:sldMk cId="2900452309" sldId="335"/>
+            <ac:spMk id="46" creationId="{A04BA9BB-FB0D-E3FA-8851-D6ED789642B4}"/>
+          </ac:spMkLst>
+        </pc:spChg>
         <pc:spChg chg="mod">
           <ac:chgData name="Jan Goettmann" userId="c2e55d6b-0073-4530-a823-558d1fdc99aa" providerId="ADAL" clId="{F885EB0A-33E4-4BFF-ABD4-92EC8EB3B2D7}" dt="2022-10-17T09:31:00.118" v="1426"/>
           <ac:spMkLst>
@@ -2756,8 +3170,24 @@
             <ac:spMk id="71" creationId="{FBDB9E37-0EF0-B237-7176-35AF9C3C59A4}"/>
           </ac:spMkLst>
         </pc:spChg>
-        <pc:spChg chg="mod">
-          <ac:chgData name="Jan Goettmann" userId="c2e55d6b-0073-4530-a823-558d1fdc99aa" providerId="ADAL" clId="{F885EB0A-33E4-4BFF-ABD4-92EC8EB3B2D7}" dt="2022-10-17T08:36:39.283" v="982" actId="1076"/>
+        <pc:spChg chg="add mod">
+          <ac:chgData name="Jan Goettmann" userId="c2e55d6b-0073-4530-a823-558d1fdc99aa" providerId="ADAL" clId="{F885EB0A-33E4-4BFF-ABD4-92EC8EB3B2D7}" dt="2022-10-25T16:09:59.273" v="3011"/>
+          <ac:spMkLst>
+            <pc:docMk/>
+            <pc:sldMk cId="2900452309" sldId="335"/>
+            <ac:spMk id="72" creationId="{7D37A945-B0A7-533A-4989-FF40F01B0F9D}"/>
+          </ac:spMkLst>
+        </pc:spChg>
+        <pc:spChg chg="add mod">
+          <ac:chgData name="Jan Goettmann" userId="c2e55d6b-0073-4530-a823-558d1fdc99aa" providerId="ADAL" clId="{F885EB0A-33E4-4BFF-ABD4-92EC8EB3B2D7}" dt="2022-10-25T16:09:59.273" v="3011"/>
+          <ac:spMkLst>
+            <pc:docMk/>
+            <pc:sldMk cId="2900452309" sldId="335"/>
+            <ac:spMk id="73" creationId="{A1789896-45AA-9CE8-B608-1931D30803E1}"/>
+          </ac:spMkLst>
+        </pc:spChg>
+        <pc:spChg chg="del mod">
+          <ac:chgData name="Jan Goettmann" userId="c2e55d6b-0073-4530-a823-558d1fdc99aa" providerId="ADAL" clId="{F885EB0A-33E4-4BFF-ABD4-92EC8EB3B2D7}" dt="2022-10-25T16:14:59.252" v="3023" actId="478"/>
           <ac:spMkLst>
             <pc:docMk/>
             <pc:sldMk cId="2900452309" sldId="335"/>
@@ -2813,7 +3243,7 @@
           </ac:spMkLst>
         </pc:spChg>
         <pc:grpChg chg="add mod">
-          <ac:chgData name="Jan Goettmann" userId="c2e55d6b-0073-4530-a823-558d1fdc99aa" providerId="ADAL" clId="{F885EB0A-33E4-4BFF-ABD4-92EC8EB3B2D7}" dt="2022-10-17T09:31:03.720" v="1427" actId="1076"/>
+          <ac:chgData name="Jan Goettmann" userId="c2e55d6b-0073-4530-a823-558d1fdc99aa" providerId="ADAL" clId="{F885EB0A-33E4-4BFF-ABD4-92EC8EB3B2D7}" dt="2022-10-25T16:14:16.652" v="3018" actId="1076"/>
           <ac:grpSpMkLst>
             <pc:docMk/>
             <pc:sldMk cId="2900452309" sldId="335"/>
@@ -2845,7 +3275,7 @@
           </ac:grpSpMkLst>
         </pc:grpChg>
         <pc:grpChg chg="add mod">
-          <ac:chgData name="Jan Goettmann" userId="c2e55d6b-0073-4530-a823-558d1fdc99aa" providerId="ADAL" clId="{F885EB0A-33E4-4BFF-ABD4-92EC8EB3B2D7}" dt="2022-10-17T09:31:15.328" v="1433" actId="1076"/>
+          <ac:chgData name="Jan Goettmann" userId="c2e55d6b-0073-4530-a823-558d1fdc99aa" providerId="ADAL" clId="{F885EB0A-33E4-4BFF-ABD4-92EC8EB3B2D7}" dt="2022-10-25T16:14:52.163" v="3022" actId="1076"/>
           <ac:grpSpMkLst>
             <pc:docMk/>
             <pc:sldMk cId="2900452309" sldId="335"/>
@@ -2965,7 +3395,7 @@
           </ac:cxnSpMkLst>
         </pc:cxnChg>
         <pc:cxnChg chg="mod">
-          <ac:chgData name="Jan Goettmann" userId="c2e55d6b-0073-4530-a823-558d1fdc99aa" providerId="ADAL" clId="{F885EB0A-33E4-4BFF-ABD4-92EC8EB3B2D7}" dt="2022-10-17T08:36:39.283" v="982" actId="1076"/>
+          <ac:chgData name="Jan Goettmann" userId="c2e55d6b-0073-4530-a823-558d1fdc99aa" providerId="ADAL" clId="{F885EB0A-33E4-4BFF-ABD4-92EC8EB3B2D7}" dt="2022-10-25T16:14:59.252" v="3023" actId="478"/>
           <ac:cxnSpMkLst>
             <pc:docMk/>
             <pc:sldMk cId="2900452309" sldId="335"/>
@@ -2974,7 +3404,7 @@
         </pc:cxnChg>
       </pc:sldChg>
       <pc:sldChg chg="addSp delSp modSp add mod">
-        <pc:chgData name="Jan Goettmann" userId="c2e55d6b-0073-4530-a823-558d1fdc99aa" providerId="ADAL" clId="{F885EB0A-33E4-4BFF-ABD4-92EC8EB3B2D7}" dt="2022-10-17T11:18:42.537" v="2511" actId="20577"/>
+        <pc:chgData name="Jan Goettmann" userId="c2e55d6b-0073-4530-a823-558d1fdc99aa" providerId="ADAL" clId="{F885EB0A-33E4-4BFF-ABD4-92EC8EB3B2D7}" dt="2022-10-25T16:09:52.960" v="3009"/>
         <pc:sldMkLst>
           <pc:docMk/>
           <pc:sldMk cId="1113374642" sldId="336"/>
@@ -2987,6 +3417,22 @@
             <ac:spMk id="2" creationId="{71E18B88-F6C8-71E7-2858-84BB7F9843F1}"/>
           </ac:spMkLst>
         </pc:spChg>
+        <pc:spChg chg="add mod">
+          <ac:chgData name="Jan Goettmann" userId="c2e55d6b-0073-4530-a823-558d1fdc99aa" providerId="ADAL" clId="{F885EB0A-33E4-4BFF-ABD4-92EC8EB3B2D7}" dt="2022-10-25T16:09:52.960" v="3009"/>
+          <ac:spMkLst>
+            <pc:docMk/>
+            <pc:sldMk cId="1113374642" sldId="336"/>
+            <ac:spMk id="3" creationId="{3500F569-80B6-68D6-6E87-A186FF84567A}"/>
+          </ac:spMkLst>
+        </pc:spChg>
+        <pc:spChg chg="add mod">
+          <ac:chgData name="Jan Goettmann" userId="c2e55d6b-0073-4530-a823-558d1fdc99aa" providerId="ADAL" clId="{F885EB0A-33E4-4BFF-ABD4-92EC8EB3B2D7}" dt="2022-10-25T16:09:52.960" v="3009"/>
+          <ac:spMkLst>
+            <pc:docMk/>
+            <pc:sldMk cId="1113374642" sldId="336"/>
+            <ac:spMk id="4" creationId="{C52F4531-4DB2-1B74-5E0E-8EFF57E1F4FD}"/>
+          </ac:spMkLst>
+        </pc:spChg>
         <pc:spChg chg="mod">
           <ac:chgData name="Jan Goettmann" userId="c2e55d6b-0073-4530-a823-558d1fdc99aa" providerId="ADAL" clId="{F885EB0A-33E4-4BFF-ABD4-92EC8EB3B2D7}" dt="2022-10-17T09:34:47.011" v="1488"/>
           <ac:spMkLst>
@@ -3092,7 +3538,7 @@
           </ac:spMkLst>
         </pc:spChg>
         <pc:spChg chg="mod">
-          <ac:chgData name="Jan Goettmann" userId="c2e55d6b-0073-4530-a823-558d1fdc99aa" providerId="ADAL" clId="{F885EB0A-33E4-4BFF-ABD4-92EC8EB3B2D7}" dt="2022-10-17T11:18:42.537" v="2511" actId="20577"/>
+          <ac:chgData name="Jan Goettmann" userId="c2e55d6b-0073-4530-a823-558d1fdc99aa" providerId="ADAL" clId="{F885EB0A-33E4-4BFF-ABD4-92EC8EB3B2D7}" dt="2022-10-25T16:03:55.649" v="2965" actId="20577"/>
           <ac:spMkLst>
             <pc:docMk/>
             <pc:sldMk cId="1113374642" sldId="336"/>
@@ -3967,7 +4413,7 @@
           <a:p>
             <a:fld id="{45F1D7CE-59CB-49DC-BEA0-F787D0124348}" type="datetimeFigureOut">
               <a:rPr lang="de-DE" smtClean="0"/>
-              <a:t>17.10.2022</a:t>
+              <a:t>25.10.2022</a:t>
             </a:fld>
             <a:endParaRPr lang="de-DE"/>
           </a:p>
@@ -4165,7 +4611,7 @@
           <a:p>
             <a:fld id="{45F1D7CE-59CB-49DC-BEA0-F787D0124348}" type="datetimeFigureOut">
               <a:rPr lang="de-DE" smtClean="0"/>
-              <a:t>17.10.2022</a:t>
+              <a:t>25.10.2022</a:t>
             </a:fld>
             <a:endParaRPr lang="de-DE"/>
           </a:p>
@@ -4373,7 +4819,7 @@
           <a:p>
             <a:fld id="{45F1D7CE-59CB-49DC-BEA0-F787D0124348}" type="datetimeFigureOut">
               <a:rPr lang="de-DE" smtClean="0"/>
-              <a:t>17.10.2022</a:t>
+              <a:t>25.10.2022</a:t>
             </a:fld>
             <a:endParaRPr lang="de-DE"/>
           </a:p>
@@ -4571,7 +5017,7 @@
           <a:p>
             <a:fld id="{45F1D7CE-59CB-49DC-BEA0-F787D0124348}" type="datetimeFigureOut">
               <a:rPr lang="de-DE" smtClean="0"/>
-              <a:t>17.10.2022</a:t>
+              <a:t>25.10.2022</a:t>
             </a:fld>
             <a:endParaRPr lang="de-DE"/>
           </a:p>
@@ -4846,7 +5292,7 @@
           <a:p>
             <a:fld id="{45F1D7CE-59CB-49DC-BEA0-F787D0124348}" type="datetimeFigureOut">
               <a:rPr lang="de-DE" smtClean="0"/>
-              <a:t>17.10.2022</a:t>
+              <a:t>25.10.2022</a:t>
             </a:fld>
             <a:endParaRPr lang="de-DE"/>
           </a:p>
@@ -5111,7 +5557,7 @@
           <a:p>
             <a:fld id="{45F1D7CE-59CB-49DC-BEA0-F787D0124348}" type="datetimeFigureOut">
               <a:rPr lang="de-DE" smtClean="0"/>
-              <a:t>17.10.2022</a:t>
+              <a:t>25.10.2022</a:t>
             </a:fld>
             <a:endParaRPr lang="de-DE"/>
           </a:p>
@@ -5523,7 +5969,7 @@
           <a:p>
             <a:fld id="{45F1D7CE-59CB-49DC-BEA0-F787D0124348}" type="datetimeFigureOut">
               <a:rPr lang="de-DE" smtClean="0"/>
-              <a:t>17.10.2022</a:t>
+              <a:t>25.10.2022</a:t>
             </a:fld>
             <a:endParaRPr lang="de-DE"/>
           </a:p>
@@ -5664,7 +6110,7 @@
           <a:p>
             <a:fld id="{45F1D7CE-59CB-49DC-BEA0-F787D0124348}" type="datetimeFigureOut">
               <a:rPr lang="de-DE" smtClean="0"/>
-              <a:t>17.10.2022</a:t>
+              <a:t>25.10.2022</a:t>
             </a:fld>
             <a:endParaRPr lang="de-DE"/>
           </a:p>
@@ -5777,7 +6223,7 @@
           <a:p>
             <a:fld id="{45F1D7CE-59CB-49DC-BEA0-F787D0124348}" type="datetimeFigureOut">
               <a:rPr lang="de-DE" smtClean="0"/>
-              <a:t>17.10.2022</a:t>
+              <a:t>25.10.2022</a:t>
             </a:fld>
             <a:endParaRPr lang="de-DE"/>
           </a:p>
@@ -6088,7 +6534,7 @@
           <a:p>
             <a:fld id="{45F1D7CE-59CB-49DC-BEA0-F787D0124348}" type="datetimeFigureOut">
               <a:rPr lang="de-DE" smtClean="0"/>
-              <a:t>17.10.2022</a:t>
+              <a:t>25.10.2022</a:t>
             </a:fld>
             <a:endParaRPr lang="de-DE"/>
           </a:p>
@@ -6376,7 +6822,7 @@
           <a:p>
             <a:fld id="{45F1D7CE-59CB-49DC-BEA0-F787D0124348}" type="datetimeFigureOut">
               <a:rPr lang="de-DE" smtClean="0"/>
-              <a:t>17.10.2022</a:t>
+              <a:t>25.10.2022</a:t>
             </a:fld>
             <a:endParaRPr lang="de-DE"/>
           </a:p>
@@ -6617,7 +7063,7 @@
           <a:p>
             <a:fld id="{45F1D7CE-59CB-49DC-BEA0-F787D0124348}" type="datetimeFigureOut">
               <a:rPr lang="de-DE" smtClean="0"/>
-              <a:t>17.10.2022</a:t>
+              <a:t>25.10.2022</a:t>
             </a:fld>
             <a:endParaRPr lang="de-DE"/>
           </a:p>
@@ -7212,90 +7658,6 @@
           </a:p>
         </p:txBody>
       </p:sp>
-      <p:sp>
-        <p:nvSpPr>
-          <p:cNvPr id="5" name="Pfeil nach rechts 6">
-            <a:extLst>
-              <a:ext uri="{FF2B5EF4-FFF2-40B4-BE49-F238E27FC236}">
-                <a16:creationId xmlns:a16="http://schemas.microsoft.com/office/drawing/2014/main" id="{6E692927-7471-CD2E-EA73-C63B277ACE66}"/>
-              </a:ext>
-            </a:extLst>
-          </p:cNvPr>
-          <p:cNvSpPr/>
-          <p:nvPr/>
-        </p:nvSpPr>
-        <p:spPr>
-          <a:xfrm>
-            <a:off x="10487025" y="5986463"/>
-            <a:ext cx="1543050" cy="714375"/>
-          </a:xfrm>
-          <a:prstGeom prst="rightArrow">
-            <a:avLst/>
-          </a:prstGeom>
-          <a:solidFill>
-            <a:srgbClr val="C00000"/>
-          </a:solidFill>
-          <a:ln>
-            <a:noFill/>
-          </a:ln>
-        </p:spPr>
-        <p:style>
-          <a:lnRef idx="2">
-            <a:schemeClr val="accent1">
-              <a:shade val="50000"/>
-            </a:schemeClr>
-          </a:lnRef>
-          <a:fillRef idx="1">
-            <a:schemeClr val="accent1"/>
-          </a:fillRef>
-          <a:effectRef idx="0">
-            <a:schemeClr val="accent1"/>
-          </a:effectRef>
-          <a:fontRef idx="minor">
-            <a:schemeClr val="lt1"/>
-          </a:fontRef>
-        </p:style>
-        <p:txBody>
-          <a:bodyPr rtlCol="0" anchor="ctr"/>
-          <a:lstStyle/>
-          <a:p>
-            <a:pPr marL="0" marR="0" lvl="0" indent="0" algn="ctr" defTabSz="914400" rtl="0" eaLnBrk="1" fontAlgn="auto" latinLnBrk="0" hangingPunct="1">
-              <a:lnSpc>
-                <a:spcPct val="100000"/>
-              </a:lnSpc>
-              <a:spcBef>
-                <a:spcPts val="0"/>
-              </a:spcBef>
-              <a:spcAft>
-                <a:spcPts val="0"/>
-              </a:spcAft>
-              <a:buClrTx/>
-              <a:buSzTx/>
-              <a:buFontTx/>
-              <a:buNone/>
-              <a:tabLst/>
-              <a:defRPr/>
-            </a:pPr>
-            <a:r>
-              <a:rPr kumimoji="0" lang="de-DE" sz="1800" b="0" i="0" u="none" strike="noStrike" kern="1200" cap="none" spc="0" normalizeH="0" baseline="0" noProof="0" dirty="0">
-                <a:ln>
-                  <a:noFill/>
-                </a:ln>
-                <a:solidFill>
-                  <a:prstClr val="white"/>
-                </a:solidFill>
-                <a:effectLst/>
-                <a:uLnTx/>
-                <a:uFillTx/>
-                <a:latin typeface="Calibri" panose="020F0502020204030204"/>
-                <a:ea typeface="+mn-ea"/>
-                <a:cs typeface="+mn-cs"/>
-              </a:rPr>
-              <a:t>Weiter </a:t>
-            </a:r>
-          </a:p>
-        </p:txBody>
-      </p:sp>
       <p:pic>
         <p:nvPicPr>
           <p:cNvPr id="6" name="Grafik 5">
@@ -7415,6 +7777,90 @@
           </a:prstGeom>
         </p:spPr>
       </p:pic>
+      <p:sp>
+        <p:nvSpPr>
+          <p:cNvPr id="2" name="Pfeil nach rechts 6">
+            <a:extLst>
+              <a:ext uri="{FF2B5EF4-FFF2-40B4-BE49-F238E27FC236}">
+                <a16:creationId xmlns:a16="http://schemas.microsoft.com/office/drawing/2014/main" id="{40922984-6D7E-E72A-FC55-C2018AA0DD2B}"/>
+              </a:ext>
+            </a:extLst>
+          </p:cNvPr>
+          <p:cNvSpPr/>
+          <p:nvPr/>
+        </p:nvSpPr>
+        <p:spPr>
+          <a:xfrm>
+            <a:off x="10960925" y="6184858"/>
+            <a:ext cx="900000" cy="540000"/>
+          </a:xfrm>
+          <a:prstGeom prst="rightArrow">
+            <a:avLst/>
+          </a:prstGeom>
+          <a:solidFill>
+            <a:srgbClr val="C00000"/>
+          </a:solidFill>
+          <a:ln>
+            <a:noFill/>
+          </a:ln>
+        </p:spPr>
+        <p:style>
+          <a:lnRef idx="2">
+            <a:schemeClr val="accent1">
+              <a:shade val="50000"/>
+            </a:schemeClr>
+          </a:lnRef>
+          <a:fillRef idx="1">
+            <a:schemeClr val="accent1"/>
+          </a:fillRef>
+          <a:effectRef idx="0">
+            <a:schemeClr val="accent1"/>
+          </a:effectRef>
+          <a:fontRef idx="minor">
+            <a:schemeClr val="lt1"/>
+          </a:fontRef>
+        </p:style>
+        <p:txBody>
+          <a:bodyPr rtlCol="0" anchor="ctr"/>
+          <a:lstStyle/>
+          <a:p>
+            <a:pPr marL="0" marR="0" lvl="0" indent="0" algn="ctr" defTabSz="914400" rtl="0" eaLnBrk="1" fontAlgn="auto" latinLnBrk="0" hangingPunct="1">
+              <a:lnSpc>
+                <a:spcPct val="100000"/>
+              </a:lnSpc>
+              <a:spcBef>
+                <a:spcPts val="0"/>
+              </a:spcBef>
+              <a:spcAft>
+                <a:spcPts val="0"/>
+              </a:spcAft>
+              <a:buClrTx/>
+              <a:buSzTx/>
+              <a:buFontTx/>
+              <a:buNone/>
+              <a:tabLst/>
+              <a:defRPr/>
+            </a:pPr>
+            <a:r>
+              <a:rPr kumimoji="0" lang="de-DE" sz="1600" b="0" i="0" u="none" strike="noStrike" kern="1200" cap="none" spc="0" normalizeH="0" baseline="0" noProof="0" dirty="0">
+                <a:ln>
+                  <a:noFill/>
+                </a:ln>
+                <a:solidFill>
+                  <a:prstClr val="white"/>
+                </a:solidFill>
+                <a:effectLst/>
+                <a:uLnTx/>
+                <a:uFillTx/>
+                <a:latin typeface="Calibri" panose="020F0502020204030204"/>
+                <a:ea typeface="+mn-ea"/>
+                <a:cs typeface="+mn-cs"/>
+              </a:rPr>
+              <a:t>Weiter</a:t>
+            </a:r>
+          </a:p>
+        </p:txBody>
+      </p:sp>
     </p:spTree>
     <p:extLst>
       <p:ext uri="{BB962C8B-B14F-4D97-AF65-F5344CB8AC3E}">
@@ -9542,12 +9988,151 @@
           </p:txBody>
         </p:sp>
       </p:grpSp>
+      <p:sp>
+        <p:nvSpPr>
+          <p:cNvPr id="3" name="Pfeil nach rechts 6">
+            <a:extLst>
+              <a:ext uri="{FF2B5EF4-FFF2-40B4-BE49-F238E27FC236}">
+                <a16:creationId xmlns:a16="http://schemas.microsoft.com/office/drawing/2014/main" id="{0231204D-4DC8-7AE7-5252-3F2D77B1701D}"/>
+              </a:ext>
+            </a:extLst>
+          </p:cNvPr>
+          <p:cNvSpPr/>
+          <p:nvPr/>
+        </p:nvSpPr>
+        <p:spPr>
+          <a:xfrm>
+            <a:off x="10960925" y="6184858"/>
+            <a:ext cx="900000" cy="540000"/>
+          </a:xfrm>
+          <a:prstGeom prst="rightArrow">
+            <a:avLst/>
+          </a:prstGeom>
+          <a:solidFill>
+            <a:srgbClr val="C00000"/>
+          </a:solidFill>
+          <a:ln>
+            <a:noFill/>
+          </a:ln>
+        </p:spPr>
+        <p:style>
+          <a:lnRef idx="2">
+            <a:schemeClr val="accent1">
+              <a:shade val="50000"/>
+            </a:schemeClr>
+          </a:lnRef>
+          <a:fillRef idx="1">
+            <a:schemeClr val="accent1"/>
+          </a:fillRef>
+          <a:effectRef idx="0">
+            <a:schemeClr val="accent1"/>
+          </a:effectRef>
+          <a:fontRef idx="minor">
+            <a:schemeClr val="lt1"/>
+          </a:fontRef>
+        </p:style>
+        <p:txBody>
+          <a:bodyPr rtlCol="0" anchor="ctr"/>
+          <a:lstStyle/>
+          <a:p>
+            <a:pPr marL="0" marR="0" lvl="0" indent="0" algn="ctr" defTabSz="914400" rtl="0" eaLnBrk="1" fontAlgn="auto" latinLnBrk="0" hangingPunct="1">
+              <a:lnSpc>
+                <a:spcPct val="100000"/>
+              </a:lnSpc>
+              <a:spcBef>
+                <a:spcPts val="0"/>
+              </a:spcBef>
+              <a:spcAft>
+                <a:spcPts val="0"/>
+              </a:spcAft>
+              <a:buClrTx/>
+              <a:buSzTx/>
+              <a:buFontTx/>
+              <a:buNone/>
+              <a:tabLst/>
+              <a:defRPr/>
+            </a:pPr>
+            <a:r>
+              <a:rPr kumimoji="0" lang="de-DE" sz="1600" b="0" i="0" u="none" strike="noStrike" kern="1200" cap="none" spc="0" normalizeH="0" baseline="0" noProof="0" dirty="0">
+                <a:ln>
+                  <a:noFill/>
+                </a:ln>
+                <a:solidFill>
+                  <a:prstClr val="white"/>
+                </a:solidFill>
+                <a:effectLst/>
+                <a:uLnTx/>
+                <a:uFillTx/>
+                <a:latin typeface="Calibri" panose="020F0502020204030204"/>
+                <a:ea typeface="+mn-ea"/>
+                <a:cs typeface="+mn-cs"/>
+              </a:rPr>
+              <a:t>Weiter</a:t>
+            </a:r>
+          </a:p>
+        </p:txBody>
+      </p:sp>
+      <p:sp>
+        <p:nvSpPr>
+          <p:cNvPr id="4" name="Pfeil nach links 4">
+            <a:extLst>
+              <a:ext uri="{FF2B5EF4-FFF2-40B4-BE49-F238E27FC236}">
+                <a16:creationId xmlns:a16="http://schemas.microsoft.com/office/drawing/2014/main" id="{144DD79B-874B-8A86-2E0B-F9CC327501BE}"/>
+              </a:ext>
+            </a:extLst>
+          </p:cNvPr>
+          <p:cNvSpPr/>
+          <p:nvPr/>
+        </p:nvSpPr>
+        <p:spPr>
+          <a:xfrm>
+            <a:off x="182879" y="6184857"/>
+            <a:ext cx="900000" cy="540000"/>
+          </a:xfrm>
+          <a:prstGeom prst="leftArrow">
+            <a:avLst/>
+          </a:prstGeom>
+          <a:solidFill>
+            <a:srgbClr val="C00000"/>
+          </a:solidFill>
+          <a:ln>
+            <a:noFill/>
+          </a:ln>
+        </p:spPr>
+        <p:style>
+          <a:lnRef idx="2">
+            <a:schemeClr val="accent1">
+              <a:shade val="50000"/>
+            </a:schemeClr>
+          </a:lnRef>
+          <a:fillRef idx="1">
+            <a:schemeClr val="accent1"/>
+          </a:fillRef>
+          <a:effectRef idx="0">
+            <a:schemeClr val="accent1"/>
+          </a:effectRef>
+          <a:fontRef idx="minor">
+            <a:schemeClr val="lt1"/>
+          </a:fontRef>
+        </p:style>
+        <p:txBody>
+          <a:bodyPr rtlCol="0" anchor="ctr"/>
+          <a:lstStyle/>
+          <a:p>
+            <a:pPr algn="ctr"/>
+            <a:r>
+              <a:rPr lang="de-DE" sz="1600" dirty="0"/>
+              <a:t>Zurück</a:t>
+            </a:r>
+          </a:p>
+        </p:txBody>
+      </p:sp>
       <p:grpSp>
         <p:nvGrpSpPr>
-          <p:cNvPr id="106" name="Gruppieren 105">
+          <p:cNvPr id="5" name="Gruppieren 4">
             <a:extLst>
               <a:ext uri="{FF2B5EF4-FFF2-40B4-BE49-F238E27FC236}">
-                <a16:creationId xmlns:a16="http://schemas.microsoft.com/office/drawing/2014/main" id="{CCA616D6-81A3-6733-107A-CB7C5F6CD0DF}"/>
+                <a16:creationId xmlns:a16="http://schemas.microsoft.com/office/drawing/2014/main" id="{862E9C3E-0B80-A9E4-A542-9B64F730944F}"/>
               </a:ext>
             </a:extLst>
           </p:cNvPr>
@@ -9556,18 +10141,18 @@
         </p:nvGrpSpPr>
         <p:grpSpPr>
           <a:xfrm>
-            <a:off x="2748966" y="3549191"/>
+            <a:off x="2715067" y="3504868"/>
             <a:ext cx="270000" cy="270000"/>
-            <a:chOff x="2705996" y="3515508"/>
+            <a:chOff x="2741354" y="3474161"/>
             <a:chExt cx="270000" cy="270000"/>
           </a:xfrm>
         </p:grpSpPr>
         <p:sp>
           <p:nvSpPr>
-            <p:cNvPr id="99" name="Ellipse 98">
+            <p:cNvPr id="6" name="Ellipse 5">
               <a:extLst>
                 <a:ext uri="{FF2B5EF4-FFF2-40B4-BE49-F238E27FC236}">
-                  <a16:creationId xmlns:a16="http://schemas.microsoft.com/office/drawing/2014/main" id="{4B6C1D00-36DB-2F2B-D6B7-09EE40A17CEB}"/>
+                  <a16:creationId xmlns:a16="http://schemas.microsoft.com/office/drawing/2014/main" id="{C988105F-E5C8-63A5-9C0C-8FE795EDFFA8}"/>
                 </a:ext>
               </a:extLst>
             </p:cNvPr>
@@ -9576,7 +10161,7 @@
           </p:nvSpPr>
           <p:spPr>
             <a:xfrm>
-              <a:off x="2705996" y="3515508"/>
+              <a:off x="2741354" y="3474161"/>
               <a:ext cx="270000" cy="270000"/>
             </a:xfrm>
             <a:prstGeom prst="ellipse">
@@ -9616,22 +10201,22 @@
         </p:sp>
         <p:cxnSp>
           <p:nvCxnSpPr>
-            <p:cNvPr id="102" name="Gerader Verbinder 101">
+            <p:cNvPr id="7" name="Gerader Verbinder 6">
               <a:extLst>
                 <a:ext uri="{FF2B5EF4-FFF2-40B4-BE49-F238E27FC236}">
-                  <a16:creationId xmlns:a16="http://schemas.microsoft.com/office/drawing/2014/main" id="{665E94DB-0972-BF6E-9CD2-B9F7AC96BF74}"/>
+                  <a16:creationId xmlns:a16="http://schemas.microsoft.com/office/drawing/2014/main" id="{E10DD9C5-60BC-5993-5AD3-A6F9011E0928}"/>
                 </a:ext>
               </a:extLst>
             </p:cNvPr>
             <p:cNvCxnSpPr>
-              <a:stCxn id="99" idx="0"/>
-              <a:endCxn id="99" idx="4"/>
+              <a:stCxn id="6" idx="0"/>
+              <a:endCxn id="6" idx="4"/>
             </p:cNvCxnSpPr>
             <p:nvPr/>
           </p:nvCxnSpPr>
           <p:spPr>
             <a:xfrm>
-              <a:off x="2840996" y="3515508"/>
+              <a:off x="2876354" y="3474161"/>
               <a:ext cx="0" cy="270000"/>
             </a:xfrm>
             <a:prstGeom prst="line">
@@ -9660,22 +10245,22 @@
         </p:cxnSp>
         <p:cxnSp>
           <p:nvCxnSpPr>
-            <p:cNvPr id="104" name="Gerader Verbinder 103">
+            <p:cNvPr id="8" name="Gerader Verbinder 7">
               <a:extLst>
                 <a:ext uri="{FF2B5EF4-FFF2-40B4-BE49-F238E27FC236}">
-                  <a16:creationId xmlns:a16="http://schemas.microsoft.com/office/drawing/2014/main" id="{73859D29-33C0-61AB-5A33-12E86CEDC886}"/>
+                  <a16:creationId xmlns:a16="http://schemas.microsoft.com/office/drawing/2014/main" id="{21233367-7DFD-52D4-2C06-CC967764B68E}"/>
                 </a:ext>
               </a:extLst>
             </p:cNvPr>
             <p:cNvCxnSpPr>
-              <a:stCxn id="99" idx="2"/>
-              <a:endCxn id="99" idx="6"/>
+              <a:stCxn id="6" idx="2"/>
+              <a:endCxn id="6" idx="6"/>
             </p:cNvCxnSpPr>
             <p:nvPr/>
           </p:nvCxnSpPr>
           <p:spPr>
             <a:xfrm>
-              <a:off x="2705996" y="3650508"/>
+              <a:off x="2741354" y="3609161"/>
               <a:ext cx="270000" cy="0"/>
             </a:xfrm>
             <a:prstGeom prst="line">
@@ -9704,10 +10289,10 @@
         </p:cxnSp>
         <p:sp>
           <p:nvSpPr>
-            <p:cNvPr id="105" name="Ellipse 104">
+            <p:cNvPr id="9" name="Ellipse 8">
               <a:extLst>
                 <a:ext uri="{FF2B5EF4-FFF2-40B4-BE49-F238E27FC236}">
-                  <a16:creationId xmlns:a16="http://schemas.microsoft.com/office/drawing/2014/main" id="{6AC995EB-FD02-7857-F3CB-A01F69E0E6BB}"/>
+                  <a16:creationId xmlns:a16="http://schemas.microsoft.com/office/drawing/2014/main" id="{66005CFB-1170-4975-FD40-85A354BE885D}"/>
                 </a:ext>
               </a:extLst>
             </p:cNvPr>
@@ -9716,7 +10301,7 @@
           </p:nvSpPr>
           <p:spPr>
             <a:xfrm>
-              <a:off x="2822996" y="3635294"/>
+              <a:off x="2858354" y="3593947"/>
               <a:ext cx="36000" cy="36000"/>
             </a:xfrm>
             <a:prstGeom prst="ellipse">
@@ -25089,8 +25674,8 @@
         </p:nvSpPr>
         <p:spPr>
           <a:xfrm>
-            <a:off x="10487025" y="5986463"/>
-            <a:ext cx="1543050" cy="714375"/>
+            <a:off x="10960925" y="6184858"/>
+            <a:ext cx="900000" cy="540000"/>
           </a:xfrm>
           <a:prstGeom prst="rightArrow">
             <a:avLst/>
@@ -25140,7 +25725,7 @@
               <a:defRPr/>
             </a:pPr>
             <a:r>
-              <a:rPr kumimoji="0" lang="de-DE" sz="1800" b="0" i="0" u="none" strike="noStrike" kern="1200" cap="none" spc="0" normalizeH="0" baseline="0" noProof="0" dirty="0">
+              <a:rPr kumimoji="0" lang="de-DE" sz="1600" b="0" i="0" u="none" strike="noStrike" kern="1200" cap="none" spc="0" normalizeH="0" baseline="0" noProof="0" dirty="0">
                 <a:ln>
                   <a:noFill/>
                 </a:ln>
@@ -25173,8 +25758,8 @@
         </p:nvSpPr>
         <p:spPr>
           <a:xfrm>
-            <a:off x="182879" y="5986462"/>
-            <a:ext cx="1548000" cy="720000"/>
+            <a:off x="182879" y="6184857"/>
+            <a:ext cx="900000" cy="540000"/>
           </a:xfrm>
           <a:prstGeom prst="leftArrow">
             <a:avLst/>
@@ -25208,7 +25793,7 @@
           <a:p>
             <a:pPr algn="ctr"/>
             <a:r>
-              <a:rPr lang="de-DE"/>
+              <a:rPr lang="de-DE" sz="1600" dirty="0"/>
               <a:t>Zurück</a:t>
             </a:r>
           </a:p>
@@ -25534,7 +26119,7 @@
                   <a:schemeClr val="bg1"/>
                 </a:solidFill>
               </a:rPr>
-              <a:t>Nach dem Sie den Hinweis gesehen haben, wird ihnen das Farbfeld präsentiert. Nun müssen sie </a:t>
+              <a:t>Nach dem Sie den Hinweis gesehen haben, wird Ihnen das Farbfeld präsentiert. Nun müssen sie </a:t>
             </a:r>
             <a:r>
               <a:rPr lang="de-DE" sz="1600" b="1" i="1" dirty="0">
@@ -26150,14 +26735,11 @@
               <a:lstStyle/>
               <a:p>
                 <a:pPr algn="ctr"/>
-                <a:r>
-                  <a:rPr lang="de-DE" sz="3600" dirty="0">
-                    <a:solidFill>
-                      <a:schemeClr val="bg1"/>
-                    </a:solidFill>
-                  </a:rPr>
-                  <a:t>+</a:t>
-                </a:r>
+                <a:endParaRPr lang="de-DE" sz="3600" dirty="0">
+                  <a:solidFill>
+                    <a:schemeClr val="bg1"/>
+                  </a:solidFill>
+                </a:endParaRPr>
               </a:p>
             </p:txBody>
           </p:sp>
@@ -26296,6 +26878,360 @@
           </p:sp>
         </p:grpSp>
       </p:grpSp>
+      <p:sp>
+        <p:nvSpPr>
+          <p:cNvPr id="15" name="Pfeil nach rechts 6">
+            <a:extLst>
+              <a:ext uri="{FF2B5EF4-FFF2-40B4-BE49-F238E27FC236}">
+                <a16:creationId xmlns:a16="http://schemas.microsoft.com/office/drawing/2014/main" id="{605715C5-F873-851F-9CF1-D9817B2689E1}"/>
+              </a:ext>
+            </a:extLst>
+          </p:cNvPr>
+          <p:cNvSpPr/>
+          <p:nvPr/>
+        </p:nvSpPr>
+        <p:spPr>
+          <a:xfrm>
+            <a:off x="10960925" y="6184858"/>
+            <a:ext cx="900000" cy="540000"/>
+          </a:xfrm>
+          <a:prstGeom prst="rightArrow">
+            <a:avLst/>
+          </a:prstGeom>
+          <a:solidFill>
+            <a:srgbClr val="C00000"/>
+          </a:solidFill>
+          <a:ln>
+            <a:noFill/>
+          </a:ln>
+        </p:spPr>
+        <p:style>
+          <a:lnRef idx="2">
+            <a:schemeClr val="accent1">
+              <a:shade val="50000"/>
+            </a:schemeClr>
+          </a:lnRef>
+          <a:fillRef idx="1">
+            <a:schemeClr val="accent1"/>
+          </a:fillRef>
+          <a:effectRef idx="0">
+            <a:schemeClr val="accent1"/>
+          </a:effectRef>
+          <a:fontRef idx="minor">
+            <a:schemeClr val="lt1"/>
+          </a:fontRef>
+        </p:style>
+        <p:txBody>
+          <a:bodyPr rtlCol="0" anchor="ctr"/>
+          <a:lstStyle/>
+          <a:p>
+            <a:pPr marL="0" marR="0" lvl="0" indent="0" algn="ctr" defTabSz="914400" rtl="0" eaLnBrk="1" fontAlgn="auto" latinLnBrk="0" hangingPunct="1">
+              <a:lnSpc>
+                <a:spcPct val="100000"/>
+              </a:lnSpc>
+              <a:spcBef>
+                <a:spcPts val="0"/>
+              </a:spcBef>
+              <a:spcAft>
+                <a:spcPts val="0"/>
+              </a:spcAft>
+              <a:buClrTx/>
+              <a:buSzTx/>
+              <a:buFontTx/>
+              <a:buNone/>
+              <a:tabLst/>
+              <a:defRPr/>
+            </a:pPr>
+            <a:r>
+              <a:rPr kumimoji="0" lang="de-DE" sz="1600" b="0" i="0" u="none" strike="noStrike" kern="1200" cap="none" spc="0" normalizeH="0" baseline="0" noProof="0" dirty="0">
+                <a:ln>
+                  <a:noFill/>
+                </a:ln>
+                <a:solidFill>
+                  <a:prstClr val="white"/>
+                </a:solidFill>
+                <a:effectLst/>
+                <a:uLnTx/>
+                <a:uFillTx/>
+                <a:latin typeface="Calibri" panose="020F0502020204030204"/>
+                <a:ea typeface="+mn-ea"/>
+                <a:cs typeface="+mn-cs"/>
+              </a:rPr>
+              <a:t>Weiter</a:t>
+            </a:r>
+          </a:p>
+        </p:txBody>
+      </p:sp>
+      <p:sp>
+        <p:nvSpPr>
+          <p:cNvPr id="16" name="Pfeil nach links 4">
+            <a:extLst>
+              <a:ext uri="{FF2B5EF4-FFF2-40B4-BE49-F238E27FC236}">
+                <a16:creationId xmlns:a16="http://schemas.microsoft.com/office/drawing/2014/main" id="{49CBAD19-BAA0-6AA0-BEA1-7E2229D215ED}"/>
+              </a:ext>
+            </a:extLst>
+          </p:cNvPr>
+          <p:cNvSpPr/>
+          <p:nvPr/>
+        </p:nvSpPr>
+        <p:spPr>
+          <a:xfrm>
+            <a:off x="182879" y="6184857"/>
+            <a:ext cx="900000" cy="540000"/>
+          </a:xfrm>
+          <a:prstGeom prst="leftArrow">
+            <a:avLst/>
+          </a:prstGeom>
+          <a:solidFill>
+            <a:srgbClr val="C00000"/>
+          </a:solidFill>
+          <a:ln>
+            <a:noFill/>
+          </a:ln>
+        </p:spPr>
+        <p:style>
+          <a:lnRef idx="2">
+            <a:schemeClr val="accent1">
+              <a:shade val="50000"/>
+            </a:schemeClr>
+          </a:lnRef>
+          <a:fillRef idx="1">
+            <a:schemeClr val="accent1"/>
+          </a:fillRef>
+          <a:effectRef idx="0">
+            <a:schemeClr val="accent1"/>
+          </a:effectRef>
+          <a:fontRef idx="minor">
+            <a:schemeClr val="lt1"/>
+          </a:fontRef>
+        </p:style>
+        <p:txBody>
+          <a:bodyPr rtlCol="0" anchor="ctr"/>
+          <a:lstStyle/>
+          <a:p>
+            <a:pPr algn="ctr"/>
+            <a:r>
+              <a:rPr lang="de-DE" sz="1600" dirty="0"/>
+              <a:t>Zurück</a:t>
+            </a:r>
+          </a:p>
+        </p:txBody>
+      </p:sp>
+      <p:grpSp>
+        <p:nvGrpSpPr>
+          <p:cNvPr id="17" name="Gruppieren 16">
+            <a:extLst>
+              <a:ext uri="{FF2B5EF4-FFF2-40B4-BE49-F238E27FC236}">
+                <a16:creationId xmlns:a16="http://schemas.microsoft.com/office/drawing/2014/main" id="{6D9D7441-7B00-9083-5172-0DC76C62BA30}"/>
+              </a:ext>
+            </a:extLst>
+          </p:cNvPr>
+          <p:cNvGrpSpPr/>
+          <p:nvPr/>
+        </p:nvGrpSpPr>
+        <p:grpSpPr>
+          <a:xfrm>
+            <a:off x="942336" y="2306436"/>
+            <a:ext cx="270000" cy="270000"/>
+            <a:chOff x="2741354" y="3474161"/>
+            <a:chExt cx="270000" cy="270000"/>
+          </a:xfrm>
+        </p:grpSpPr>
+        <p:sp>
+          <p:nvSpPr>
+            <p:cNvPr id="18" name="Ellipse 17">
+              <a:extLst>
+                <a:ext uri="{FF2B5EF4-FFF2-40B4-BE49-F238E27FC236}">
+                  <a16:creationId xmlns:a16="http://schemas.microsoft.com/office/drawing/2014/main" id="{D5DE6EC8-D10A-064D-C51D-3F5D76C935B5}"/>
+                </a:ext>
+              </a:extLst>
+            </p:cNvPr>
+            <p:cNvSpPr/>
+            <p:nvPr/>
+          </p:nvSpPr>
+          <p:spPr>
+            <a:xfrm>
+              <a:off x="2741354" y="3474161"/>
+              <a:ext cx="270000" cy="270000"/>
+            </a:xfrm>
+            <a:prstGeom prst="ellipse">
+              <a:avLst/>
+            </a:prstGeom>
+            <a:solidFill>
+              <a:schemeClr val="tx1"/>
+            </a:solidFill>
+            <a:ln>
+              <a:noFill/>
+            </a:ln>
+          </p:spPr>
+          <p:style>
+            <a:lnRef idx="2">
+              <a:schemeClr val="accent1">
+                <a:shade val="50000"/>
+              </a:schemeClr>
+            </a:lnRef>
+            <a:fillRef idx="1">
+              <a:schemeClr val="accent1"/>
+            </a:fillRef>
+            <a:effectRef idx="0">
+              <a:schemeClr val="accent1"/>
+            </a:effectRef>
+            <a:fontRef idx="minor">
+              <a:schemeClr val="lt1"/>
+            </a:fontRef>
+          </p:style>
+          <p:txBody>
+            <a:bodyPr rtlCol="0" anchor="ctr"/>
+            <a:lstStyle/>
+            <a:p>
+              <a:pPr algn="ctr"/>
+              <a:endParaRPr lang="de-DE"/>
+            </a:p>
+          </p:txBody>
+        </p:sp>
+        <p:cxnSp>
+          <p:nvCxnSpPr>
+            <p:cNvPr id="19" name="Gerader Verbinder 18">
+              <a:extLst>
+                <a:ext uri="{FF2B5EF4-FFF2-40B4-BE49-F238E27FC236}">
+                  <a16:creationId xmlns:a16="http://schemas.microsoft.com/office/drawing/2014/main" id="{80808448-4280-E45C-A975-321ADA69C14A}"/>
+                </a:ext>
+              </a:extLst>
+            </p:cNvPr>
+            <p:cNvCxnSpPr>
+              <a:stCxn id="18" idx="0"/>
+              <a:endCxn id="18" idx="4"/>
+            </p:cNvCxnSpPr>
+            <p:nvPr/>
+          </p:nvCxnSpPr>
+          <p:spPr>
+            <a:xfrm>
+              <a:off x="2876354" y="3474161"/>
+              <a:ext cx="0" cy="270000"/>
+            </a:xfrm>
+            <a:prstGeom prst="line">
+              <a:avLst/>
+            </a:prstGeom>
+            <a:ln w="38100">
+              <a:solidFill>
+                <a:schemeClr val="bg1"/>
+              </a:solidFill>
+            </a:ln>
+          </p:spPr>
+          <p:style>
+            <a:lnRef idx="1">
+              <a:schemeClr val="accent1"/>
+            </a:lnRef>
+            <a:fillRef idx="0">
+              <a:schemeClr val="accent1"/>
+            </a:fillRef>
+            <a:effectRef idx="0">
+              <a:schemeClr val="accent1"/>
+            </a:effectRef>
+            <a:fontRef idx="minor">
+              <a:schemeClr val="tx1"/>
+            </a:fontRef>
+          </p:style>
+        </p:cxnSp>
+        <p:cxnSp>
+          <p:nvCxnSpPr>
+            <p:cNvPr id="20" name="Gerader Verbinder 19">
+              <a:extLst>
+                <a:ext uri="{FF2B5EF4-FFF2-40B4-BE49-F238E27FC236}">
+                  <a16:creationId xmlns:a16="http://schemas.microsoft.com/office/drawing/2014/main" id="{4314F19A-8D6D-3D7F-53A5-604153694AF0}"/>
+                </a:ext>
+              </a:extLst>
+            </p:cNvPr>
+            <p:cNvCxnSpPr>
+              <a:stCxn id="18" idx="2"/>
+              <a:endCxn id="18" idx="6"/>
+            </p:cNvCxnSpPr>
+            <p:nvPr/>
+          </p:nvCxnSpPr>
+          <p:spPr>
+            <a:xfrm>
+              <a:off x="2741354" y="3609161"/>
+              <a:ext cx="270000" cy="0"/>
+            </a:xfrm>
+            <a:prstGeom prst="line">
+              <a:avLst/>
+            </a:prstGeom>
+            <a:ln w="38100">
+              <a:solidFill>
+                <a:schemeClr val="bg1"/>
+              </a:solidFill>
+            </a:ln>
+          </p:spPr>
+          <p:style>
+            <a:lnRef idx="1">
+              <a:schemeClr val="accent1"/>
+            </a:lnRef>
+            <a:fillRef idx="0">
+              <a:schemeClr val="accent1"/>
+            </a:fillRef>
+            <a:effectRef idx="0">
+              <a:schemeClr val="accent1"/>
+            </a:effectRef>
+            <a:fontRef idx="minor">
+              <a:schemeClr val="tx1"/>
+            </a:fontRef>
+          </p:style>
+        </p:cxnSp>
+        <p:sp>
+          <p:nvSpPr>
+            <p:cNvPr id="21" name="Ellipse 20">
+              <a:extLst>
+                <a:ext uri="{FF2B5EF4-FFF2-40B4-BE49-F238E27FC236}">
+                  <a16:creationId xmlns:a16="http://schemas.microsoft.com/office/drawing/2014/main" id="{972BA13B-50F1-6F9F-CAF7-3B0054E3A5B7}"/>
+                </a:ext>
+              </a:extLst>
+            </p:cNvPr>
+            <p:cNvSpPr/>
+            <p:nvPr/>
+          </p:nvSpPr>
+          <p:spPr>
+            <a:xfrm>
+              <a:off x="2858354" y="3593947"/>
+              <a:ext cx="36000" cy="36000"/>
+            </a:xfrm>
+            <a:prstGeom prst="ellipse">
+              <a:avLst/>
+            </a:prstGeom>
+            <a:solidFill>
+              <a:schemeClr val="tx1"/>
+            </a:solidFill>
+            <a:ln>
+              <a:solidFill>
+                <a:schemeClr val="tx1"/>
+              </a:solidFill>
+            </a:ln>
+          </p:spPr>
+          <p:style>
+            <a:lnRef idx="2">
+              <a:schemeClr val="accent1">
+                <a:shade val="50000"/>
+              </a:schemeClr>
+            </a:lnRef>
+            <a:fillRef idx="1">
+              <a:schemeClr val="accent1"/>
+            </a:fillRef>
+            <a:effectRef idx="0">
+              <a:schemeClr val="accent1"/>
+            </a:effectRef>
+            <a:fontRef idx="minor">
+              <a:schemeClr val="lt1"/>
+            </a:fontRef>
+          </p:style>
+          <p:txBody>
+            <a:bodyPr rtlCol="0" anchor="ctr"/>
+            <a:lstStyle/>
+            <a:p>
+              <a:pPr algn="ctr"/>
+              <a:endParaRPr lang="de-DE"/>
+            </a:p>
+          </p:txBody>
+        </p:sp>
+      </p:grpSp>
     </p:spTree>
     <p:extLst>
       <p:ext uri="{BB962C8B-B14F-4D97-AF65-F5344CB8AC3E}">
@@ -26648,7 +27584,7 @@
                   <a:schemeClr val="bg1"/>
                 </a:solidFill>
               </a:rPr>
-              <a:t> ist. Erst danach erscheint der Hinweis, welche Dimension relevant ist ! </a:t>
+              <a:t> ist. Erst danach erscheint der Hinweis, welche Dimension relevant ist! </a:t>
             </a:r>
           </a:p>
           <a:p>
@@ -27220,14 +28156,11 @@
             <a:lstStyle/>
             <a:p>
               <a:pPr algn="ctr"/>
-              <a:r>
-                <a:rPr lang="de-DE" sz="3600" dirty="0">
-                  <a:solidFill>
-                    <a:schemeClr val="bg1"/>
-                  </a:solidFill>
-                </a:rPr>
-                <a:t>+</a:t>
-              </a:r>
+              <a:endParaRPr lang="de-DE" sz="3600" dirty="0">
+                <a:solidFill>
+                  <a:schemeClr val="bg1"/>
+                </a:solidFill>
+              </a:endParaRPr>
             </a:p>
           </p:txBody>
         </p:sp>
@@ -27382,6 +28315,360 @@
             </p:style>
           </p:cxnSp>
         </p:grpSp>
+      </p:grpSp>
+      <p:sp>
+        <p:nvSpPr>
+          <p:cNvPr id="16" name="Pfeil nach rechts 6">
+            <a:extLst>
+              <a:ext uri="{FF2B5EF4-FFF2-40B4-BE49-F238E27FC236}">
+                <a16:creationId xmlns:a16="http://schemas.microsoft.com/office/drawing/2014/main" id="{6EE79EB7-E6D2-6CF3-8877-A9AA250DF1ED}"/>
+              </a:ext>
+            </a:extLst>
+          </p:cNvPr>
+          <p:cNvSpPr/>
+          <p:nvPr/>
+        </p:nvSpPr>
+        <p:spPr>
+          <a:xfrm>
+            <a:off x="10960925" y="6184858"/>
+            <a:ext cx="900000" cy="540000"/>
+          </a:xfrm>
+          <a:prstGeom prst="rightArrow">
+            <a:avLst/>
+          </a:prstGeom>
+          <a:solidFill>
+            <a:srgbClr val="C00000"/>
+          </a:solidFill>
+          <a:ln>
+            <a:noFill/>
+          </a:ln>
+        </p:spPr>
+        <p:style>
+          <a:lnRef idx="2">
+            <a:schemeClr val="accent1">
+              <a:shade val="50000"/>
+            </a:schemeClr>
+          </a:lnRef>
+          <a:fillRef idx="1">
+            <a:schemeClr val="accent1"/>
+          </a:fillRef>
+          <a:effectRef idx="0">
+            <a:schemeClr val="accent1"/>
+          </a:effectRef>
+          <a:fontRef idx="minor">
+            <a:schemeClr val="lt1"/>
+          </a:fontRef>
+        </p:style>
+        <p:txBody>
+          <a:bodyPr rtlCol="0" anchor="ctr"/>
+          <a:lstStyle/>
+          <a:p>
+            <a:pPr marL="0" marR="0" lvl="0" indent="0" algn="ctr" defTabSz="914400" rtl="0" eaLnBrk="1" fontAlgn="auto" latinLnBrk="0" hangingPunct="1">
+              <a:lnSpc>
+                <a:spcPct val="100000"/>
+              </a:lnSpc>
+              <a:spcBef>
+                <a:spcPts val="0"/>
+              </a:spcBef>
+              <a:spcAft>
+                <a:spcPts val="0"/>
+              </a:spcAft>
+              <a:buClrTx/>
+              <a:buSzTx/>
+              <a:buFontTx/>
+              <a:buNone/>
+              <a:tabLst/>
+              <a:defRPr/>
+            </a:pPr>
+            <a:r>
+              <a:rPr kumimoji="0" lang="de-DE" sz="1600" b="0" i="0" u="none" strike="noStrike" kern="1200" cap="none" spc="0" normalizeH="0" baseline="0" noProof="0" dirty="0">
+                <a:ln>
+                  <a:noFill/>
+                </a:ln>
+                <a:solidFill>
+                  <a:prstClr val="white"/>
+                </a:solidFill>
+                <a:effectLst/>
+                <a:uLnTx/>
+                <a:uFillTx/>
+                <a:latin typeface="Calibri" panose="020F0502020204030204"/>
+                <a:ea typeface="+mn-ea"/>
+                <a:cs typeface="+mn-cs"/>
+              </a:rPr>
+              <a:t>Weiter</a:t>
+            </a:r>
+          </a:p>
+        </p:txBody>
+      </p:sp>
+      <p:sp>
+        <p:nvSpPr>
+          <p:cNvPr id="17" name="Pfeil nach links 4">
+            <a:extLst>
+              <a:ext uri="{FF2B5EF4-FFF2-40B4-BE49-F238E27FC236}">
+                <a16:creationId xmlns:a16="http://schemas.microsoft.com/office/drawing/2014/main" id="{3C80A7A5-B7F5-7C74-6A49-F129A30E765F}"/>
+              </a:ext>
+            </a:extLst>
+          </p:cNvPr>
+          <p:cNvSpPr/>
+          <p:nvPr/>
+        </p:nvSpPr>
+        <p:spPr>
+          <a:xfrm>
+            <a:off x="182879" y="6184857"/>
+            <a:ext cx="900000" cy="540000"/>
+          </a:xfrm>
+          <a:prstGeom prst="leftArrow">
+            <a:avLst/>
+          </a:prstGeom>
+          <a:solidFill>
+            <a:srgbClr val="C00000"/>
+          </a:solidFill>
+          <a:ln>
+            <a:noFill/>
+          </a:ln>
+        </p:spPr>
+        <p:style>
+          <a:lnRef idx="2">
+            <a:schemeClr val="accent1">
+              <a:shade val="50000"/>
+            </a:schemeClr>
+          </a:lnRef>
+          <a:fillRef idx="1">
+            <a:schemeClr val="accent1"/>
+          </a:fillRef>
+          <a:effectRef idx="0">
+            <a:schemeClr val="accent1"/>
+          </a:effectRef>
+          <a:fontRef idx="minor">
+            <a:schemeClr val="lt1"/>
+          </a:fontRef>
+        </p:style>
+        <p:txBody>
+          <a:bodyPr rtlCol="0" anchor="ctr"/>
+          <a:lstStyle/>
+          <a:p>
+            <a:pPr algn="ctr"/>
+            <a:r>
+              <a:rPr lang="de-DE" sz="1600" dirty="0"/>
+              <a:t>Zurück</a:t>
+            </a:r>
+          </a:p>
+        </p:txBody>
+      </p:sp>
+      <p:grpSp>
+        <p:nvGrpSpPr>
+          <p:cNvPr id="18" name="Gruppieren 17">
+            <a:extLst>
+              <a:ext uri="{FF2B5EF4-FFF2-40B4-BE49-F238E27FC236}">
+                <a16:creationId xmlns:a16="http://schemas.microsoft.com/office/drawing/2014/main" id="{2DB0BDB7-2313-9D35-1A5E-2EEBEB2C29DB}"/>
+              </a:ext>
+            </a:extLst>
+          </p:cNvPr>
+          <p:cNvGrpSpPr/>
+          <p:nvPr/>
+        </p:nvGrpSpPr>
+        <p:grpSpPr>
+          <a:xfrm>
+            <a:off x="942336" y="2306436"/>
+            <a:ext cx="270000" cy="270000"/>
+            <a:chOff x="2741354" y="3474161"/>
+            <a:chExt cx="270000" cy="270000"/>
+          </a:xfrm>
+        </p:grpSpPr>
+        <p:sp>
+          <p:nvSpPr>
+            <p:cNvPr id="19" name="Ellipse 18">
+              <a:extLst>
+                <a:ext uri="{FF2B5EF4-FFF2-40B4-BE49-F238E27FC236}">
+                  <a16:creationId xmlns:a16="http://schemas.microsoft.com/office/drawing/2014/main" id="{C4025807-D36E-F647-3C92-F7E1F712AF3D}"/>
+                </a:ext>
+              </a:extLst>
+            </p:cNvPr>
+            <p:cNvSpPr/>
+            <p:nvPr/>
+          </p:nvSpPr>
+          <p:spPr>
+            <a:xfrm>
+              <a:off x="2741354" y="3474161"/>
+              <a:ext cx="270000" cy="270000"/>
+            </a:xfrm>
+            <a:prstGeom prst="ellipse">
+              <a:avLst/>
+            </a:prstGeom>
+            <a:solidFill>
+              <a:schemeClr val="tx1"/>
+            </a:solidFill>
+            <a:ln>
+              <a:noFill/>
+            </a:ln>
+          </p:spPr>
+          <p:style>
+            <a:lnRef idx="2">
+              <a:schemeClr val="accent1">
+                <a:shade val="50000"/>
+              </a:schemeClr>
+            </a:lnRef>
+            <a:fillRef idx="1">
+              <a:schemeClr val="accent1"/>
+            </a:fillRef>
+            <a:effectRef idx="0">
+              <a:schemeClr val="accent1"/>
+            </a:effectRef>
+            <a:fontRef idx="minor">
+              <a:schemeClr val="lt1"/>
+            </a:fontRef>
+          </p:style>
+          <p:txBody>
+            <a:bodyPr rtlCol="0" anchor="ctr"/>
+            <a:lstStyle/>
+            <a:p>
+              <a:pPr algn="ctr"/>
+              <a:endParaRPr lang="de-DE"/>
+            </a:p>
+          </p:txBody>
+        </p:sp>
+        <p:cxnSp>
+          <p:nvCxnSpPr>
+            <p:cNvPr id="25" name="Gerader Verbinder 24">
+              <a:extLst>
+                <a:ext uri="{FF2B5EF4-FFF2-40B4-BE49-F238E27FC236}">
+                  <a16:creationId xmlns:a16="http://schemas.microsoft.com/office/drawing/2014/main" id="{6FC289BB-FA3F-9158-6099-9AFC27F96416}"/>
+                </a:ext>
+              </a:extLst>
+            </p:cNvPr>
+            <p:cNvCxnSpPr>
+              <a:stCxn id="19" idx="0"/>
+              <a:endCxn id="19" idx="4"/>
+            </p:cNvCxnSpPr>
+            <p:nvPr/>
+          </p:nvCxnSpPr>
+          <p:spPr>
+            <a:xfrm>
+              <a:off x="2876354" y="3474161"/>
+              <a:ext cx="0" cy="270000"/>
+            </a:xfrm>
+            <a:prstGeom prst="line">
+              <a:avLst/>
+            </a:prstGeom>
+            <a:ln w="38100">
+              <a:solidFill>
+                <a:schemeClr val="bg1"/>
+              </a:solidFill>
+            </a:ln>
+          </p:spPr>
+          <p:style>
+            <a:lnRef idx="1">
+              <a:schemeClr val="accent1"/>
+            </a:lnRef>
+            <a:fillRef idx="0">
+              <a:schemeClr val="accent1"/>
+            </a:fillRef>
+            <a:effectRef idx="0">
+              <a:schemeClr val="accent1"/>
+            </a:effectRef>
+            <a:fontRef idx="minor">
+              <a:schemeClr val="tx1"/>
+            </a:fontRef>
+          </p:style>
+        </p:cxnSp>
+        <p:cxnSp>
+          <p:nvCxnSpPr>
+            <p:cNvPr id="26" name="Gerader Verbinder 25">
+              <a:extLst>
+                <a:ext uri="{FF2B5EF4-FFF2-40B4-BE49-F238E27FC236}">
+                  <a16:creationId xmlns:a16="http://schemas.microsoft.com/office/drawing/2014/main" id="{C34F4ABE-4DE9-BF32-4DC1-A6D596717B0E}"/>
+                </a:ext>
+              </a:extLst>
+            </p:cNvPr>
+            <p:cNvCxnSpPr>
+              <a:stCxn id="19" idx="2"/>
+              <a:endCxn id="19" idx="6"/>
+            </p:cNvCxnSpPr>
+            <p:nvPr/>
+          </p:nvCxnSpPr>
+          <p:spPr>
+            <a:xfrm>
+              <a:off x="2741354" y="3609161"/>
+              <a:ext cx="270000" cy="0"/>
+            </a:xfrm>
+            <a:prstGeom prst="line">
+              <a:avLst/>
+            </a:prstGeom>
+            <a:ln w="38100">
+              <a:solidFill>
+                <a:schemeClr val="bg1"/>
+              </a:solidFill>
+            </a:ln>
+          </p:spPr>
+          <p:style>
+            <a:lnRef idx="1">
+              <a:schemeClr val="accent1"/>
+            </a:lnRef>
+            <a:fillRef idx="0">
+              <a:schemeClr val="accent1"/>
+            </a:fillRef>
+            <a:effectRef idx="0">
+              <a:schemeClr val="accent1"/>
+            </a:effectRef>
+            <a:fontRef idx="minor">
+              <a:schemeClr val="tx1"/>
+            </a:fontRef>
+          </p:style>
+        </p:cxnSp>
+        <p:sp>
+          <p:nvSpPr>
+            <p:cNvPr id="27" name="Ellipse 26">
+              <a:extLst>
+                <a:ext uri="{FF2B5EF4-FFF2-40B4-BE49-F238E27FC236}">
+                  <a16:creationId xmlns:a16="http://schemas.microsoft.com/office/drawing/2014/main" id="{B164B1D1-F2D3-B1FF-B0FA-346C02A6C29B}"/>
+                </a:ext>
+              </a:extLst>
+            </p:cNvPr>
+            <p:cNvSpPr/>
+            <p:nvPr/>
+          </p:nvSpPr>
+          <p:spPr>
+            <a:xfrm>
+              <a:off x="2858354" y="3593947"/>
+              <a:ext cx="36000" cy="36000"/>
+            </a:xfrm>
+            <a:prstGeom prst="ellipse">
+              <a:avLst/>
+            </a:prstGeom>
+            <a:solidFill>
+              <a:schemeClr val="tx1"/>
+            </a:solidFill>
+            <a:ln>
+              <a:solidFill>
+                <a:schemeClr val="tx1"/>
+              </a:solidFill>
+            </a:ln>
+          </p:spPr>
+          <p:style>
+            <a:lnRef idx="2">
+              <a:schemeClr val="accent1">
+                <a:shade val="50000"/>
+              </a:schemeClr>
+            </a:lnRef>
+            <a:fillRef idx="1">
+              <a:schemeClr val="accent1"/>
+            </a:fillRef>
+            <a:effectRef idx="0">
+              <a:schemeClr val="accent1"/>
+            </a:effectRef>
+            <a:fontRef idx="minor">
+              <a:schemeClr val="lt1"/>
+            </a:fontRef>
+          </p:style>
+          <p:txBody>
+            <a:bodyPr rtlCol="0" anchor="ctr"/>
+            <a:lstStyle/>
+            <a:p>
+              <a:pPr algn="ctr"/>
+              <a:endParaRPr lang="de-DE"/>
+            </a:p>
+          </p:txBody>
+        </p:sp>
       </p:grpSp>
     </p:spTree>
     <p:extLst>
@@ -27803,7 +29090,7 @@
         </p:nvSpPr>
         <p:spPr>
           <a:xfrm>
-            <a:off x="1410549" y="5731938"/>
+            <a:off x="1410549" y="5301037"/>
             <a:ext cx="2569317" cy="923330"/>
           </a:xfrm>
           <a:prstGeom prst="rect">
@@ -27859,7 +29146,7 @@
         </p:nvSpPr>
         <p:spPr>
           <a:xfrm>
-            <a:off x="7780476" y="5651015"/>
+            <a:off x="7856321" y="5304990"/>
             <a:ext cx="2569317" cy="923330"/>
           </a:xfrm>
           <a:prstGeom prst="rect">
@@ -28653,6 +29940,145 @@
           </p:txBody>
         </p:sp>
       </p:grpSp>
+      <p:sp>
+        <p:nvSpPr>
+          <p:cNvPr id="13" name="Pfeil nach rechts 6">
+            <a:extLst>
+              <a:ext uri="{FF2B5EF4-FFF2-40B4-BE49-F238E27FC236}">
+                <a16:creationId xmlns:a16="http://schemas.microsoft.com/office/drawing/2014/main" id="{B92C2CB9-41ED-DBF6-D6D4-E0929B85DABB}"/>
+              </a:ext>
+            </a:extLst>
+          </p:cNvPr>
+          <p:cNvSpPr/>
+          <p:nvPr/>
+        </p:nvSpPr>
+        <p:spPr>
+          <a:xfrm>
+            <a:off x="10960925" y="6184858"/>
+            <a:ext cx="900000" cy="540000"/>
+          </a:xfrm>
+          <a:prstGeom prst="rightArrow">
+            <a:avLst/>
+          </a:prstGeom>
+          <a:solidFill>
+            <a:srgbClr val="C00000"/>
+          </a:solidFill>
+          <a:ln>
+            <a:noFill/>
+          </a:ln>
+        </p:spPr>
+        <p:style>
+          <a:lnRef idx="2">
+            <a:schemeClr val="accent1">
+              <a:shade val="50000"/>
+            </a:schemeClr>
+          </a:lnRef>
+          <a:fillRef idx="1">
+            <a:schemeClr val="accent1"/>
+          </a:fillRef>
+          <a:effectRef idx="0">
+            <a:schemeClr val="accent1"/>
+          </a:effectRef>
+          <a:fontRef idx="minor">
+            <a:schemeClr val="lt1"/>
+          </a:fontRef>
+        </p:style>
+        <p:txBody>
+          <a:bodyPr rtlCol="0" anchor="ctr"/>
+          <a:lstStyle/>
+          <a:p>
+            <a:pPr marL="0" marR="0" lvl="0" indent="0" algn="ctr" defTabSz="914400" rtl="0" eaLnBrk="1" fontAlgn="auto" latinLnBrk="0" hangingPunct="1">
+              <a:lnSpc>
+                <a:spcPct val="100000"/>
+              </a:lnSpc>
+              <a:spcBef>
+                <a:spcPts val="0"/>
+              </a:spcBef>
+              <a:spcAft>
+                <a:spcPts val="0"/>
+              </a:spcAft>
+              <a:buClrTx/>
+              <a:buSzTx/>
+              <a:buFontTx/>
+              <a:buNone/>
+              <a:tabLst/>
+              <a:defRPr/>
+            </a:pPr>
+            <a:r>
+              <a:rPr kumimoji="0" lang="de-DE" sz="1600" b="0" i="0" u="none" strike="noStrike" kern="1200" cap="none" spc="0" normalizeH="0" baseline="0" noProof="0" dirty="0">
+                <a:ln>
+                  <a:noFill/>
+                </a:ln>
+                <a:solidFill>
+                  <a:prstClr val="white"/>
+                </a:solidFill>
+                <a:effectLst/>
+                <a:uLnTx/>
+                <a:uFillTx/>
+                <a:latin typeface="Calibri" panose="020F0502020204030204"/>
+                <a:ea typeface="+mn-ea"/>
+                <a:cs typeface="+mn-cs"/>
+              </a:rPr>
+              <a:t>Weiter</a:t>
+            </a:r>
+          </a:p>
+        </p:txBody>
+      </p:sp>
+      <p:sp>
+        <p:nvSpPr>
+          <p:cNvPr id="14" name="Pfeil nach links 4">
+            <a:extLst>
+              <a:ext uri="{FF2B5EF4-FFF2-40B4-BE49-F238E27FC236}">
+                <a16:creationId xmlns:a16="http://schemas.microsoft.com/office/drawing/2014/main" id="{6C1F7BB7-0006-A211-3E0B-BE59D0DED31F}"/>
+              </a:ext>
+            </a:extLst>
+          </p:cNvPr>
+          <p:cNvSpPr/>
+          <p:nvPr/>
+        </p:nvSpPr>
+        <p:spPr>
+          <a:xfrm>
+            <a:off x="182879" y="6184857"/>
+            <a:ext cx="900000" cy="540000"/>
+          </a:xfrm>
+          <a:prstGeom prst="leftArrow">
+            <a:avLst/>
+          </a:prstGeom>
+          <a:solidFill>
+            <a:srgbClr val="C00000"/>
+          </a:solidFill>
+          <a:ln>
+            <a:noFill/>
+          </a:ln>
+        </p:spPr>
+        <p:style>
+          <a:lnRef idx="2">
+            <a:schemeClr val="accent1">
+              <a:shade val="50000"/>
+            </a:schemeClr>
+          </a:lnRef>
+          <a:fillRef idx="1">
+            <a:schemeClr val="accent1"/>
+          </a:fillRef>
+          <a:effectRef idx="0">
+            <a:schemeClr val="accent1"/>
+          </a:effectRef>
+          <a:fontRef idx="minor">
+            <a:schemeClr val="lt1"/>
+          </a:fontRef>
+        </p:style>
+        <p:txBody>
+          <a:bodyPr rtlCol="0" anchor="ctr"/>
+          <a:lstStyle/>
+          <a:p>
+            <a:pPr algn="ctr"/>
+            <a:r>
+              <a:rPr lang="de-DE" sz="1600" dirty="0"/>
+              <a:t>Zurück</a:t>
+            </a:r>
+          </a:p>
+        </p:txBody>
+      </p:sp>
     </p:spTree>
     <p:extLst>
       <p:ext uri="{BB962C8B-B14F-4D97-AF65-F5344CB8AC3E}">
@@ -29432,7 +30858,7 @@
                   <a:schemeClr val="bg1"/>
                 </a:solidFill>
               </a:rPr>
-              <a:t> welche Farbe heller ist. Dies tun sie, indem Sie </a:t>
+              <a:t> welche Farbe heller ist. Dies tun Sie, indem Sie </a:t>
             </a:r>
             <a:r>
               <a:rPr lang="de-DE" b="1" i="1" dirty="0">
@@ -29496,7 +30922,7 @@
                   <a:schemeClr val="bg1"/>
                 </a:solidFill>
               </a:rPr>
-              <a:t>, </a:t>
+              <a:t> </a:t>
             </a:r>
             <a:r>
               <a:rPr lang="de-DE" dirty="0">
@@ -29936,6 +31362,145 @@
                 </a:solidFill>
               </a:rPr>
               <a:t>Fixation erscheint erneut </a:t>
+            </a:r>
+          </a:p>
+        </p:txBody>
+      </p:sp>
+      <p:sp>
+        <p:nvSpPr>
+          <p:cNvPr id="3" name="Pfeil nach rechts 6">
+            <a:extLst>
+              <a:ext uri="{FF2B5EF4-FFF2-40B4-BE49-F238E27FC236}">
+                <a16:creationId xmlns:a16="http://schemas.microsoft.com/office/drawing/2014/main" id="{3500F569-80B6-68D6-6E87-A186FF84567A}"/>
+              </a:ext>
+            </a:extLst>
+          </p:cNvPr>
+          <p:cNvSpPr/>
+          <p:nvPr/>
+        </p:nvSpPr>
+        <p:spPr>
+          <a:xfrm>
+            <a:off x="10960925" y="6184858"/>
+            <a:ext cx="900000" cy="540000"/>
+          </a:xfrm>
+          <a:prstGeom prst="rightArrow">
+            <a:avLst/>
+          </a:prstGeom>
+          <a:solidFill>
+            <a:srgbClr val="C00000"/>
+          </a:solidFill>
+          <a:ln>
+            <a:noFill/>
+          </a:ln>
+        </p:spPr>
+        <p:style>
+          <a:lnRef idx="2">
+            <a:schemeClr val="accent1">
+              <a:shade val="50000"/>
+            </a:schemeClr>
+          </a:lnRef>
+          <a:fillRef idx="1">
+            <a:schemeClr val="accent1"/>
+          </a:fillRef>
+          <a:effectRef idx="0">
+            <a:schemeClr val="accent1"/>
+          </a:effectRef>
+          <a:fontRef idx="minor">
+            <a:schemeClr val="lt1"/>
+          </a:fontRef>
+        </p:style>
+        <p:txBody>
+          <a:bodyPr rtlCol="0" anchor="ctr"/>
+          <a:lstStyle/>
+          <a:p>
+            <a:pPr marL="0" marR="0" lvl="0" indent="0" algn="ctr" defTabSz="914400" rtl="0" eaLnBrk="1" fontAlgn="auto" latinLnBrk="0" hangingPunct="1">
+              <a:lnSpc>
+                <a:spcPct val="100000"/>
+              </a:lnSpc>
+              <a:spcBef>
+                <a:spcPts val="0"/>
+              </a:spcBef>
+              <a:spcAft>
+                <a:spcPts val="0"/>
+              </a:spcAft>
+              <a:buClrTx/>
+              <a:buSzTx/>
+              <a:buFontTx/>
+              <a:buNone/>
+              <a:tabLst/>
+              <a:defRPr/>
+            </a:pPr>
+            <a:r>
+              <a:rPr kumimoji="0" lang="de-DE" sz="1600" b="0" i="0" u="none" strike="noStrike" kern="1200" cap="none" spc="0" normalizeH="0" baseline="0" noProof="0" dirty="0">
+                <a:ln>
+                  <a:noFill/>
+                </a:ln>
+                <a:solidFill>
+                  <a:prstClr val="white"/>
+                </a:solidFill>
+                <a:effectLst/>
+                <a:uLnTx/>
+                <a:uFillTx/>
+                <a:latin typeface="Calibri" panose="020F0502020204030204"/>
+                <a:ea typeface="+mn-ea"/>
+                <a:cs typeface="+mn-cs"/>
+              </a:rPr>
+              <a:t>Weiter</a:t>
+            </a:r>
+          </a:p>
+        </p:txBody>
+      </p:sp>
+      <p:sp>
+        <p:nvSpPr>
+          <p:cNvPr id="4" name="Pfeil nach links 4">
+            <a:extLst>
+              <a:ext uri="{FF2B5EF4-FFF2-40B4-BE49-F238E27FC236}">
+                <a16:creationId xmlns:a16="http://schemas.microsoft.com/office/drawing/2014/main" id="{C52F4531-4DB2-1B74-5E0E-8EFF57E1F4FD}"/>
+              </a:ext>
+            </a:extLst>
+          </p:cNvPr>
+          <p:cNvSpPr/>
+          <p:nvPr/>
+        </p:nvSpPr>
+        <p:spPr>
+          <a:xfrm>
+            <a:off x="182879" y="6184857"/>
+            <a:ext cx="900000" cy="540000"/>
+          </a:xfrm>
+          <a:prstGeom prst="leftArrow">
+            <a:avLst/>
+          </a:prstGeom>
+          <a:solidFill>
+            <a:srgbClr val="C00000"/>
+          </a:solidFill>
+          <a:ln>
+            <a:noFill/>
+          </a:ln>
+        </p:spPr>
+        <p:style>
+          <a:lnRef idx="2">
+            <a:schemeClr val="accent1">
+              <a:shade val="50000"/>
+            </a:schemeClr>
+          </a:lnRef>
+          <a:fillRef idx="1">
+            <a:schemeClr val="accent1"/>
+          </a:fillRef>
+          <a:effectRef idx="0">
+            <a:schemeClr val="accent1"/>
+          </a:effectRef>
+          <a:fontRef idx="minor">
+            <a:schemeClr val="lt1"/>
+          </a:fontRef>
+        </p:style>
+        <p:txBody>
+          <a:bodyPr rtlCol="0" anchor="ctr"/>
+          <a:lstStyle/>
+          <a:p>
+            <a:pPr algn="ctr"/>
+            <a:r>
+              <a:rPr lang="de-DE" sz="1600" dirty="0"/>
+              <a:t>Zurück</a:t>
             </a:r>
           </a:p>
         </p:txBody>
@@ -33860,6 +35425,145 @@
           </p:txBody>
         </p:sp>
       </p:grpSp>
+      <p:sp>
+        <p:nvSpPr>
+          <p:cNvPr id="32" name="Pfeil nach rechts 6">
+            <a:extLst>
+              <a:ext uri="{FF2B5EF4-FFF2-40B4-BE49-F238E27FC236}">
+                <a16:creationId xmlns:a16="http://schemas.microsoft.com/office/drawing/2014/main" id="{DD14C2EF-C186-EB2C-2481-C31B9933BCAE}"/>
+              </a:ext>
+            </a:extLst>
+          </p:cNvPr>
+          <p:cNvSpPr/>
+          <p:nvPr/>
+        </p:nvSpPr>
+        <p:spPr>
+          <a:xfrm>
+            <a:off x="10960925" y="6184858"/>
+            <a:ext cx="900000" cy="540000"/>
+          </a:xfrm>
+          <a:prstGeom prst="rightArrow">
+            <a:avLst/>
+          </a:prstGeom>
+          <a:solidFill>
+            <a:srgbClr val="C00000"/>
+          </a:solidFill>
+          <a:ln>
+            <a:noFill/>
+          </a:ln>
+        </p:spPr>
+        <p:style>
+          <a:lnRef idx="2">
+            <a:schemeClr val="accent1">
+              <a:shade val="50000"/>
+            </a:schemeClr>
+          </a:lnRef>
+          <a:fillRef idx="1">
+            <a:schemeClr val="accent1"/>
+          </a:fillRef>
+          <a:effectRef idx="0">
+            <a:schemeClr val="accent1"/>
+          </a:effectRef>
+          <a:fontRef idx="minor">
+            <a:schemeClr val="lt1"/>
+          </a:fontRef>
+        </p:style>
+        <p:txBody>
+          <a:bodyPr rtlCol="0" anchor="ctr"/>
+          <a:lstStyle/>
+          <a:p>
+            <a:pPr marL="0" marR="0" lvl="0" indent="0" algn="ctr" defTabSz="914400" rtl="0" eaLnBrk="1" fontAlgn="auto" latinLnBrk="0" hangingPunct="1">
+              <a:lnSpc>
+                <a:spcPct val="100000"/>
+              </a:lnSpc>
+              <a:spcBef>
+                <a:spcPts val="0"/>
+              </a:spcBef>
+              <a:spcAft>
+                <a:spcPts val="0"/>
+              </a:spcAft>
+              <a:buClrTx/>
+              <a:buSzTx/>
+              <a:buFontTx/>
+              <a:buNone/>
+              <a:tabLst/>
+              <a:defRPr/>
+            </a:pPr>
+            <a:r>
+              <a:rPr kumimoji="0" lang="de-DE" sz="1600" b="0" i="0" u="none" strike="noStrike" kern="1200" cap="none" spc="0" normalizeH="0" baseline="0" noProof="0" dirty="0">
+                <a:ln>
+                  <a:noFill/>
+                </a:ln>
+                <a:solidFill>
+                  <a:prstClr val="white"/>
+                </a:solidFill>
+                <a:effectLst/>
+                <a:uLnTx/>
+                <a:uFillTx/>
+                <a:latin typeface="Calibri" panose="020F0502020204030204"/>
+                <a:ea typeface="+mn-ea"/>
+                <a:cs typeface="+mn-cs"/>
+              </a:rPr>
+              <a:t>Weiter</a:t>
+            </a:r>
+          </a:p>
+        </p:txBody>
+      </p:sp>
+      <p:sp>
+        <p:nvSpPr>
+          <p:cNvPr id="35" name="Pfeil nach links 4">
+            <a:extLst>
+              <a:ext uri="{FF2B5EF4-FFF2-40B4-BE49-F238E27FC236}">
+                <a16:creationId xmlns:a16="http://schemas.microsoft.com/office/drawing/2014/main" id="{A3E395DA-D101-99D5-F191-1B480B8F56F8}"/>
+              </a:ext>
+            </a:extLst>
+          </p:cNvPr>
+          <p:cNvSpPr/>
+          <p:nvPr/>
+        </p:nvSpPr>
+        <p:spPr>
+          <a:xfrm>
+            <a:off x="182879" y="6184857"/>
+            <a:ext cx="900000" cy="540000"/>
+          </a:xfrm>
+          <a:prstGeom prst="leftArrow">
+            <a:avLst/>
+          </a:prstGeom>
+          <a:solidFill>
+            <a:srgbClr val="C00000"/>
+          </a:solidFill>
+          <a:ln>
+            <a:noFill/>
+          </a:ln>
+        </p:spPr>
+        <p:style>
+          <a:lnRef idx="2">
+            <a:schemeClr val="accent1">
+              <a:shade val="50000"/>
+            </a:schemeClr>
+          </a:lnRef>
+          <a:fillRef idx="1">
+            <a:schemeClr val="accent1"/>
+          </a:fillRef>
+          <a:effectRef idx="0">
+            <a:schemeClr val="accent1"/>
+          </a:effectRef>
+          <a:fontRef idx="minor">
+            <a:schemeClr val="lt1"/>
+          </a:fontRef>
+        </p:style>
+        <p:txBody>
+          <a:bodyPr rtlCol="0" anchor="ctr"/>
+          <a:lstStyle/>
+          <a:p>
+            <a:pPr algn="ctr"/>
+            <a:r>
+              <a:rPr lang="de-DE" sz="1600" dirty="0"/>
+              <a:t>Zurück</a:t>
+            </a:r>
+          </a:p>
+        </p:txBody>
+      </p:sp>
     </p:spTree>
     <p:extLst>
       <p:ext uri="{BB962C8B-B14F-4D97-AF65-F5344CB8AC3E}">
@@ -35203,86 +36907,6 @@
           </p:style>
         </p:cxnSp>
       </p:grpSp>
-      <p:sp>
-        <p:nvSpPr>
-          <p:cNvPr id="111" name="Textfeld 110">
-            <a:extLst>
-              <a:ext uri="{FF2B5EF4-FFF2-40B4-BE49-F238E27FC236}">
-                <a16:creationId xmlns:a16="http://schemas.microsoft.com/office/drawing/2014/main" id="{0CFBE7A7-D1B0-7FC2-C8C4-452C3D12B347}"/>
-              </a:ext>
-            </a:extLst>
-          </p:cNvPr>
-          <p:cNvSpPr txBox="1"/>
-          <p:nvPr/>
-        </p:nvSpPr>
-        <p:spPr>
-          <a:xfrm>
-            <a:off x="5333333" y="2099193"/>
-            <a:ext cx="559850" cy="646331"/>
-          </a:xfrm>
-          <a:prstGeom prst="rect">
-            <a:avLst/>
-          </a:prstGeom>
-          <a:noFill/>
-        </p:spPr>
-        <p:txBody>
-          <a:bodyPr wrap="square" rtlCol="0">
-            <a:spAutoFit/>
-          </a:bodyPr>
-          <a:lstStyle/>
-          <a:p>
-            <a:pPr algn="ctr"/>
-            <a:r>
-              <a:rPr lang="de-DE" sz="3600" dirty="0">
-                <a:solidFill>
-                  <a:schemeClr val="bg1"/>
-                </a:solidFill>
-              </a:rPr>
-              <a:t>+</a:t>
-            </a:r>
-          </a:p>
-        </p:txBody>
-      </p:sp>
-      <p:sp>
-        <p:nvSpPr>
-          <p:cNvPr id="46" name="Textfeld 45">
-            <a:extLst>
-              <a:ext uri="{FF2B5EF4-FFF2-40B4-BE49-F238E27FC236}">
-                <a16:creationId xmlns:a16="http://schemas.microsoft.com/office/drawing/2014/main" id="{A04BA9BB-FB0D-E3FA-8851-D6ED789642B4}"/>
-              </a:ext>
-            </a:extLst>
-          </p:cNvPr>
-          <p:cNvSpPr txBox="1"/>
-          <p:nvPr/>
-        </p:nvSpPr>
-        <p:spPr>
-          <a:xfrm>
-            <a:off x="1062535" y="2072542"/>
-            <a:ext cx="559850" cy="646331"/>
-          </a:xfrm>
-          <a:prstGeom prst="rect">
-            <a:avLst/>
-          </a:prstGeom>
-          <a:noFill/>
-        </p:spPr>
-        <p:txBody>
-          <a:bodyPr wrap="square" rtlCol="0">
-            <a:spAutoFit/>
-          </a:bodyPr>
-          <a:lstStyle/>
-          <a:p>
-            <a:pPr algn="ctr"/>
-            <a:r>
-              <a:rPr lang="de-DE" sz="3600" dirty="0">
-                <a:solidFill>
-                  <a:schemeClr val="bg1"/>
-                </a:solidFill>
-              </a:rPr>
-              <a:t>+</a:t>
-            </a:r>
-          </a:p>
-        </p:txBody>
-      </p:sp>
       <p:grpSp>
         <p:nvGrpSpPr>
           <p:cNvPr id="8" name="Gruppieren 7">
@@ -36060,7 +37684,6 @@
           </p:cNvPr>
           <p:cNvCxnSpPr>
             <a:cxnSpLocks/>
-            <a:endCxn id="111" idx="1"/>
           </p:cNvCxnSpPr>
           <p:nvPr/>
         </p:nvCxnSpPr>
@@ -36834,7 +38457,7 @@
         </p:nvGrpSpPr>
         <p:grpSpPr>
           <a:xfrm>
-            <a:off x="1197427" y="2287289"/>
+            <a:off x="1179978" y="2316164"/>
             <a:ext cx="270000" cy="270000"/>
             <a:chOff x="2741354" y="3474161"/>
             <a:chExt cx="270000" cy="270000"/>
@@ -37479,7 +39102,7 @@
         </p:nvGrpSpPr>
         <p:grpSpPr>
           <a:xfrm>
-            <a:off x="5476520" y="2285556"/>
+            <a:off x="5518905" y="2323502"/>
             <a:ext cx="270000" cy="270000"/>
             <a:chOff x="2741354" y="3474161"/>
             <a:chExt cx="270000" cy="270000"/>
@@ -37895,6 +39518,145 @@
           </p:txBody>
         </p:sp>
       </p:grpSp>
+      <p:sp>
+        <p:nvSpPr>
+          <p:cNvPr id="72" name="Pfeil nach rechts 6">
+            <a:extLst>
+              <a:ext uri="{FF2B5EF4-FFF2-40B4-BE49-F238E27FC236}">
+                <a16:creationId xmlns:a16="http://schemas.microsoft.com/office/drawing/2014/main" id="{7D37A945-B0A7-533A-4989-FF40F01B0F9D}"/>
+              </a:ext>
+            </a:extLst>
+          </p:cNvPr>
+          <p:cNvSpPr/>
+          <p:nvPr/>
+        </p:nvSpPr>
+        <p:spPr>
+          <a:xfrm>
+            <a:off x="10960925" y="6184858"/>
+            <a:ext cx="900000" cy="540000"/>
+          </a:xfrm>
+          <a:prstGeom prst="rightArrow">
+            <a:avLst/>
+          </a:prstGeom>
+          <a:solidFill>
+            <a:srgbClr val="C00000"/>
+          </a:solidFill>
+          <a:ln>
+            <a:noFill/>
+          </a:ln>
+        </p:spPr>
+        <p:style>
+          <a:lnRef idx="2">
+            <a:schemeClr val="accent1">
+              <a:shade val="50000"/>
+            </a:schemeClr>
+          </a:lnRef>
+          <a:fillRef idx="1">
+            <a:schemeClr val="accent1"/>
+          </a:fillRef>
+          <a:effectRef idx="0">
+            <a:schemeClr val="accent1"/>
+          </a:effectRef>
+          <a:fontRef idx="minor">
+            <a:schemeClr val="lt1"/>
+          </a:fontRef>
+        </p:style>
+        <p:txBody>
+          <a:bodyPr rtlCol="0" anchor="ctr"/>
+          <a:lstStyle/>
+          <a:p>
+            <a:pPr marL="0" marR="0" lvl="0" indent="0" algn="ctr" defTabSz="914400" rtl="0" eaLnBrk="1" fontAlgn="auto" latinLnBrk="0" hangingPunct="1">
+              <a:lnSpc>
+                <a:spcPct val="100000"/>
+              </a:lnSpc>
+              <a:spcBef>
+                <a:spcPts val="0"/>
+              </a:spcBef>
+              <a:spcAft>
+                <a:spcPts val="0"/>
+              </a:spcAft>
+              <a:buClrTx/>
+              <a:buSzTx/>
+              <a:buFontTx/>
+              <a:buNone/>
+              <a:tabLst/>
+              <a:defRPr/>
+            </a:pPr>
+            <a:r>
+              <a:rPr kumimoji="0" lang="de-DE" sz="1600" b="0" i="0" u="none" strike="noStrike" kern="1200" cap="none" spc="0" normalizeH="0" baseline="0" noProof="0" dirty="0">
+                <a:ln>
+                  <a:noFill/>
+                </a:ln>
+                <a:solidFill>
+                  <a:prstClr val="white"/>
+                </a:solidFill>
+                <a:effectLst/>
+                <a:uLnTx/>
+                <a:uFillTx/>
+                <a:latin typeface="Calibri" panose="020F0502020204030204"/>
+                <a:ea typeface="+mn-ea"/>
+                <a:cs typeface="+mn-cs"/>
+              </a:rPr>
+              <a:t>Weiter</a:t>
+            </a:r>
+          </a:p>
+        </p:txBody>
+      </p:sp>
+      <p:sp>
+        <p:nvSpPr>
+          <p:cNvPr id="73" name="Pfeil nach links 4">
+            <a:extLst>
+              <a:ext uri="{FF2B5EF4-FFF2-40B4-BE49-F238E27FC236}">
+                <a16:creationId xmlns:a16="http://schemas.microsoft.com/office/drawing/2014/main" id="{A1789896-45AA-9CE8-B608-1931D30803E1}"/>
+              </a:ext>
+            </a:extLst>
+          </p:cNvPr>
+          <p:cNvSpPr/>
+          <p:nvPr/>
+        </p:nvSpPr>
+        <p:spPr>
+          <a:xfrm>
+            <a:off x="182879" y="6184857"/>
+            <a:ext cx="900000" cy="540000"/>
+          </a:xfrm>
+          <a:prstGeom prst="leftArrow">
+            <a:avLst/>
+          </a:prstGeom>
+          <a:solidFill>
+            <a:srgbClr val="C00000"/>
+          </a:solidFill>
+          <a:ln>
+            <a:noFill/>
+          </a:ln>
+        </p:spPr>
+        <p:style>
+          <a:lnRef idx="2">
+            <a:schemeClr val="accent1">
+              <a:shade val="50000"/>
+            </a:schemeClr>
+          </a:lnRef>
+          <a:fillRef idx="1">
+            <a:schemeClr val="accent1"/>
+          </a:fillRef>
+          <a:effectRef idx="0">
+            <a:schemeClr val="accent1"/>
+          </a:effectRef>
+          <a:fontRef idx="minor">
+            <a:schemeClr val="lt1"/>
+          </a:fontRef>
+        </p:style>
+        <p:txBody>
+          <a:bodyPr rtlCol="0" anchor="ctr"/>
+          <a:lstStyle/>
+          <a:p>
+            <a:pPr algn="ctr"/>
+            <a:r>
+              <a:rPr lang="de-DE" sz="1600" dirty="0"/>
+              <a:t>Zurück</a:t>
+            </a:r>
+          </a:p>
+        </p:txBody>
+      </p:sp>
     </p:spTree>
     <p:extLst>
       <p:ext uri="{BB962C8B-B14F-4D97-AF65-F5344CB8AC3E}">
@@ -40921,6 +42683,145 @@
           </p:txBody>
         </p:sp>
       </p:grpSp>
+      <p:sp>
+        <p:nvSpPr>
+          <p:cNvPr id="3" name="Pfeil nach rechts 6">
+            <a:extLst>
+              <a:ext uri="{FF2B5EF4-FFF2-40B4-BE49-F238E27FC236}">
+                <a16:creationId xmlns:a16="http://schemas.microsoft.com/office/drawing/2014/main" id="{498150FE-7575-0424-13AC-A3EE50298967}"/>
+              </a:ext>
+            </a:extLst>
+          </p:cNvPr>
+          <p:cNvSpPr/>
+          <p:nvPr/>
+        </p:nvSpPr>
+        <p:spPr>
+          <a:xfrm>
+            <a:off x="10960925" y="6184858"/>
+            <a:ext cx="900000" cy="540000"/>
+          </a:xfrm>
+          <a:prstGeom prst="rightArrow">
+            <a:avLst/>
+          </a:prstGeom>
+          <a:solidFill>
+            <a:srgbClr val="C00000"/>
+          </a:solidFill>
+          <a:ln>
+            <a:noFill/>
+          </a:ln>
+        </p:spPr>
+        <p:style>
+          <a:lnRef idx="2">
+            <a:schemeClr val="accent1">
+              <a:shade val="50000"/>
+            </a:schemeClr>
+          </a:lnRef>
+          <a:fillRef idx="1">
+            <a:schemeClr val="accent1"/>
+          </a:fillRef>
+          <a:effectRef idx="0">
+            <a:schemeClr val="accent1"/>
+          </a:effectRef>
+          <a:fontRef idx="minor">
+            <a:schemeClr val="lt1"/>
+          </a:fontRef>
+        </p:style>
+        <p:txBody>
+          <a:bodyPr rtlCol="0" anchor="ctr"/>
+          <a:lstStyle/>
+          <a:p>
+            <a:pPr marL="0" marR="0" lvl="0" indent="0" algn="ctr" defTabSz="914400" rtl="0" eaLnBrk="1" fontAlgn="auto" latinLnBrk="0" hangingPunct="1">
+              <a:lnSpc>
+                <a:spcPct val="100000"/>
+              </a:lnSpc>
+              <a:spcBef>
+                <a:spcPts val="0"/>
+              </a:spcBef>
+              <a:spcAft>
+                <a:spcPts val="0"/>
+              </a:spcAft>
+              <a:buClrTx/>
+              <a:buSzTx/>
+              <a:buFontTx/>
+              <a:buNone/>
+              <a:tabLst/>
+              <a:defRPr/>
+            </a:pPr>
+            <a:r>
+              <a:rPr kumimoji="0" lang="de-DE" sz="1600" b="0" i="0" u="none" strike="noStrike" kern="1200" cap="none" spc="0" normalizeH="0" baseline="0" noProof="0" dirty="0">
+                <a:ln>
+                  <a:noFill/>
+                </a:ln>
+                <a:solidFill>
+                  <a:prstClr val="white"/>
+                </a:solidFill>
+                <a:effectLst/>
+                <a:uLnTx/>
+                <a:uFillTx/>
+                <a:latin typeface="Calibri" panose="020F0502020204030204"/>
+                <a:ea typeface="+mn-ea"/>
+                <a:cs typeface="+mn-cs"/>
+              </a:rPr>
+              <a:t>Weiter</a:t>
+            </a:r>
+          </a:p>
+        </p:txBody>
+      </p:sp>
+      <p:sp>
+        <p:nvSpPr>
+          <p:cNvPr id="5" name="Pfeil nach links 4">
+            <a:extLst>
+              <a:ext uri="{FF2B5EF4-FFF2-40B4-BE49-F238E27FC236}">
+                <a16:creationId xmlns:a16="http://schemas.microsoft.com/office/drawing/2014/main" id="{3902EC04-9C57-15A3-1AA9-3B1FB2517B98}"/>
+              </a:ext>
+            </a:extLst>
+          </p:cNvPr>
+          <p:cNvSpPr/>
+          <p:nvPr/>
+        </p:nvSpPr>
+        <p:spPr>
+          <a:xfrm>
+            <a:off x="182879" y="6184857"/>
+            <a:ext cx="900000" cy="540000"/>
+          </a:xfrm>
+          <a:prstGeom prst="leftArrow">
+            <a:avLst/>
+          </a:prstGeom>
+          <a:solidFill>
+            <a:srgbClr val="C00000"/>
+          </a:solidFill>
+          <a:ln>
+            <a:noFill/>
+          </a:ln>
+        </p:spPr>
+        <p:style>
+          <a:lnRef idx="2">
+            <a:schemeClr val="accent1">
+              <a:shade val="50000"/>
+            </a:schemeClr>
+          </a:lnRef>
+          <a:fillRef idx="1">
+            <a:schemeClr val="accent1"/>
+          </a:fillRef>
+          <a:effectRef idx="0">
+            <a:schemeClr val="accent1"/>
+          </a:effectRef>
+          <a:fontRef idx="minor">
+            <a:schemeClr val="lt1"/>
+          </a:fontRef>
+        </p:style>
+        <p:txBody>
+          <a:bodyPr rtlCol="0" anchor="ctr"/>
+          <a:lstStyle/>
+          <a:p>
+            <a:pPr algn="ctr"/>
+            <a:r>
+              <a:rPr lang="de-DE" sz="1600" dirty="0"/>
+              <a:t>Zurück</a:t>
+            </a:r>
+          </a:p>
+        </p:txBody>
+      </p:sp>
     </p:spTree>
     <p:extLst>
       <p:ext uri="{BB962C8B-B14F-4D97-AF65-F5344CB8AC3E}">

--- a/M3-ExpSpatial/Instructions/Instructions_spatial.pptx
+++ b/M3-ExpSpatial/Instructions/Instructions_spatial.pptx
@@ -415,12 +415,12 @@
   <pc:docChgLst>
     <pc:chgData name="Jan Goettmann" userId="c2e55d6b-0073-4530-a823-558d1fdc99aa" providerId="ADAL" clId="{F885EB0A-33E4-4BFF-ABD4-92EC8EB3B2D7}"/>
     <pc:docChg chg="undo custSel addSld delSld modSld">
-      <pc:chgData name="Jan Goettmann" userId="c2e55d6b-0073-4530-a823-558d1fdc99aa" providerId="ADAL" clId="{F885EB0A-33E4-4BFF-ABD4-92EC8EB3B2D7}" dt="2022-10-25T16:17:40.935" v="3032" actId="478"/>
+      <pc:chgData name="Jan Goettmann" userId="c2e55d6b-0073-4530-a823-558d1fdc99aa" providerId="ADAL" clId="{F885EB0A-33E4-4BFF-ABD4-92EC8EB3B2D7}" dt="2022-11-03T13:39:48.944" v="3033" actId="207"/>
       <pc:docMkLst>
         <pc:docMk/>
       </pc:docMkLst>
       <pc:sldChg chg="addSp delSp modSp mod">
-        <pc:chgData name="Jan Goettmann" userId="c2e55d6b-0073-4530-a823-558d1fdc99aa" providerId="ADAL" clId="{F885EB0A-33E4-4BFF-ABD4-92EC8EB3B2D7}" dt="2022-10-25T16:13:30.777" v="3017"/>
+        <pc:chgData name="Jan Goettmann" userId="c2e55d6b-0073-4530-a823-558d1fdc99aa" providerId="ADAL" clId="{F885EB0A-33E4-4BFF-ABD4-92EC8EB3B2D7}" dt="2022-11-03T13:39:48.944" v="3033" actId="207"/>
         <pc:sldMkLst>
           <pc:docMk/>
           <pc:sldMk cId="764893252" sldId="256"/>
@@ -431,6 +431,14 @@
             <pc:docMk/>
             <pc:sldMk cId="764893252" sldId="256"/>
             <ac:spMk id="2" creationId="{40922984-6D7E-E72A-FC55-C2018AA0DD2B}"/>
+          </ac:spMkLst>
+        </pc:spChg>
+        <pc:spChg chg="mod">
+          <ac:chgData name="Jan Goettmann" userId="c2e55d6b-0073-4530-a823-558d1fdc99aa" providerId="ADAL" clId="{F885EB0A-33E4-4BFF-ABD4-92EC8EB3B2D7}" dt="2022-11-03T13:39:48.944" v="3033" actId="207"/>
+          <ac:spMkLst>
+            <pc:docMk/>
+            <pc:sldMk cId="764893252" sldId="256"/>
+            <ac:spMk id="4" creationId="{E44D2D1F-6A66-651B-DB52-C4F333D46B5C}"/>
           </ac:spMkLst>
         </pc:spChg>
         <pc:spChg chg="del mod">
@@ -4413,7 +4421,7 @@
           <a:p>
             <a:fld id="{45F1D7CE-59CB-49DC-BEA0-F787D0124348}" type="datetimeFigureOut">
               <a:rPr lang="de-DE" smtClean="0"/>
-              <a:t>25.10.2022</a:t>
+              <a:t>03.11.2022</a:t>
             </a:fld>
             <a:endParaRPr lang="de-DE"/>
           </a:p>
@@ -4611,7 +4619,7 @@
           <a:p>
             <a:fld id="{45F1D7CE-59CB-49DC-BEA0-F787D0124348}" type="datetimeFigureOut">
               <a:rPr lang="de-DE" smtClean="0"/>
-              <a:t>25.10.2022</a:t>
+              <a:t>03.11.2022</a:t>
             </a:fld>
             <a:endParaRPr lang="de-DE"/>
           </a:p>
@@ -4819,7 +4827,7 @@
           <a:p>
             <a:fld id="{45F1D7CE-59CB-49DC-BEA0-F787D0124348}" type="datetimeFigureOut">
               <a:rPr lang="de-DE" smtClean="0"/>
-              <a:t>25.10.2022</a:t>
+              <a:t>03.11.2022</a:t>
             </a:fld>
             <a:endParaRPr lang="de-DE"/>
           </a:p>
@@ -5017,7 +5025,7 @@
           <a:p>
             <a:fld id="{45F1D7CE-59CB-49DC-BEA0-F787D0124348}" type="datetimeFigureOut">
               <a:rPr lang="de-DE" smtClean="0"/>
-              <a:t>25.10.2022</a:t>
+              <a:t>03.11.2022</a:t>
             </a:fld>
             <a:endParaRPr lang="de-DE"/>
           </a:p>
@@ -5292,7 +5300,7 @@
           <a:p>
             <a:fld id="{45F1D7CE-59CB-49DC-BEA0-F787D0124348}" type="datetimeFigureOut">
               <a:rPr lang="de-DE" smtClean="0"/>
-              <a:t>25.10.2022</a:t>
+              <a:t>03.11.2022</a:t>
             </a:fld>
             <a:endParaRPr lang="de-DE"/>
           </a:p>
@@ -5557,7 +5565,7 @@
           <a:p>
             <a:fld id="{45F1D7CE-59CB-49DC-BEA0-F787D0124348}" type="datetimeFigureOut">
               <a:rPr lang="de-DE" smtClean="0"/>
-              <a:t>25.10.2022</a:t>
+              <a:t>03.11.2022</a:t>
             </a:fld>
             <a:endParaRPr lang="de-DE"/>
           </a:p>
@@ -5969,7 +5977,7 @@
           <a:p>
             <a:fld id="{45F1D7CE-59CB-49DC-BEA0-F787D0124348}" type="datetimeFigureOut">
               <a:rPr lang="de-DE" smtClean="0"/>
-              <a:t>25.10.2022</a:t>
+              <a:t>03.11.2022</a:t>
             </a:fld>
             <a:endParaRPr lang="de-DE"/>
           </a:p>
@@ -6110,7 +6118,7 @@
           <a:p>
             <a:fld id="{45F1D7CE-59CB-49DC-BEA0-F787D0124348}" type="datetimeFigureOut">
               <a:rPr lang="de-DE" smtClean="0"/>
-              <a:t>25.10.2022</a:t>
+              <a:t>03.11.2022</a:t>
             </a:fld>
             <a:endParaRPr lang="de-DE"/>
           </a:p>
@@ -6223,7 +6231,7 @@
           <a:p>
             <a:fld id="{45F1D7CE-59CB-49DC-BEA0-F787D0124348}" type="datetimeFigureOut">
               <a:rPr lang="de-DE" smtClean="0"/>
-              <a:t>25.10.2022</a:t>
+              <a:t>03.11.2022</a:t>
             </a:fld>
             <a:endParaRPr lang="de-DE"/>
           </a:p>
@@ -6534,7 +6542,7 @@
           <a:p>
             <a:fld id="{45F1D7CE-59CB-49DC-BEA0-F787D0124348}" type="datetimeFigureOut">
               <a:rPr lang="de-DE" smtClean="0"/>
-              <a:t>25.10.2022</a:t>
+              <a:t>03.11.2022</a:t>
             </a:fld>
             <a:endParaRPr lang="de-DE"/>
           </a:p>
@@ -6822,7 +6830,7 @@
           <a:p>
             <a:fld id="{45F1D7CE-59CB-49DC-BEA0-F787D0124348}" type="datetimeFigureOut">
               <a:rPr lang="de-DE" smtClean="0"/>
-              <a:t>25.10.2022</a:t>
+              <a:t>03.11.2022</a:t>
             </a:fld>
             <a:endParaRPr lang="de-DE"/>
           </a:p>
@@ -7063,7 +7071,7 @@
           <a:p>
             <a:fld id="{45F1D7CE-59CB-49DC-BEA0-F787D0124348}" type="datetimeFigureOut">
               <a:rPr lang="de-DE" smtClean="0"/>
-              <a:t>25.10.2022</a:t>
+              <a:t>03.11.2022</a:t>
             </a:fld>
             <a:endParaRPr lang="de-DE"/>
           </a:p>
@@ -7542,7 +7550,7 @@
                   <a:noFill/>
                 </a:ln>
                 <a:solidFill>
-                  <a:prstClr val="white"/>
+                  <a:srgbClr val="FFC000"/>
                 </a:solidFill>
                 <a:effectLst/>
                 <a:uLnTx/>

--- a/M3-ExpSpatial/Instructions/Instructions_spatial.pptx
+++ b/M3-ExpSpatial/Instructions/Instructions_spatial.pptx
@@ -413,6 +413,268 @@
     </pc:docChg>
   </pc:docChgLst>
   <pc:docChgLst>
+    <pc:chgData name="Jan Goettmann" userId="c2e55d6b-0073-4530-a823-558d1fdc99aa" providerId="ADAL" clId="{2993990A-B680-4FD4-8CB9-9755C539C84B}"/>
+    <pc:docChg chg="undo custSel addSld modSld">
+      <pc:chgData name="Jan Goettmann" userId="c2e55d6b-0073-4530-a823-558d1fdc99aa" providerId="ADAL" clId="{2993990A-B680-4FD4-8CB9-9755C539C84B}" dt="2022-06-30T11:09:17.910" v="183" actId="164"/>
+      <pc:docMkLst>
+        <pc:docMk/>
+      </pc:docMkLst>
+      <pc:sldChg chg="modSp mod">
+        <pc:chgData name="Jan Goettmann" userId="c2e55d6b-0073-4530-a823-558d1fdc99aa" providerId="ADAL" clId="{2993990A-B680-4FD4-8CB9-9755C539C84B}" dt="2022-06-27T15:37:03.458" v="85" actId="207"/>
+        <pc:sldMkLst>
+          <pc:docMk/>
+          <pc:sldMk cId="3447940044" sldId="261"/>
+        </pc:sldMkLst>
+        <pc:spChg chg="mod">
+          <ac:chgData name="Jan Goettmann" userId="c2e55d6b-0073-4530-a823-558d1fdc99aa" providerId="ADAL" clId="{2993990A-B680-4FD4-8CB9-9755C539C84B}" dt="2022-06-27T15:37:03.458" v="85" actId="207"/>
+          <ac:spMkLst>
+            <pc:docMk/>
+            <pc:sldMk cId="3447940044" sldId="261"/>
+            <ac:spMk id="66" creationId="{F68C5DC2-2616-A297-C147-ACE2B1ED48B7}"/>
+          </ac:spMkLst>
+        </pc:spChg>
+      </pc:sldChg>
+      <pc:sldChg chg="modSp mod">
+        <pc:chgData name="Jan Goettmann" userId="c2e55d6b-0073-4530-a823-558d1fdc99aa" providerId="ADAL" clId="{2993990A-B680-4FD4-8CB9-9755C539C84B}" dt="2022-06-28T06:32:47.441" v="108" actId="6549"/>
+        <pc:sldMkLst>
+          <pc:docMk/>
+          <pc:sldMk cId="4020456500" sldId="262"/>
+        </pc:sldMkLst>
+        <pc:spChg chg="mod">
+          <ac:chgData name="Jan Goettmann" userId="c2e55d6b-0073-4530-a823-558d1fdc99aa" providerId="ADAL" clId="{2993990A-B680-4FD4-8CB9-9755C539C84B}" dt="2022-06-28T06:32:47.441" v="108" actId="6549"/>
+          <ac:spMkLst>
+            <pc:docMk/>
+            <pc:sldMk cId="4020456500" sldId="262"/>
+            <ac:spMk id="66" creationId="{F68C5DC2-2616-A297-C147-ACE2B1ED48B7}"/>
+          </ac:spMkLst>
+        </pc:spChg>
+      </pc:sldChg>
+      <pc:sldChg chg="addSp delSp modSp add mod">
+        <pc:chgData name="Jan Goettmann" userId="c2e55d6b-0073-4530-a823-558d1fdc99aa" providerId="ADAL" clId="{2993990A-B680-4FD4-8CB9-9755C539C84B}" dt="2022-06-30T11:09:17.910" v="183" actId="164"/>
+        <pc:sldMkLst>
+          <pc:docMk/>
+          <pc:sldMk cId="1446148259" sldId="336"/>
+        </pc:sldMkLst>
+        <pc:spChg chg="add del mod">
+          <ac:chgData name="Jan Goettmann" userId="c2e55d6b-0073-4530-a823-558d1fdc99aa" providerId="ADAL" clId="{2993990A-B680-4FD4-8CB9-9755C539C84B}" dt="2022-06-30T10:36:57.260" v="138" actId="478"/>
+          <ac:spMkLst>
+            <pc:docMk/>
+            <pc:sldMk cId="1446148259" sldId="336"/>
+            <ac:spMk id="9" creationId="{02864D0F-D22A-4A91-6998-3EA3E01EECBF}"/>
+          </ac:spMkLst>
+        </pc:spChg>
+        <pc:spChg chg="mod">
+          <ac:chgData name="Jan Goettmann" userId="c2e55d6b-0073-4530-a823-558d1fdc99aa" providerId="ADAL" clId="{2993990A-B680-4FD4-8CB9-9755C539C84B}" dt="2022-06-30T10:57:29.911" v="179" actId="164"/>
+          <ac:spMkLst>
+            <pc:docMk/>
+            <pc:sldMk cId="1446148259" sldId="336"/>
+            <ac:spMk id="10" creationId="{BB99054C-24B3-9FAF-FB1B-2625863EC72C}"/>
+          </ac:spMkLst>
+        </pc:spChg>
+        <pc:spChg chg="mod">
+          <ac:chgData name="Jan Goettmann" userId="c2e55d6b-0073-4530-a823-558d1fdc99aa" providerId="ADAL" clId="{2993990A-B680-4FD4-8CB9-9755C539C84B}" dt="2022-06-30T10:57:29.911" v="179" actId="164"/>
+          <ac:spMkLst>
+            <pc:docMk/>
+            <pc:sldMk cId="1446148259" sldId="336"/>
+            <ac:spMk id="11" creationId="{567889D2-92B2-1ACD-3567-78F622453AFD}"/>
+          </ac:spMkLst>
+        </pc:spChg>
+        <pc:spChg chg="mod">
+          <ac:chgData name="Jan Goettmann" userId="c2e55d6b-0073-4530-a823-558d1fdc99aa" providerId="ADAL" clId="{2993990A-B680-4FD4-8CB9-9755C539C84B}" dt="2022-06-30T10:57:29.911" v="179" actId="164"/>
+          <ac:spMkLst>
+            <pc:docMk/>
+            <pc:sldMk cId="1446148259" sldId="336"/>
+            <ac:spMk id="12" creationId="{5653579A-3A58-DF42-C286-3CC9E858A71B}"/>
+          </ac:spMkLst>
+        </pc:spChg>
+        <pc:spChg chg="mod">
+          <ac:chgData name="Jan Goettmann" userId="c2e55d6b-0073-4530-a823-558d1fdc99aa" providerId="ADAL" clId="{2993990A-B680-4FD4-8CB9-9755C539C84B}" dt="2022-06-30T10:58:07.245" v="180" actId="164"/>
+          <ac:spMkLst>
+            <pc:docMk/>
+            <pc:sldMk cId="1446148259" sldId="336"/>
+            <ac:spMk id="13" creationId="{55B91E24-3551-BEF0-62B6-0F382DED2F0C}"/>
+          </ac:spMkLst>
+        </pc:spChg>
+        <pc:spChg chg="mod">
+          <ac:chgData name="Jan Goettmann" userId="c2e55d6b-0073-4530-a823-558d1fdc99aa" providerId="ADAL" clId="{2993990A-B680-4FD4-8CB9-9755C539C84B}" dt="2022-06-30T10:57:29.911" v="179" actId="164"/>
+          <ac:spMkLst>
+            <pc:docMk/>
+            <pc:sldMk cId="1446148259" sldId="336"/>
+            <ac:spMk id="14" creationId="{9E983D58-C29B-98F1-9E45-25EA3FF277C9}"/>
+          </ac:spMkLst>
+        </pc:spChg>
+        <pc:spChg chg="add mod">
+          <ac:chgData name="Jan Goettmann" userId="c2e55d6b-0073-4530-a823-558d1fdc99aa" providerId="ADAL" clId="{2993990A-B680-4FD4-8CB9-9755C539C84B}" dt="2022-06-30T10:41:37.125" v="164" actId="339"/>
+          <ac:spMkLst>
+            <pc:docMk/>
+            <pc:sldMk cId="1446148259" sldId="336"/>
+            <ac:spMk id="15" creationId="{E4D703BA-E96C-25B4-B8A0-E0A4D00270FD}"/>
+          </ac:spMkLst>
+        </pc:spChg>
+        <pc:spChg chg="mod">
+          <ac:chgData name="Jan Goettmann" userId="c2e55d6b-0073-4530-a823-558d1fdc99aa" providerId="ADAL" clId="{2993990A-B680-4FD4-8CB9-9755C539C84B}" dt="2022-06-30T11:07:02.812" v="182" actId="164"/>
+          <ac:spMkLst>
+            <pc:docMk/>
+            <pc:sldMk cId="1446148259" sldId="336"/>
+            <ac:spMk id="16" creationId="{C3C32F0D-9EF2-DABE-DEE7-A251AEED6C59}"/>
+          </ac:spMkLst>
+        </pc:spChg>
+        <pc:spChg chg="mod">
+          <ac:chgData name="Jan Goettmann" userId="c2e55d6b-0073-4530-a823-558d1fdc99aa" providerId="ADAL" clId="{2993990A-B680-4FD4-8CB9-9755C539C84B}" dt="2022-06-30T11:07:02.812" v="182" actId="164"/>
+          <ac:spMkLst>
+            <pc:docMk/>
+            <pc:sldMk cId="1446148259" sldId="336"/>
+            <ac:spMk id="17" creationId="{E2601A4C-2FB4-039E-C08B-369CFEF22678}"/>
+          </ac:spMkLst>
+        </pc:spChg>
+        <pc:spChg chg="mod">
+          <ac:chgData name="Jan Goettmann" userId="c2e55d6b-0073-4530-a823-558d1fdc99aa" providerId="ADAL" clId="{2993990A-B680-4FD4-8CB9-9755C539C84B}" dt="2022-06-30T11:07:02.812" v="182" actId="164"/>
+          <ac:spMkLst>
+            <pc:docMk/>
+            <pc:sldMk cId="1446148259" sldId="336"/>
+            <ac:spMk id="18" creationId="{3F5230C5-4D14-305E-D1D4-D4E713B6CE6E}"/>
+          </ac:spMkLst>
+        </pc:spChg>
+        <pc:spChg chg="mod">
+          <ac:chgData name="Jan Goettmann" userId="c2e55d6b-0073-4530-a823-558d1fdc99aa" providerId="ADAL" clId="{2993990A-B680-4FD4-8CB9-9755C539C84B}" dt="2022-06-30T11:07:02.812" v="182" actId="164"/>
+          <ac:spMkLst>
+            <pc:docMk/>
+            <pc:sldMk cId="1446148259" sldId="336"/>
+            <ac:spMk id="19" creationId="{4B4D899C-6CFF-A38A-BE37-6178D5B276FD}"/>
+          </ac:spMkLst>
+        </pc:spChg>
+        <pc:spChg chg="mod">
+          <ac:chgData name="Jan Goettmann" userId="c2e55d6b-0073-4530-a823-558d1fdc99aa" providerId="ADAL" clId="{2993990A-B680-4FD4-8CB9-9755C539C84B}" dt="2022-06-30T11:07:02.812" v="182" actId="164"/>
+          <ac:spMkLst>
+            <pc:docMk/>
+            <pc:sldMk cId="1446148259" sldId="336"/>
+            <ac:spMk id="20" creationId="{5AFADD4B-4F92-07C5-F3EF-CA43B6616CF4}"/>
+          </ac:spMkLst>
+        </pc:spChg>
+        <pc:spChg chg="mod">
+          <ac:chgData name="Jan Goettmann" userId="c2e55d6b-0073-4530-a823-558d1fdc99aa" providerId="ADAL" clId="{2993990A-B680-4FD4-8CB9-9755C539C84B}" dt="2022-06-30T11:09:17.910" v="183" actId="164"/>
+          <ac:spMkLst>
+            <pc:docMk/>
+            <pc:sldMk cId="1446148259" sldId="336"/>
+            <ac:spMk id="22" creationId="{9DE3320F-5289-9B66-7BF6-A34F39981EF3}"/>
+          </ac:spMkLst>
+        </pc:spChg>
+        <pc:spChg chg="mod">
+          <ac:chgData name="Jan Goettmann" userId="c2e55d6b-0073-4530-a823-558d1fdc99aa" providerId="ADAL" clId="{2993990A-B680-4FD4-8CB9-9755C539C84B}" dt="2022-06-30T11:09:17.910" v="183" actId="164"/>
+          <ac:spMkLst>
+            <pc:docMk/>
+            <pc:sldMk cId="1446148259" sldId="336"/>
+            <ac:spMk id="23" creationId="{3575430B-B8DF-9536-ECBF-A3EB077B60DE}"/>
+          </ac:spMkLst>
+        </pc:spChg>
+        <pc:spChg chg="mod">
+          <ac:chgData name="Jan Goettmann" userId="c2e55d6b-0073-4530-a823-558d1fdc99aa" providerId="ADAL" clId="{2993990A-B680-4FD4-8CB9-9755C539C84B}" dt="2022-06-30T11:09:17.910" v="183" actId="164"/>
+          <ac:spMkLst>
+            <pc:docMk/>
+            <pc:sldMk cId="1446148259" sldId="336"/>
+            <ac:spMk id="24" creationId="{5F0636B0-A2BE-15B1-F11E-A0B75E62D75A}"/>
+          </ac:spMkLst>
+        </pc:spChg>
+        <pc:spChg chg="mod">
+          <ac:chgData name="Jan Goettmann" userId="c2e55d6b-0073-4530-a823-558d1fdc99aa" providerId="ADAL" clId="{2993990A-B680-4FD4-8CB9-9755C539C84B}" dt="2022-06-30T11:09:17.910" v="183" actId="164"/>
+          <ac:spMkLst>
+            <pc:docMk/>
+            <pc:sldMk cId="1446148259" sldId="336"/>
+            <ac:spMk id="25" creationId="{6C7012F6-0CB5-4DD8-59B1-2D8F2A2177C3}"/>
+          </ac:spMkLst>
+        </pc:spChg>
+        <pc:spChg chg="mod">
+          <ac:chgData name="Jan Goettmann" userId="c2e55d6b-0073-4530-a823-558d1fdc99aa" providerId="ADAL" clId="{2993990A-B680-4FD4-8CB9-9755C539C84B}" dt="2022-06-30T11:09:17.910" v="183" actId="164"/>
+          <ac:spMkLst>
+            <pc:docMk/>
+            <pc:sldMk cId="1446148259" sldId="336"/>
+            <ac:spMk id="26" creationId="{1D683557-814D-D9D6-BE35-9AA138F66DB1}"/>
+          </ac:spMkLst>
+        </pc:spChg>
+        <pc:spChg chg="add mod">
+          <ac:chgData name="Jan Goettmann" userId="c2e55d6b-0073-4530-a823-558d1fdc99aa" providerId="ADAL" clId="{2993990A-B680-4FD4-8CB9-9755C539C84B}" dt="2022-06-30T10:41:56.639" v="178" actId="339"/>
+          <ac:spMkLst>
+            <pc:docMk/>
+            <pc:sldMk cId="1446148259" sldId="336"/>
+            <ac:spMk id="53" creationId="{A500986F-2221-B203-155E-7D3904875AD5}"/>
+          </ac:spMkLst>
+        </pc:spChg>
+        <pc:spChg chg="del">
+          <ac:chgData name="Jan Goettmann" userId="c2e55d6b-0073-4530-a823-558d1fdc99aa" providerId="ADAL" clId="{2993990A-B680-4FD4-8CB9-9755C539C84B}" dt="2022-06-30T10:25:11.193" v="110" actId="478"/>
+          <ac:spMkLst>
+            <pc:docMk/>
+            <pc:sldMk cId="1446148259" sldId="336"/>
+            <ac:spMk id="128" creationId="{1D38BBDA-7A9D-42C4-A29A-E8495E3C809B}"/>
+          </ac:spMkLst>
+        </pc:spChg>
+        <pc:grpChg chg="mod">
+          <ac:chgData name="Jan Goettmann" userId="c2e55d6b-0073-4530-a823-558d1fdc99aa" providerId="ADAL" clId="{2993990A-B680-4FD4-8CB9-9755C539C84B}" dt="2022-06-30T10:37:35.530" v="148" actId="339"/>
+          <ac:grpSpMkLst>
+            <pc:docMk/>
+            <pc:sldMk cId="1446148259" sldId="336"/>
+            <ac:grpSpMk id="8" creationId="{E27797DF-7579-2165-4884-9B194766D979}"/>
+          </ac:grpSpMkLst>
+        </pc:grpChg>
+        <pc:grpChg chg="add mod">
+          <ac:chgData name="Jan Goettmann" userId="c2e55d6b-0073-4530-a823-558d1fdc99aa" providerId="ADAL" clId="{2993990A-B680-4FD4-8CB9-9755C539C84B}" dt="2022-06-30T10:58:07.245" v="180" actId="164"/>
+          <ac:grpSpMkLst>
+            <pc:docMk/>
+            <pc:sldMk cId="1446148259" sldId="336"/>
+            <ac:grpSpMk id="21" creationId="{B76D2861-89AF-7CE5-838B-B232DFCC14CB}"/>
+          </ac:grpSpMkLst>
+        </pc:grpChg>
+        <pc:grpChg chg="add mod">
+          <ac:chgData name="Jan Goettmann" userId="c2e55d6b-0073-4530-a823-558d1fdc99aa" providerId="ADAL" clId="{2993990A-B680-4FD4-8CB9-9755C539C84B}" dt="2022-06-30T10:58:07.245" v="180" actId="164"/>
+          <ac:grpSpMkLst>
+            <pc:docMk/>
+            <pc:sldMk cId="1446148259" sldId="336"/>
+            <ac:grpSpMk id="27" creationId="{E87F1475-A4F2-52DC-42A5-4B7C80A7DE73}"/>
+          </ac:grpSpMkLst>
+        </pc:grpChg>
+        <pc:grpChg chg="add mod">
+          <ac:chgData name="Jan Goettmann" userId="c2e55d6b-0073-4530-a823-558d1fdc99aa" providerId="ADAL" clId="{2993990A-B680-4FD4-8CB9-9755C539C84B}" dt="2022-06-30T10:58:48.178" v="181" actId="164"/>
+          <ac:grpSpMkLst>
+            <pc:docMk/>
+            <pc:sldMk cId="1446148259" sldId="336"/>
+            <ac:grpSpMk id="29" creationId="{B5B4BD77-D099-31D9-86C8-0F88BF5B5AAE}"/>
+          </ac:grpSpMkLst>
+        </pc:grpChg>
+        <pc:grpChg chg="add mod">
+          <ac:chgData name="Jan Goettmann" userId="c2e55d6b-0073-4530-a823-558d1fdc99aa" providerId="ADAL" clId="{2993990A-B680-4FD4-8CB9-9755C539C84B}" dt="2022-06-30T11:07:02.812" v="182" actId="164"/>
+          <ac:grpSpMkLst>
+            <pc:docMk/>
+            <pc:sldMk cId="1446148259" sldId="336"/>
+            <ac:grpSpMk id="31" creationId="{35FE5C72-657E-465E-7D06-03B78CE2E6A8}"/>
+          </ac:grpSpMkLst>
+        </pc:grpChg>
+        <pc:grpChg chg="add mod">
+          <ac:chgData name="Jan Goettmann" userId="c2e55d6b-0073-4530-a823-558d1fdc99aa" providerId="ADAL" clId="{2993990A-B680-4FD4-8CB9-9755C539C84B}" dt="2022-06-30T11:09:17.910" v="183" actId="164"/>
+          <ac:grpSpMkLst>
+            <pc:docMk/>
+            <pc:sldMk cId="1446148259" sldId="336"/>
+            <ac:grpSpMk id="32" creationId="{3B8D549B-2702-48A6-6AAF-230342F88BE3}"/>
+          </ac:grpSpMkLst>
+        </pc:grpChg>
+        <pc:cxnChg chg="mod">
+          <ac:chgData name="Jan Goettmann" userId="c2e55d6b-0073-4530-a823-558d1fdc99aa" providerId="ADAL" clId="{2993990A-B680-4FD4-8CB9-9755C539C84B}" dt="2022-06-30T10:58:48.178" v="181" actId="164"/>
+          <ac:cxnSpMkLst>
+            <pc:docMk/>
+            <pc:sldMk cId="1446148259" sldId="336"/>
+            <ac:cxnSpMk id="39" creationId="{5CDF3564-CEEE-94FC-F89C-FEEEA864DCBB}"/>
+          </ac:cxnSpMkLst>
+        </pc:cxnChg>
+        <pc:cxnChg chg="mod">
+          <ac:chgData name="Jan Goettmann" userId="c2e55d6b-0073-4530-a823-558d1fdc99aa" providerId="ADAL" clId="{2993990A-B680-4FD4-8CB9-9755C539C84B}" dt="2022-06-30T10:58:48.178" v="181" actId="164"/>
+          <ac:cxnSpMkLst>
+            <pc:docMk/>
+            <pc:sldMk cId="1446148259" sldId="336"/>
+            <ac:cxnSpMk id="40" creationId="{02BA9ED3-FD40-BD94-3499-7F6FCCA5A312}"/>
+          </ac:cxnSpMkLst>
+        </pc:cxnChg>
+      </pc:sldChg>
+    </pc:docChg>
+  </pc:docChgLst>
+  <pc:docChgLst>
     <pc:chgData name="Jan Goettmann" userId="c2e55d6b-0073-4530-a823-558d1fdc99aa" providerId="ADAL" clId="{F885EB0A-33E4-4BFF-ABD4-92EC8EB3B2D7}"/>
     <pc:docChg chg="undo custSel addSld delSld modSld">
       <pc:chgData name="Jan Goettmann" userId="c2e55d6b-0073-4530-a823-558d1fdc99aa" providerId="ADAL" clId="{F885EB0A-33E4-4BFF-ABD4-92EC8EB3B2D7}" dt="2022-11-03T13:39:48.944" v="3033" actId="207"/>
@@ -4006,268 +4268,6 @@
             <ac:spMk id="17" creationId="{AB44143F-9AE2-47C8-8D24-6C02A0D44E26}"/>
           </ac:spMkLst>
         </pc:spChg>
-      </pc:sldChg>
-    </pc:docChg>
-  </pc:docChgLst>
-  <pc:docChgLst>
-    <pc:chgData name="Jan Goettmann" userId="c2e55d6b-0073-4530-a823-558d1fdc99aa" providerId="ADAL" clId="{2993990A-B680-4FD4-8CB9-9755C539C84B}"/>
-    <pc:docChg chg="undo custSel addSld modSld">
-      <pc:chgData name="Jan Goettmann" userId="c2e55d6b-0073-4530-a823-558d1fdc99aa" providerId="ADAL" clId="{2993990A-B680-4FD4-8CB9-9755C539C84B}" dt="2022-06-30T11:09:17.910" v="183" actId="164"/>
-      <pc:docMkLst>
-        <pc:docMk/>
-      </pc:docMkLst>
-      <pc:sldChg chg="modSp mod">
-        <pc:chgData name="Jan Goettmann" userId="c2e55d6b-0073-4530-a823-558d1fdc99aa" providerId="ADAL" clId="{2993990A-B680-4FD4-8CB9-9755C539C84B}" dt="2022-06-27T15:37:03.458" v="85" actId="207"/>
-        <pc:sldMkLst>
-          <pc:docMk/>
-          <pc:sldMk cId="3447940044" sldId="261"/>
-        </pc:sldMkLst>
-        <pc:spChg chg="mod">
-          <ac:chgData name="Jan Goettmann" userId="c2e55d6b-0073-4530-a823-558d1fdc99aa" providerId="ADAL" clId="{2993990A-B680-4FD4-8CB9-9755C539C84B}" dt="2022-06-27T15:37:03.458" v="85" actId="207"/>
-          <ac:spMkLst>
-            <pc:docMk/>
-            <pc:sldMk cId="3447940044" sldId="261"/>
-            <ac:spMk id="66" creationId="{F68C5DC2-2616-A297-C147-ACE2B1ED48B7}"/>
-          </ac:spMkLst>
-        </pc:spChg>
-      </pc:sldChg>
-      <pc:sldChg chg="modSp mod">
-        <pc:chgData name="Jan Goettmann" userId="c2e55d6b-0073-4530-a823-558d1fdc99aa" providerId="ADAL" clId="{2993990A-B680-4FD4-8CB9-9755C539C84B}" dt="2022-06-28T06:32:47.441" v="108" actId="6549"/>
-        <pc:sldMkLst>
-          <pc:docMk/>
-          <pc:sldMk cId="4020456500" sldId="262"/>
-        </pc:sldMkLst>
-        <pc:spChg chg="mod">
-          <ac:chgData name="Jan Goettmann" userId="c2e55d6b-0073-4530-a823-558d1fdc99aa" providerId="ADAL" clId="{2993990A-B680-4FD4-8CB9-9755C539C84B}" dt="2022-06-28T06:32:47.441" v="108" actId="6549"/>
-          <ac:spMkLst>
-            <pc:docMk/>
-            <pc:sldMk cId="4020456500" sldId="262"/>
-            <ac:spMk id="66" creationId="{F68C5DC2-2616-A297-C147-ACE2B1ED48B7}"/>
-          </ac:spMkLst>
-        </pc:spChg>
-      </pc:sldChg>
-      <pc:sldChg chg="addSp delSp modSp add mod">
-        <pc:chgData name="Jan Goettmann" userId="c2e55d6b-0073-4530-a823-558d1fdc99aa" providerId="ADAL" clId="{2993990A-B680-4FD4-8CB9-9755C539C84B}" dt="2022-06-30T11:09:17.910" v="183" actId="164"/>
-        <pc:sldMkLst>
-          <pc:docMk/>
-          <pc:sldMk cId="1446148259" sldId="336"/>
-        </pc:sldMkLst>
-        <pc:spChg chg="add del mod">
-          <ac:chgData name="Jan Goettmann" userId="c2e55d6b-0073-4530-a823-558d1fdc99aa" providerId="ADAL" clId="{2993990A-B680-4FD4-8CB9-9755C539C84B}" dt="2022-06-30T10:36:57.260" v="138" actId="478"/>
-          <ac:spMkLst>
-            <pc:docMk/>
-            <pc:sldMk cId="1446148259" sldId="336"/>
-            <ac:spMk id="9" creationId="{02864D0F-D22A-4A91-6998-3EA3E01EECBF}"/>
-          </ac:spMkLst>
-        </pc:spChg>
-        <pc:spChg chg="mod">
-          <ac:chgData name="Jan Goettmann" userId="c2e55d6b-0073-4530-a823-558d1fdc99aa" providerId="ADAL" clId="{2993990A-B680-4FD4-8CB9-9755C539C84B}" dt="2022-06-30T10:57:29.911" v="179" actId="164"/>
-          <ac:spMkLst>
-            <pc:docMk/>
-            <pc:sldMk cId="1446148259" sldId="336"/>
-            <ac:spMk id="10" creationId="{BB99054C-24B3-9FAF-FB1B-2625863EC72C}"/>
-          </ac:spMkLst>
-        </pc:spChg>
-        <pc:spChg chg="mod">
-          <ac:chgData name="Jan Goettmann" userId="c2e55d6b-0073-4530-a823-558d1fdc99aa" providerId="ADAL" clId="{2993990A-B680-4FD4-8CB9-9755C539C84B}" dt="2022-06-30T10:57:29.911" v="179" actId="164"/>
-          <ac:spMkLst>
-            <pc:docMk/>
-            <pc:sldMk cId="1446148259" sldId="336"/>
-            <ac:spMk id="11" creationId="{567889D2-92B2-1ACD-3567-78F622453AFD}"/>
-          </ac:spMkLst>
-        </pc:spChg>
-        <pc:spChg chg="mod">
-          <ac:chgData name="Jan Goettmann" userId="c2e55d6b-0073-4530-a823-558d1fdc99aa" providerId="ADAL" clId="{2993990A-B680-4FD4-8CB9-9755C539C84B}" dt="2022-06-30T10:57:29.911" v="179" actId="164"/>
-          <ac:spMkLst>
-            <pc:docMk/>
-            <pc:sldMk cId="1446148259" sldId="336"/>
-            <ac:spMk id="12" creationId="{5653579A-3A58-DF42-C286-3CC9E858A71B}"/>
-          </ac:spMkLst>
-        </pc:spChg>
-        <pc:spChg chg="mod">
-          <ac:chgData name="Jan Goettmann" userId="c2e55d6b-0073-4530-a823-558d1fdc99aa" providerId="ADAL" clId="{2993990A-B680-4FD4-8CB9-9755C539C84B}" dt="2022-06-30T10:58:07.245" v="180" actId="164"/>
-          <ac:spMkLst>
-            <pc:docMk/>
-            <pc:sldMk cId="1446148259" sldId="336"/>
-            <ac:spMk id="13" creationId="{55B91E24-3551-BEF0-62B6-0F382DED2F0C}"/>
-          </ac:spMkLst>
-        </pc:spChg>
-        <pc:spChg chg="mod">
-          <ac:chgData name="Jan Goettmann" userId="c2e55d6b-0073-4530-a823-558d1fdc99aa" providerId="ADAL" clId="{2993990A-B680-4FD4-8CB9-9755C539C84B}" dt="2022-06-30T10:57:29.911" v="179" actId="164"/>
-          <ac:spMkLst>
-            <pc:docMk/>
-            <pc:sldMk cId="1446148259" sldId="336"/>
-            <ac:spMk id="14" creationId="{9E983D58-C29B-98F1-9E45-25EA3FF277C9}"/>
-          </ac:spMkLst>
-        </pc:spChg>
-        <pc:spChg chg="add mod">
-          <ac:chgData name="Jan Goettmann" userId="c2e55d6b-0073-4530-a823-558d1fdc99aa" providerId="ADAL" clId="{2993990A-B680-4FD4-8CB9-9755C539C84B}" dt="2022-06-30T10:41:37.125" v="164" actId="339"/>
-          <ac:spMkLst>
-            <pc:docMk/>
-            <pc:sldMk cId="1446148259" sldId="336"/>
-            <ac:spMk id="15" creationId="{E4D703BA-E96C-25B4-B8A0-E0A4D00270FD}"/>
-          </ac:spMkLst>
-        </pc:spChg>
-        <pc:spChg chg="mod">
-          <ac:chgData name="Jan Goettmann" userId="c2e55d6b-0073-4530-a823-558d1fdc99aa" providerId="ADAL" clId="{2993990A-B680-4FD4-8CB9-9755C539C84B}" dt="2022-06-30T11:07:02.812" v="182" actId="164"/>
-          <ac:spMkLst>
-            <pc:docMk/>
-            <pc:sldMk cId="1446148259" sldId="336"/>
-            <ac:spMk id="16" creationId="{C3C32F0D-9EF2-DABE-DEE7-A251AEED6C59}"/>
-          </ac:spMkLst>
-        </pc:spChg>
-        <pc:spChg chg="mod">
-          <ac:chgData name="Jan Goettmann" userId="c2e55d6b-0073-4530-a823-558d1fdc99aa" providerId="ADAL" clId="{2993990A-B680-4FD4-8CB9-9755C539C84B}" dt="2022-06-30T11:07:02.812" v="182" actId="164"/>
-          <ac:spMkLst>
-            <pc:docMk/>
-            <pc:sldMk cId="1446148259" sldId="336"/>
-            <ac:spMk id="17" creationId="{E2601A4C-2FB4-039E-C08B-369CFEF22678}"/>
-          </ac:spMkLst>
-        </pc:spChg>
-        <pc:spChg chg="mod">
-          <ac:chgData name="Jan Goettmann" userId="c2e55d6b-0073-4530-a823-558d1fdc99aa" providerId="ADAL" clId="{2993990A-B680-4FD4-8CB9-9755C539C84B}" dt="2022-06-30T11:07:02.812" v="182" actId="164"/>
-          <ac:spMkLst>
-            <pc:docMk/>
-            <pc:sldMk cId="1446148259" sldId="336"/>
-            <ac:spMk id="18" creationId="{3F5230C5-4D14-305E-D1D4-D4E713B6CE6E}"/>
-          </ac:spMkLst>
-        </pc:spChg>
-        <pc:spChg chg="mod">
-          <ac:chgData name="Jan Goettmann" userId="c2e55d6b-0073-4530-a823-558d1fdc99aa" providerId="ADAL" clId="{2993990A-B680-4FD4-8CB9-9755C539C84B}" dt="2022-06-30T11:07:02.812" v="182" actId="164"/>
-          <ac:spMkLst>
-            <pc:docMk/>
-            <pc:sldMk cId="1446148259" sldId="336"/>
-            <ac:spMk id="19" creationId="{4B4D899C-6CFF-A38A-BE37-6178D5B276FD}"/>
-          </ac:spMkLst>
-        </pc:spChg>
-        <pc:spChg chg="mod">
-          <ac:chgData name="Jan Goettmann" userId="c2e55d6b-0073-4530-a823-558d1fdc99aa" providerId="ADAL" clId="{2993990A-B680-4FD4-8CB9-9755C539C84B}" dt="2022-06-30T11:07:02.812" v="182" actId="164"/>
-          <ac:spMkLst>
-            <pc:docMk/>
-            <pc:sldMk cId="1446148259" sldId="336"/>
-            <ac:spMk id="20" creationId="{5AFADD4B-4F92-07C5-F3EF-CA43B6616CF4}"/>
-          </ac:spMkLst>
-        </pc:spChg>
-        <pc:spChg chg="mod">
-          <ac:chgData name="Jan Goettmann" userId="c2e55d6b-0073-4530-a823-558d1fdc99aa" providerId="ADAL" clId="{2993990A-B680-4FD4-8CB9-9755C539C84B}" dt="2022-06-30T11:09:17.910" v="183" actId="164"/>
-          <ac:spMkLst>
-            <pc:docMk/>
-            <pc:sldMk cId="1446148259" sldId="336"/>
-            <ac:spMk id="22" creationId="{9DE3320F-5289-9B66-7BF6-A34F39981EF3}"/>
-          </ac:spMkLst>
-        </pc:spChg>
-        <pc:spChg chg="mod">
-          <ac:chgData name="Jan Goettmann" userId="c2e55d6b-0073-4530-a823-558d1fdc99aa" providerId="ADAL" clId="{2993990A-B680-4FD4-8CB9-9755C539C84B}" dt="2022-06-30T11:09:17.910" v="183" actId="164"/>
-          <ac:spMkLst>
-            <pc:docMk/>
-            <pc:sldMk cId="1446148259" sldId="336"/>
-            <ac:spMk id="23" creationId="{3575430B-B8DF-9536-ECBF-A3EB077B60DE}"/>
-          </ac:spMkLst>
-        </pc:spChg>
-        <pc:spChg chg="mod">
-          <ac:chgData name="Jan Goettmann" userId="c2e55d6b-0073-4530-a823-558d1fdc99aa" providerId="ADAL" clId="{2993990A-B680-4FD4-8CB9-9755C539C84B}" dt="2022-06-30T11:09:17.910" v="183" actId="164"/>
-          <ac:spMkLst>
-            <pc:docMk/>
-            <pc:sldMk cId="1446148259" sldId="336"/>
-            <ac:spMk id="24" creationId="{5F0636B0-A2BE-15B1-F11E-A0B75E62D75A}"/>
-          </ac:spMkLst>
-        </pc:spChg>
-        <pc:spChg chg="mod">
-          <ac:chgData name="Jan Goettmann" userId="c2e55d6b-0073-4530-a823-558d1fdc99aa" providerId="ADAL" clId="{2993990A-B680-4FD4-8CB9-9755C539C84B}" dt="2022-06-30T11:09:17.910" v="183" actId="164"/>
-          <ac:spMkLst>
-            <pc:docMk/>
-            <pc:sldMk cId="1446148259" sldId="336"/>
-            <ac:spMk id="25" creationId="{6C7012F6-0CB5-4DD8-59B1-2D8F2A2177C3}"/>
-          </ac:spMkLst>
-        </pc:spChg>
-        <pc:spChg chg="mod">
-          <ac:chgData name="Jan Goettmann" userId="c2e55d6b-0073-4530-a823-558d1fdc99aa" providerId="ADAL" clId="{2993990A-B680-4FD4-8CB9-9755C539C84B}" dt="2022-06-30T11:09:17.910" v="183" actId="164"/>
-          <ac:spMkLst>
-            <pc:docMk/>
-            <pc:sldMk cId="1446148259" sldId="336"/>
-            <ac:spMk id="26" creationId="{1D683557-814D-D9D6-BE35-9AA138F66DB1}"/>
-          </ac:spMkLst>
-        </pc:spChg>
-        <pc:spChg chg="add mod">
-          <ac:chgData name="Jan Goettmann" userId="c2e55d6b-0073-4530-a823-558d1fdc99aa" providerId="ADAL" clId="{2993990A-B680-4FD4-8CB9-9755C539C84B}" dt="2022-06-30T10:41:56.639" v="178" actId="339"/>
-          <ac:spMkLst>
-            <pc:docMk/>
-            <pc:sldMk cId="1446148259" sldId="336"/>
-            <ac:spMk id="53" creationId="{A500986F-2221-B203-155E-7D3904875AD5}"/>
-          </ac:spMkLst>
-        </pc:spChg>
-        <pc:spChg chg="del">
-          <ac:chgData name="Jan Goettmann" userId="c2e55d6b-0073-4530-a823-558d1fdc99aa" providerId="ADAL" clId="{2993990A-B680-4FD4-8CB9-9755C539C84B}" dt="2022-06-30T10:25:11.193" v="110" actId="478"/>
-          <ac:spMkLst>
-            <pc:docMk/>
-            <pc:sldMk cId="1446148259" sldId="336"/>
-            <ac:spMk id="128" creationId="{1D38BBDA-7A9D-42C4-A29A-E8495E3C809B}"/>
-          </ac:spMkLst>
-        </pc:spChg>
-        <pc:grpChg chg="mod">
-          <ac:chgData name="Jan Goettmann" userId="c2e55d6b-0073-4530-a823-558d1fdc99aa" providerId="ADAL" clId="{2993990A-B680-4FD4-8CB9-9755C539C84B}" dt="2022-06-30T10:37:35.530" v="148" actId="339"/>
-          <ac:grpSpMkLst>
-            <pc:docMk/>
-            <pc:sldMk cId="1446148259" sldId="336"/>
-            <ac:grpSpMk id="8" creationId="{E27797DF-7579-2165-4884-9B194766D979}"/>
-          </ac:grpSpMkLst>
-        </pc:grpChg>
-        <pc:grpChg chg="add mod">
-          <ac:chgData name="Jan Goettmann" userId="c2e55d6b-0073-4530-a823-558d1fdc99aa" providerId="ADAL" clId="{2993990A-B680-4FD4-8CB9-9755C539C84B}" dt="2022-06-30T10:58:07.245" v="180" actId="164"/>
-          <ac:grpSpMkLst>
-            <pc:docMk/>
-            <pc:sldMk cId="1446148259" sldId="336"/>
-            <ac:grpSpMk id="21" creationId="{B76D2861-89AF-7CE5-838B-B232DFCC14CB}"/>
-          </ac:grpSpMkLst>
-        </pc:grpChg>
-        <pc:grpChg chg="add mod">
-          <ac:chgData name="Jan Goettmann" userId="c2e55d6b-0073-4530-a823-558d1fdc99aa" providerId="ADAL" clId="{2993990A-B680-4FD4-8CB9-9755C539C84B}" dt="2022-06-30T10:58:07.245" v="180" actId="164"/>
-          <ac:grpSpMkLst>
-            <pc:docMk/>
-            <pc:sldMk cId="1446148259" sldId="336"/>
-            <ac:grpSpMk id="27" creationId="{E87F1475-A4F2-52DC-42A5-4B7C80A7DE73}"/>
-          </ac:grpSpMkLst>
-        </pc:grpChg>
-        <pc:grpChg chg="add mod">
-          <ac:chgData name="Jan Goettmann" userId="c2e55d6b-0073-4530-a823-558d1fdc99aa" providerId="ADAL" clId="{2993990A-B680-4FD4-8CB9-9755C539C84B}" dt="2022-06-30T10:58:48.178" v="181" actId="164"/>
-          <ac:grpSpMkLst>
-            <pc:docMk/>
-            <pc:sldMk cId="1446148259" sldId="336"/>
-            <ac:grpSpMk id="29" creationId="{B5B4BD77-D099-31D9-86C8-0F88BF5B5AAE}"/>
-          </ac:grpSpMkLst>
-        </pc:grpChg>
-        <pc:grpChg chg="add mod">
-          <ac:chgData name="Jan Goettmann" userId="c2e55d6b-0073-4530-a823-558d1fdc99aa" providerId="ADAL" clId="{2993990A-B680-4FD4-8CB9-9755C539C84B}" dt="2022-06-30T11:07:02.812" v="182" actId="164"/>
-          <ac:grpSpMkLst>
-            <pc:docMk/>
-            <pc:sldMk cId="1446148259" sldId="336"/>
-            <ac:grpSpMk id="31" creationId="{35FE5C72-657E-465E-7D06-03B78CE2E6A8}"/>
-          </ac:grpSpMkLst>
-        </pc:grpChg>
-        <pc:grpChg chg="add mod">
-          <ac:chgData name="Jan Goettmann" userId="c2e55d6b-0073-4530-a823-558d1fdc99aa" providerId="ADAL" clId="{2993990A-B680-4FD4-8CB9-9755C539C84B}" dt="2022-06-30T11:09:17.910" v="183" actId="164"/>
-          <ac:grpSpMkLst>
-            <pc:docMk/>
-            <pc:sldMk cId="1446148259" sldId="336"/>
-            <ac:grpSpMk id="32" creationId="{3B8D549B-2702-48A6-6AAF-230342F88BE3}"/>
-          </ac:grpSpMkLst>
-        </pc:grpChg>
-        <pc:cxnChg chg="mod">
-          <ac:chgData name="Jan Goettmann" userId="c2e55d6b-0073-4530-a823-558d1fdc99aa" providerId="ADAL" clId="{2993990A-B680-4FD4-8CB9-9755C539C84B}" dt="2022-06-30T10:58:48.178" v="181" actId="164"/>
-          <ac:cxnSpMkLst>
-            <pc:docMk/>
-            <pc:sldMk cId="1446148259" sldId="336"/>
-            <ac:cxnSpMk id="39" creationId="{5CDF3564-CEEE-94FC-F89C-FEEEA864DCBB}"/>
-          </ac:cxnSpMkLst>
-        </pc:cxnChg>
-        <pc:cxnChg chg="mod">
-          <ac:chgData name="Jan Goettmann" userId="c2e55d6b-0073-4530-a823-558d1fdc99aa" providerId="ADAL" clId="{2993990A-B680-4FD4-8CB9-9755C539C84B}" dt="2022-06-30T10:58:48.178" v="181" actId="164"/>
-          <ac:cxnSpMkLst>
-            <pc:docMk/>
-            <pc:sldMk cId="1446148259" sldId="336"/>
-            <ac:cxnSpMk id="40" creationId="{02BA9ED3-FD40-BD94-3499-7F6FCCA5A312}"/>
-          </ac:cxnSpMkLst>
-        </pc:cxnChg>
       </pc:sldChg>
     </pc:docChg>
   </pc:docChgLst>
@@ -4421,7 +4421,7 @@
           <a:p>
             <a:fld id="{45F1D7CE-59CB-49DC-BEA0-F787D0124348}" type="datetimeFigureOut">
               <a:rPr lang="de-DE" smtClean="0"/>
-              <a:t>03.11.2022</a:t>
+              <a:t>04.11.2022</a:t>
             </a:fld>
             <a:endParaRPr lang="de-DE"/>
           </a:p>
@@ -4619,7 +4619,7 @@
           <a:p>
             <a:fld id="{45F1D7CE-59CB-49DC-BEA0-F787D0124348}" type="datetimeFigureOut">
               <a:rPr lang="de-DE" smtClean="0"/>
-              <a:t>03.11.2022</a:t>
+              <a:t>04.11.2022</a:t>
             </a:fld>
             <a:endParaRPr lang="de-DE"/>
           </a:p>
@@ -4827,7 +4827,7 @@
           <a:p>
             <a:fld id="{45F1D7CE-59CB-49DC-BEA0-F787D0124348}" type="datetimeFigureOut">
               <a:rPr lang="de-DE" smtClean="0"/>
-              <a:t>03.11.2022</a:t>
+              <a:t>04.11.2022</a:t>
             </a:fld>
             <a:endParaRPr lang="de-DE"/>
           </a:p>
@@ -5025,7 +5025,7 @@
           <a:p>
             <a:fld id="{45F1D7CE-59CB-49DC-BEA0-F787D0124348}" type="datetimeFigureOut">
               <a:rPr lang="de-DE" smtClean="0"/>
-              <a:t>03.11.2022</a:t>
+              <a:t>04.11.2022</a:t>
             </a:fld>
             <a:endParaRPr lang="de-DE"/>
           </a:p>
@@ -5300,7 +5300,7 @@
           <a:p>
             <a:fld id="{45F1D7CE-59CB-49DC-BEA0-F787D0124348}" type="datetimeFigureOut">
               <a:rPr lang="de-DE" smtClean="0"/>
-              <a:t>03.11.2022</a:t>
+              <a:t>04.11.2022</a:t>
             </a:fld>
             <a:endParaRPr lang="de-DE"/>
           </a:p>
@@ -5565,7 +5565,7 @@
           <a:p>
             <a:fld id="{45F1D7CE-59CB-49DC-BEA0-F787D0124348}" type="datetimeFigureOut">
               <a:rPr lang="de-DE" smtClean="0"/>
-              <a:t>03.11.2022</a:t>
+              <a:t>04.11.2022</a:t>
             </a:fld>
             <a:endParaRPr lang="de-DE"/>
           </a:p>
@@ -5977,7 +5977,7 @@
           <a:p>
             <a:fld id="{45F1D7CE-59CB-49DC-BEA0-F787D0124348}" type="datetimeFigureOut">
               <a:rPr lang="de-DE" smtClean="0"/>
-              <a:t>03.11.2022</a:t>
+              <a:t>04.11.2022</a:t>
             </a:fld>
             <a:endParaRPr lang="de-DE"/>
           </a:p>
@@ -6118,7 +6118,7 @@
           <a:p>
             <a:fld id="{45F1D7CE-59CB-49DC-BEA0-F787D0124348}" type="datetimeFigureOut">
               <a:rPr lang="de-DE" smtClean="0"/>
-              <a:t>03.11.2022</a:t>
+              <a:t>04.11.2022</a:t>
             </a:fld>
             <a:endParaRPr lang="de-DE"/>
           </a:p>
@@ -6231,7 +6231,7 @@
           <a:p>
             <a:fld id="{45F1D7CE-59CB-49DC-BEA0-F787D0124348}" type="datetimeFigureOut">
               <a:rPr lang="de-DE" smtClean="0"/>
-              <a:t>03.11.2022</a:t>
+              <a:t>04.11.2022</a:t>
             </a:fld>
             <a:endParaRPr lang="de-DE"/>
           </a:p>
@@ -6542,7 +6542,7 @@
           <a:p>
             <a:fld id="{45F1D7CE-59CB-49DC-BEA0-F787D0124348}" type="datetimeFigureOut">
               <a:rPr lang="de-DE" smtClean="0"/>
-              <a:t>03.11.2022</a:t>
+              <a:t>04.11.2022</a:t>
             </a:fld>
             <a:endParaRPr lang="de-DE"/>
           </a:p>
@@ -6830,7 +6830,7 @@
           <a:p>
             <a:fld id="{45F1D7CE-59CB-49DC-BEA0-F787D0124348}" type="datetimeFigureOut">
               <a:rPr lang="de-DE" smtClean="0"/>
-              <a:t>03.11.2022</a:t>
+              <a:t>04.11.2022</a:t>
             </a:fld>
             <a:endParaRPr lang="de-DE"/>
           </a:p>
@@ -7071,7 +7071,7 @@
           <a:p>
             <a:fld id="{45F1D7CE-59CB-49DC-BEA0-F787D0124348}" type="datetimeFigureOut">
               <a:rPr lang="de-DE" smtClean="0"/>
-              <a:t>03.11.2022</a:t>
+              <a:t>04.11.2022</a:t>
             </a:fld>
             <a:endParaRPr lang="de-DE"/>
           </a:p>
@@ -7806,10 +7806,12 @@
             <a:avLst/>
           </a:prstGeom>
           <a:solidFill>
-            <a:srgbClr val="C00000"/>
+            <a:srgbClr val="C1002A"/>
           </a:solidFill>
           <a:ln>
-            <a:noFill/>
+            <a:solidFill>
+              <a:schemeClr val="bg1"/>
+            </a:solidFill>
           </a:ln>
         </p:spPr>
         <p:style>
@@ -10017,10 +10019,12 @@
             <a:avLst/>
           </a:prstGeom>
           <a:solidFill>
-            <a:srgbClr val="C00000"/>
+            <a:srgbClr val="C1002A"/>
           </a:solidFill>
           <a:ln>
-            <a:noFill/>
+            <a:solidFill>
+              <a:schemeClr val="bg1"/>
+            </a:solidFill>
           </a:ln>
         </p:spPr>
         <p:style>
@@ -10101,10 +10105,12 @@
             <a:avLst/>
           </a:prstGeom>
           <a:solidFill>
-            <a:srgbClr val="C00000"/>
+            <a:srgbClr val="C1002A"/>
           </a:solidFill>
           <a:ln>
-            <a:noFill/>
+            <a:solidFill>
+              <a:schemeClr val="bg1"/>
+            </a:solidFill>
           </a:ln>
         </p:spPr>
         <p:style>
@@ -25689,10 +25695,12 @@
             <a:avLst/>
           </a:prstGeom>
           <a:solidFill>
-            <a:srgbClr val="C00000"/>
+            <a:srgbClr val="C1002A"/>
           </a:solidFill>
           <a:ln>
-            <a:noFill/>
+            <a:solidFill>
+              <a:schemeClr val="bg1"/>
+            </a:solidFill>
           </a:ln>
         </p:spPr>
         <p:style>
@@ -25773,10 +25781,12 @@
             <a:avLst/>
           </a:prstGeom>
           <a:solidFill>
-            <a:srgbClr val="C00000"/>
+            <a:srgbClr val="C1002A"/>
           </a:solidFill>
           <a:ln>
-            <a:noFill/>
+            <a:solidFill>
+              <a:schemeClr val="bg1"/>
+            </a:solidFill>
           </a:ln>
         </p:spPr>
         <p:style>
@@ -26907,10 +26917,12 @@
             <a:avLst/>
           </a:prstGeom>
           <a:solidFill>
-            <a:srgbClr val="C00000"/>
+            <a:srgbClr val="C1002A"/>
           </a:solidFill>
           <a:ln>
-            <a:noFill/>
+            <a:solidFill>
+              <a:schemeClr val="bg1"/>
+            </a:solidFill>
           </a:ln>
         </p:spPr>
         <p:style>
@@ -26991,10 +27003,12 @@
             <a:avLst/>
           </a:prstGeom>
           <a:solidFill>
-            <a:srgbClr val="C00000"/>
+            <a:srgbClr val="C1002A"/>
           </a:solidFill>
           <a:ln>
-            <a:noFill/>
+            <a:solidFill>
+              <a:schemeClr val="bg1"/>
+            </a:solidFill>
           </a:ln>
         </p:spPr>
         <p:style>
@@ -28345,10 +28359,12 @@
             <a:avLst/>
           </a:prstGeom>
           <a:solidFill>
-            <a:srgbClr val="C00000"/>
+            <a:srgbClr val="C1002A"/>
           </a:solidFill>
           <a:ln>
-            <a:noFill/>
+            <a:solidFill>
+              <a:schemeClr val="bg1"/>
+            </a:solidFill>
           </a:ln>
         </p:spPr>
         <p:style>
@@ -28429,10 +28445,12 @@
             <a:avLst/>
           </a:prstGeom>
           <a:solidFill>
-            <a:srgbClr val="C00000"/>
+            <a:srgbClr val="C1002A"/>
           </a:solidFill>
           <a:ln>
-            <a:noFill/>
+            <a:solidFill>
+              <a:schemeClr val="bg1"/>
+            </a:solidFill>
           </a:ln>
         </p:spPr>
         <p:style>
@@ -29969,10 +29987,12 @@
             <a:avLst/>
           </a:prstGeom>
           <a:solidFill>
-            <a:srgbClr val="C00000"/>
+            <a:srgbClr val="C1002A"/>
           </a:solidFill>
           <a:ln>
-            <a:noFill/>
+            <a:solidFill>
+              <a:schemeClr val="bg1"/>
+            </a:solidFill>
           </a:ln>
         </p:spPr>
         <p:style>
@@ -30053,10 +30073,12 @@
             <a:avLst/>
           </a:prstGeom>
           <a:solidFill>
-            <a:srgbClr val="C00000"/>
+            <a:srgbClr val="C1002A"/>
           </a:solidFill>
           <a:ln>
-            <a:noFill/>
+            <a:solidFill>
+              <a:schemeClr val="bg1"/>
+            </a:solidFill>
           </a:ln>
         </p:spPr>
         <p:style>
@@ -30142,7 +30164,7 @@
         </p:nvGrpSpPr>
         <p:grpSpPr>
           <a:xfrm>
-            <a:off x="2284076" y="2267908"/>
+            <a:off x="2331577" y="2184427"/>
             <a:ext cx="1136399" cy="1058727"/>
             <a:chOff x="1942277" y="2306869"/>
             <a:chExt cx="1136399" cy="1058727"/>
@@ -30452,7 +30474,7 @@
         </p:nvGrpSpPr>
         <p:grpSpPr>
           <a:xfrm>
-            <a:off x="8046851" y="2332687"/>
+            <a:off x="8094352" y="2249206"/>
             <a:ext cx="1136399" cy="1058727"/>
             <a:chOff x="1942277" y="2306869"/>
             <a:chExt cx="1136399" cy="1058727"/>
@@ -30829,8 +30851,8 @@
         </p:nvSpPr>
         <p:spPr>
           <a:xfrm>
-            <a:off x="1047666" y="4568489"/>
-            <a:ext cx="9554593" cy="1754326"/>
+            <a:off x="1082879" y="4130222"/>
+            <a:ext cx="9554593" cy="2154436"/>
           </a:xfrm>
           <a:prstGeom prst="rect">
             <a:avLst/>
@@ -30845,7 +30867,7 @@
           <a:p>
             <a:pPr algn="ctr"/>
             <a:r>
-              <a:rPr lang="de-DE" dirty="0">
+              <a:rPr lang="de-DE" sz="1600" dirty="0">
                 <a:solidFill>
                   <a:schemeClr val="bg1"/>
                 </a:solidFill>
@@ -30853,124 +30875,143 @@
               <a:t>Unabhängig von der relevanten Dimension, müssen Sie für jedes Farbfeld bewerten, welche der beiden Farben heller ist. Entscheiden Sie </a:t>
             </a:r>
             <a:r>
+              <a:rPr lang="de-DE" sz="1600" b="1" i="1" dirty="0">
+                <a:solidFill>
+                  <a:srgbClr val="FFC000"/>
+                </a:solidFill>
+              </a:rPr>
+              <a:t>so schnell und so korrekt wie möglich,</a:t>
+            </a:r>
+            <a:r>
+              <a:rPr lang="de-DE" sz="1600" dirty="0">
+                <a:solidFill>
+                  <a:schemeClr val="bg1"/>
+                </a:solidFill>
+              </a:rPr>
+              <a:t> welche Farbe heller ist. Dies tun Sie, indem Sie </a:t>
+            </a:r>
+            <a:r>
+              <a:rPr lang="de-DE" sz="1600" b="1" i="1" dirty="0">
+                <a:solidFill>
+                  <a:srgbClr val="FFC000"/>
+                </a:solidFill>
+              </a:rPr>
+              <a:t>auf die jeweilige Farbe klicken</a:t>
+            </a:r>
+            <a:r>
+              <a:rPr lang="de-DE" sz="1600" b="1" i="1" dirty="0">
+                <a:solidFill>
+                  <a:schemeClr val="bg1"/>
+                </a:solidFill>
+              </a:rPr>
+              <a:t>. </a:t>
+            </a:r>
+            <a:r>
+              <a:rPr lang="de-DE" sz="1600" dirty="0">
+                <a:solidFill>
+                  <a:schemeClr val="bg1"/>
+                </a:solidFill>
+              </a:rPr>
+              <a:t>Im oberen Beispiel ist die Farbe </a:t>
+            </a:r>
+            <a:r>
+              <a:rPr lang="de-DE" sz="1600" b="1" i="1" dirty="0" err="1">
+                <a:solidFill>
+                  <a:srgbClr val="FF00A1"/>
+                </a:solidFill>
+              </a:rPr>
+              <a:t>Fuchsiar</a:t>
+            </a:r>
+            <a:r>
+              <a:rPr lang="de-DE" sz="1600" b="1" i="1" dirty="0">
+                <a:solidFill>
+                  <a:schemeClr val="bg1"/>
+                </a:solidFill>
+              </a:rPr>
+              <a:t> </a:t>
+            </a:r>
+            <a:r>
+              <a:rPr lang="de-DE" sz="1600" dirty="0">
+                <a:solidFill>
+                  <a:schemeClr val="bg1"/>
+                </a:solidFill>
+              </a:rPr>
+              <a:t>in der linken Position </a:t>
+            </a:r>
+            <a:r>
+              <a:rPr lang="de-DE" sz="1600" b="1" i="1" dirty="0">
+                <a:solidFill>
+                  <a:srgbClr val="FFC000"/>
+                </a:solidFill>
+              </a:rPr>
+              <a:t>eindeutig heller</a:t>
+            </a:r>
+            <a:r>
+              <a:rPr lang="de-DE" sz="1600" b="1" i="1" dirty="0">
+                <a:solidFill>
+                  <a:schemeClr val="bg1"/>
+                </a:solidFill>
+              </a:rPr>
+              <a:t> </a:t>
+            </a:r>
+            <a:r>
+              <a:rPr lang="de-DE" sz="1600" dirty="0">
+                <a:solidFill>
+                  <a:schemeClr val="bg1"/>
+                </a:solidFill>
+              </a:rPr>
+              <a:t>als die Farbe </a:t>
+            </a:r>
+            <a:r>
+              <a:rPr lang="de-DE" sz="1600" b="1" i="1" dirty="0">
+                <a:solidFill>
+                  <a:srgbClr val="7260A7"/>
+                </a:solidFill>
+              </a:rPr>
+              <a:t>Lila</a:t>
+            </a:r>
+            <a:r>
+              <a:rPr lang="de-DE" sz="1600" b="1" i="1" dirty="0">
+                <a:solidFill>
+                  <a:schemeClr val="bg1"/>
+                </a:solidFill>
+              </a:rPr>
+              <a:t> </a:t>
+            </a:r>
+            <a:r>
+              <a:rPr lang="de-DE" sz="1600" dirty="0">
+                <a:solidFill>
+                  <a:schemeClr val="bg1"/>
+                </a:solidFill>
+              </a:rPr>
+              <a:t>in der oberen Position. Nachdem Sie die Entscheidung getroffen haben, erscheint erneut das Fixationskreuz. </a:t>
+            </a:r>
+            <a:r>
+              <a:rPr lang="de-DE" sz="1600" b="1" i="1" dirty="0">
+                <a:solidFill>
+                  <a:srgbClr val="FFC000"/>
+                </a:solidFill>
+              </a:rPr>
+              <a:t>Entscheiden Sie immer welche Farbe heller ist, sobald das Farbfeld das erste mal erscheint ! </a:t>
+            </a:r>
+          </a:p>
+          <a:p>
+            <a:pPr algn="ctr"/>
+            <a:endParaRPr lang="de-DE" b="1" i="1" dirty="0">
+              <a:solidFill>
+                <a:srgbClr val="FFC000"/>
+              </a:solidFill>
+            </a:endParaRPr>
+          </a:p>
+          <a:p>
+            <a:pPr algn="ctr"/>
+            <a:r>
               <a:rPr lang="de-DE" b="1" i="1" dirty="0">
                 <a:solidFill>
                   <a:srgbClr val="FFC000"/>
                 </a:solidFill>
               </a:rPr>
-              <a:t>so schnell und so korrekt wie möglich,</a:t>
-            </a:r>
-            <a:r>
-              <a:rPr lang="de-DE" dirty="0">
-                <a:solidFill>
-                  <a:schemeClr val="bg1"/>
-                </a:solidFill>
-              </a:rPr>
-              <a:t> welche Farbe heller ist. Dies tun Sie, indem Sie </a:t>
-            </a:r>
-            <a:r>
-              <a:rPr lang="de-DE" b="1" i="1" dirty="0">
-                <a:solidFill>
-                  <a:srgbClr val="FFC000"/>
-                </a:solidFill>
-              </a:rPr>
-              <a:t>auf die jeweilige Farbe klicken</a:t>
-            </a:r>
-            <a:r>
-              <a:rPr lang="de-DE" b="1" i="1" dirty="0">
-                <a:solidFill>
-                  <a:schemeClr val="bg1"/>
-                </a:solidFill>
-              </a:rPr>
-              <a:t>. </a:t>
-            </a:r>
-            <a:r>
-              <a:rPr lang="de-DE" dirty="0">
-                <a:solidFill>
-                  <a:schemeClr val="bg1"/>
-                </a:solidFill>
-              </a:rPr>
-              <a:t>Im oberen Beispiel ist die Farbe </a:t>
-            </a:r>
-            <a:r>
-              <a:rPr lang="de-DE" b="1" i="1" dirty="0" err="1">
-                <a:solidFill>
-                  <a:srgbClr val="FF00A1"/>
-                </a:solidFill>
-              </a:rPr>
-              <a:t>Fuchsiar</a:t>
-            </a:r>
-            <a:r>
-              <a:rPr lang="de-DE" b="1" i="1" dirty="0">
-                <a:solidFill>
-                  <a:schemeClr val="bg1"/>
-                </a:solidFill>
-              </a:rPr>
-              <a:t> </a:t>
-            </a:r>
-            <a:r>
-              <a:rPr lang="de-DE" dirty="0">
-                <a:solidFill>
-                  <a:schemeClr val="bg1"/>
-                </a:solidFill>
-              </a:rPr>
-              <a:t>in der linken Position </a:t>
-            </a:r>
-            <a:r>
-              <a:rPr lang="de-DE" b="1" i="1" dirty="0">
-                <a:solidFill>
-                  <a:srgbClr val="FFC000"/>
-                </a:solidFill>
-              </a:rPr>
-              <a:t>eindeutig heller</a:t>
-            </a:r>
-            <a:r>
-              <a:rPr lang="de-DE" b="1" i="1" dirty="0">
-                <a:solidFill>
-                  <a:schemeClr val="bg1"/>
-                </a:solidFill>
-              </a:rPr>
-              <a:t> </a:t>
-            </a:r>
-            <a:r>
-              <a:rPr lang="de-DE" dirty="0">
-                <a:solidFill>
-                  <a:schemeClr val="bg1"/>
-                </a:solidFill>
-              </a:rPr>
-              <a:t>als die Farbe </a:t>
-            </a:r>
-            <a:r>
-              <a:rPr lang="de-DE" b="1" i="1" dirty="0">
-                <a:solidFill>
-                  <a:srgbClr val="7260A7"/>
-                </a:solidFill>
-              </a:rPr>
-              <a:t>Lila</a:t>
-            </a:r>
-            <a:r>
-              <a:rPr lang="de-DE" b="1" i="1" dirty="0">
-                <a:solidFill>
-                  <a:schemeClr val="bg1"/>
-                </a:solidFill>
-              </a:rPr>
-              <a:t> </a:t>
-            </a:r>
-            <a:r>
-              <a:rPr lang="de-DE" dirty="0">
-                <a:solidFill>
-                  <a:schemeClr val="bg1"/>
-                </a:solidFill>
-              </a:rPr>
-              <a:t>in der oberen Position. Nachdem Sie die Entscheidung getroffen haben, erscheint erneut das Fixationskreuz. </a:t>
-            </a:r>
-            <a:r>
-              <a:rPr lang="de-DE" b="1" i="1" dirty="0">
-                <a:solidFill>
-                  <a:srgbClr val="FFC000"/>
-                </a:solidFill>
-              </a:rPr>
-              <a:t>Entscheiden Sie immer welche Farbe heller ist, sobald das Farbfeld das erste mal erscheint ! </a:t>
+              <a:t>Achten Sie bitte darauf, dass Sie genug Platz zwischen Keyboard und Maus haben, um gut mit der Maus die einzelnen Farben erreichen zu können !</a:t>
             </a:r>
           </a:p>
         </p:txBody>
@@ -30989,7 +31030,7 @@
         </p:nvSpPr>
         <p:spPr>
           <a:xfrm>
-            <a:off x="5129521" y="2725094"/>
+            <a:off x="5177022" y="2641613"/>
             <a:ext cx="1390885" cy="369332"/>
           </a:xfrm>
           <a:prstGeom prst="rightArrow">
@@ -31043,7 +31084,7 @@
         </p:nvGrpSpPr>
         <p:grpSpPr>
           <a:xfrm>
-            <a:off x="8509399" y="2772164"/>
+            <a:off x="8556900" y="2688683"/>
             <a:ext cx="211304" cy="179774"/>
             <a:chOff x="2741354" y="3474161"/>
             <a:chExt cx="270000" cy="270000"/>
@@ -31258,7 +31299,7 @@
         </p:nvSpPr>
         <p:spPr>
           <a:xfrm>
-            <a:off x="2284076" y="2657760"/>
+            <a:off x="2331577" y="2574279"/>
             <a:ext cx="252000" cy="252000"/>
           </a:xfrm>
           <a:prstGeom prst="rect">
@@ -31310,7 +31351,7 @@
         </p:nvSpPr>
         <p:spPr>
           <a:xfrm>
-            <a:off x="1644029" y="3598421"/>
+            <a:off x="1691530" y="3514940"/>
             <a:ext cx="3133432" cy="369332"/>
           </a:xfrm>
           <a:prstGeom prst="rect">
@@ -31349,7 +31390,7 @@
         </p:nvSpPr>
         <p:spPr>
           <a:xfrm>
-            <a:off x="7414540" y="3604709"/>
+            <a:off x="7462041" y="3521228"/>
             <a:ext cx="2799247" cy="369332"/>
           </a:xfrm>
           <a:prstGeom prst="rect">
@@ -31395,10 +31436,12 @@
             <a:avLst/>
           </a:prstGeom>
           <a:solidFill>
-            <a:srgbClr val="C00000"/>
+            <a:srgbClr val="C1002A"/>
           </a:solidFill>
           <a:ln>
-            <a:noFill/>
+            <a:solidFill>
+              <a:schemeClr val="bg1"/>
+            </a:solidFill>
           </a:ln>
         </p:spPr>
         <p:style>
@@ -31479,10 +31522,12 @@
             <a:avLst/>
           </a:prstGeom>
           <a:solidFill>
-            <a:srgbClr val="C00000"/>
+            <a:srgbClr val="C1002A"/>
           </a:solidFill>
           <a:ln>
-            <a:noFill/>
+            <a:solidFill>
+              <a:schemeClr val="bg1"/>
+            </a:solidFill>
           </a:ln>
         </p:spPr>
         <p:style>
@@ -35454,10 +35499,12 @@
             <a:avLst/>
           </a:prstGeom>
           <a:solidFill>
-            <a:srgbClr val="C00000"/>
+            <a:srgbClr val="C1002A"/>
           </a:solidFill>
           <a:ln>
-            <a:noFill/>
+            <a:solidFill>
+              <a:schemeClr val="bg1"/>
+            </a:solidFill>
           </a:ln>
         </p:spPr>
         <p:style>
@@ -35538,10 +35585,12 @@
             <a:avLst/>
           </a:prstGeom>
           <a:solidFill>
-            <a:srgbClr val="C00000"/>
+            <a:srgbClr val="C1002A"/>
           </a:solidFill>
           <a:ln>
-            <a:noFill/>
+            <a:solidFill>
+              <a:schemeClr val="bg1"/>
+            </a:solidFill>
           </a:ln>
         </p:spPr>
         <p:style>
@@ -39547,10 +39596,12 @@
             <a:avLst/>
           </a:prstGeom>
           <a:solidFill>
-            <a:srgbClr val="C00000"/>
+            <a:srgbClr val="C1002A"/>
           </a:solidFill>
           <a:ln>
-            <a:noFill/>
+            <a:solidFill>
+              <a:schemeClr val="bg1"/>
+            </a:solidFill>
           </a:ln>
         </p:spPr>
         <p:style>
@@ -39631,10 +39682,12 @@
             <a:avLst/>
           </a:prstGeom>
           <a:solidFill>
-            <a:srgbClr val="C00000"/>
+            <a:srgbClr val="C1002A"/>
           </a:solidFill>
           <a:ln>
-            <a:noFill/>
+            <a:solidFill>
+              <a:schemeClr val="bg1"/>
+            </a:solidFill>
           </a:ln>
         </p:spPr>
         <p:style>
@@ -42712,10 +42765,12 @@
             <a:avLst/>
           </a:prstGeom>
           <a:solidFill>
-            <a:srgbClr val="C00000"/>
+            <a:srgbClr val="C1002A"/>
           </a:solidFill>
           <a:ln>
-            <a:noFill/>
+            <a:solidFill>
+              <a:schemeClr val="bg1"/>
+            </a:solidFill>
           </a:ln>
         </p:spPr>
         <p:style>
@@ -42796,10 +42851,12 @@
             <a:avLst/>
           </a:prstGeom>
           <a:solidFill>
-            <a:srgbClr val="C00000"/>
+            <a:srgbClr val="C1002A"/>
           </a:solidFill>
           <a:ln>
-            <a:noFill/>
+            <a:solidFill>
+              <a:schemeClr val="bg1"/>
+            </a:solidFill>
           </a:ln>
         </p:spPr>
         <p:style>
